--- a/slides/Sesión2-LKM.pptx
+++ b/slides/Sesión2-LKM.pptx
@@ -6,26 +6,27 @@
     <p:sldMasterId id="2147483661" r:id="rId2"/>
   </p:sldMasterIdLst>
   <p:notesMasterIdLst>
-    <p:notesMasterId r:id="rId20"/>
+    <p:notesMasterId r:id="rId21"/>
   </p:notesMasterIdLst>
   <p:sldIdLst>
     <p:sldId id="256" r:id="rId3"/>
     <p:sldId id="257" r:id="rId4"/>
-    <p:sldId id="258" r:id="rId5"/>
-    <p:sldId id="259" r:id="rId6"/>
-    <p:sldId id="260" r:id="rId7"/>
-    <p:sldId id="261" r:id="rId8"/>
-    <p:sldId id="262" r:id="rId9"/>
-    <p:sldId id="263" r:id="rId10"/>
-    <p:sldId id="264" r:id="rId11"/>
-    <p:sldId id="265" r:id="rId12"/>
-    <p:sldId id="266" r:id="rId13"/>
-    <p:sldId id="267" r:id="rId14"/>
-    <p:sldId id="268" r:id="rId15"/>
-    <p:sldId id="269" r:id="rId16"/>
-    <p:sldId id="270" r:id="rId17"/>
-    <p:sldId id="271" r:id="rId18"/>
-    <p:sldId id="272" r:id="rId19"/>
+    <p:sldId id="273" r:id="rId5"/>
+    <p:sldId id="258" r:id="rId6"/>
+    <p:sldId id="259" r:id="rId7"/>
+    <p:sldId id="260" r:id="rId8"/>
+    <p:sldId id="261" r:id="rId9"/>
+    <p:sldId id="262" r:id="rId10"/>
+    <p:sldId id="263" r:id="rId11"/>
+    <p:sldId id="264" r:id="rId12"/>
+    <p:sldId id="265" r:id="rId13"/>
+    <p:sldId id="266" r:id="rId14"/>
+    <p:sldId id="267" r:id="rId15"/>
+    <p:sldId id="268" r:id="rId16"/>
+    <p:sldId id="269" r:id="rId17"/>
+    <p:sldId id="270" r:id="rId18"/>
+    <p:sldId id="271" r:id="rId19"/>
+    <p:sldId id="272" r:id="rId20"/>
   </p:sldIdLst>
   <p:sldSz cx="9144000" cy="6858000" type="screen4x3"/>
   <p:notesSz cx="6797675" cy="9926638"/>
@@ -124,6 +125,11 @@
       </a:defRPr>
     </a:lvl9pPr>
   </p:defaultTextStyle>
+  <p:extLst>
+    <p:ext uri="{EFAFB233-063F-42B5-8137-9DF3F51BA10A}">
+      <p15:sldGuideLst xmlns:p15="http://schemas.microsoft.com/office/powerpoint/2012/main"/>
+    </p:ext>
+  </p:extLst>
 </p:presentation>
 </file>
 
@@ -645,7 +651,7 @@
       </p:grpSpPr>
       <p:sp>
         <p:nvSpPr>
-          <p:cNvPr id="245" name="TextShape 1"/>
+          <p:cNvPr id="242" name="TextShape 1"/>
           <p:cNvSpPr txBox="1"/>
           <p:nvPr/>
         </p:nvSpPr>
@@ -673,7 +679,7 @@
                 <a:spcPct val="100000"/>
               </a:lnSpc>
             </a:pPr>
-            <a:fld id="{C67BF2E8-7873-4C3C-83F2-D97FD17AD7EF}" type="slidenum">
+            <a:fld id="{2ACACDBA-EEE9-422F-AFD8-39FBA023D75E}" type="slidenum">
               <a:rPr lang="es-ES" sz="1200" b="0" strike="noStrike" spc="-1">
                 <a:latin typeface="Times New Roman"/>
               </a:rPr>
@@ -687,7 +693,7 @@
       </p:sp>
       <p:sp>
         <p:nvSpPr>
-          <p:cNvPr id="246" name="PlaceHolder 2"/>
+          <p:cNvPr id="243" name="PlaceHolder 2"/>
           <p:cNvSpPr>
             <a:spLocks noGrp="1" noRot="1" noChangeAspect="1"/>
           </p:cNvSpPr>
@@ -707,7 +713,7 @@
       </p:sp>
       <p:sp>
         <p:nvSpPr>
-          <p:cNvPr id="247" name="PlaceHolder 3"/>
+          <p:cNvPr id="244" name="PlaceHolder 3"/>
           <p:cNvSpPr>
             <a:spLocks noGrp="1"/>
           </p:cNvSpPr>
@@ -763,7 +769,7 @@
       </p:grpSpPr>
       <p:sp>
         <p:nvSpPr>
-          <p:cNvPr id="248" name="TextShape 1"/>
+          <p:cNvPr id="245" name="TextShape 1"/>
           <p:cNvSpPr txBox="1"/>
           <p:nvPr/>
         </p:nvSpPr>
@@ -791,7 +797,7 @@
                 <a:spcPct val="100000"/>
               </a:lnSpc>
             </a:pPr>
-            <a:fld id="{6D8D971F-C48A-48A3-A49C-BF92C74E2FC0}" type="slidenum">
+            <a:fld id="{C67BF2E8-7873-4C3C-83F2-D97FD17AD7EF}" type="slidenum">
               <a:rPr lang="es-ES" sz="1200" b="0" strike="noStrike" spc="-1">
                 <a:latin typeface="Times New Roman"/>
               </a:rPr>
@@ -805,7 +811,7 @@
       </p:sp>
       <p:sp>
         <p:nvSpPr>
-          <p:cNvPr id="249" name="PlaceHolder 2"/>
+          <p:cNvPr id="246" name="PlaceHolder 2"/>
           <p:cNvSpPr>
             <a:spLocks noGrp="1" noRot="1" noChangeAspect="1"/>
           </p:cNvSpPr>
@@ -825,7 +831,7 @@
       </p:sp>
       <p:sp>
         <p:nvSpPr>
-          <p:cNvPr id="250" name="PlaceHolder 3"/>
+          <p:cNvPr id="247" name="PlaceHolder 3"/>
           <p:cNvSpPr>
             <a:spLocks noGrp="1"/>
           </p:cNvSpPr>
@@ -881,7 +887,7 @@
       </p:grpSpPr>
       <p:sp>
         <p:nvSpPr>
-          <p:cNvPr id="251" name="TextShape 1"/>
+          <p:cNvPr id="248" name="TextShape 1"/>
           <p:cNvSpPr txBox="1"/>
           <p:nvPr/>
         </p:nvSpPr>
@@ -909,7 +915,7 @@
                 <a:spcPct val="100000"/>
               </a:lnSpc>
             </a:pPr>
-            <a:fld id="{379D9927-CE19-4A26-B13E-A4C10D3731A3}" type="slidenum">
+            <a:fld id="{6D8D971F-C48A-48A3-A49C-BF92C74E2FC0}" type="slidenum">
               <a:rPr lang="es-ES" sz="1200" b="0" strike="noStrike" spc="-1">
                 <a:latin typeface="Times New Roman"/>
               </a:rPr>
@@ -923,7 +929,7 @@
       </p:sp>
       <p:sp>
         <p:nvSpPr>
-          <p:cNvPr id="252" name="PlaceHolder 2"/>
+          <p:cNvPr id="249" name="PlaceHolder 2"/>
           <p:cNvSpPr>
             <a:spLocks noGrp="1" noRot="1" noChangeAspect="1"/>
           </p:cNvSpPr>
@@ -943,7 +949,7 @@
       </p:sp>
       <p:sp>
         <p:nvSpPr>
-          <p:cNvPr id="253" name="PlaceHolder 3"/>
+          <p:cNvPr id="250" name="PlaceHolder 3"/>
           <p:cNvSpPr>
             <a:spLocks noGrp="1"/>
           </p:cNvSpPr>
@@ -999,7 +1005,7 @@
       </p:grpSpPr>
       <p:sp>
         <p:nvSpPr>
-          <p:cNvPr id="254" name="TextShape 1"/>
+          <p:cNvPr id="251" name="TextShape 1"/>
           <p:cNvSpPr txBox="1"/>
           <p:nvPr/>
         </p:nvSpPr>
@@ -1027,7 +1033,7 @@
                 <a:spcPct val="100000"/>
               </a:lnSpc>
             </a:pPr>
-            <a:fld id="{FFB25623-B325-4315-A61A-979B30EA8D22}" type="slidenum">
+            <a:fld id="{379D9927-CE19-4A26-B13E-A4C10D3731A3}" type="slidenum">
               <a:rPr lang="es-ES" sz="1200" b="0" strike="noStrike" spc="-1">
                 <a:latin typeface="Times New Roman"/>
               </a:rPr>
@@ -1041,7 +1047,7 @@
       </p:sp>
       <p:sp>
         <p:nvSpPr>
-          <p:cNvPr id="255" name="PlaceHolder 2"/>
+          <p:cNvPr id="252" name="PlaceHolder 2"/>
           <p:cNvSpPr>
             <a:spLocks noGrp="1" noRot="1" noChangeAspect="1"/>
           </p:cNvSpPr>
@@ -1061,7 +1067,7 @@
       </p:sp>
       <p:sp>
         <p:nvSpPr>
-          <p:cNvPr id="256" name="PlaceHolder 3"/>
+          <p:cNvPr id="253" name="PlaceHolder 3"/>
           <p:cNvSpPr>
             <a:spLocks noGrp="1"/>
           </p:cNvSpPr>
@@ -1117,7 +1123,7 @@
       </p:grpSpPr>
       <p:sp>
         <p:nvSpPr>
-          <p:cNvPr id="257" name="TextShape 1"/>
+          <p:cNvPr id="254" name="TextShape 1"/>
           <p:cNvSpPr txBox="1"/>
           <p:nvPr/>
         </p:nvSpPr>
@@ -1145,7 +1151,7 @@
                 <a:spcPct val="100000"/>
               </a:lnSpc>
             </a:pPr>
-            <a:fld id="{EE89F470-843B-470A-98E1-6ABC1419823E}" type="slidenum">
+            <a:fld id="{FFB25623-B325-4315-A61A-979B30EA8D22}" type="slidenum">
               <a:rPr lang="es-ES" sz="1200" b="0" strike="noStrike" spc="-1">
                 <a:latin typeface="Times New Roman"/>
               </a:rPr>
@@ -1159,7 +1165,7 @@
       </p:sp>
       <p:sp>
         <p:nvSpPr>
-          <p:cNvPr id="258" name="PlaceHolder 2"/>
+          <p:cNvPr id="255" name="PlaceHolder 2"/>
           <p:cNvSpPr>
             <a:spLocks noGrp="1" noRot="1" noChangeAspect="1"/>
           </p:cNvSpPr>
@@ -1179,7 +1185,7 @@
       </p:sp>
       <p:sp>
         <p:nvSpPr>
-          <p:cNvPr id="259" name="PlaceHolder 3"/>
+          <p:cNvPr id="256" name="PlaceHolder 3"/>
           <p:cNvSpPr>
             <a:spLocks noGrp="1"/>
           </p:cNvSpPr>
@@ -1235,7 +1241,7 @@
       </p:grpSpPr>
       <p:sp>
         <p:nvSpPr>
-          <p:cNvPr id="260" name="TextShape 1"/>
+          <p:cNvPr id="257" name="TextShape 1"/>
           <p:cNvSpPr txBox="1"/>
           <p:nvPr/>
         </p:nvSpPr>
@@ -1263,7 +1269,7 @@
                 <a:spcPct val="100000"/>
               </a:lnSpc>
             </a:pPr>
-            <a:fld id="{3CD2B047-AA00-4823-AAA7-46018B982FE1}" type="slidenum">
+            <a:fld id="{EE89F470-843B-470A-98E1-6ABC1419823E}" type="slidenum">
               <a:rPr lang="es-ES" sz="1200" b="0" strike="noStrike" spc="-1">
                 <a:latin typeface="Times New Roman"/>
               </a:rPr>
@@ -1277,7 +1283,7 @@
       </p:sp>
       <p:sp>
         <p:nvSpPr>
-          <p:cNvPr id="261" name="PlaceHolder 2"/>
+          <p:cNvPr id="258" name="PlaceHolder 2"/>
           <p:cNvSpPr>
             <a:spLocks noGrp="1" noRot="1" noChangeAspect="1"/>
           </p:cNvSpPr>
@@ -1297,7 +1303,7 @@
       </p:sp>
       <p:sp>
         <p:nvSpPr>
-          <p:cNvPr id="262" name="PlaceHolder 3"/>
+          <p:cNvPr id="259" name="PlaceHolder 3"/>
           <p:cNvSpPr>
             <a:spLocks noGrp="1"/>
           </p:cNvSpPr>
@@ -1353,7 +1359,7 @@
       </p:grpSpPr>
       <p:sp>
         <p:nvSpPr>
-          <p:cNvPr id="263" name="TextShape 1"/>
+          <p:cNvPr id="260" name="TextShape 1"/>
           <p:cNvSpPr txBox="1"/>
           <p:nvPr/>
         </p:nvSpPr>
@@ -1381,7 +1387,7 @@
                 <a:spcPct val="100000"/>
               </a:lnSpc>
             </a:pPr>
-            <a:fld id="{0B5BC8B7-6444-4BB0-928C-DE99D27C6D07}" type="slidenum">
+            <a:fld id="{3CD2B047-AA00-4823-AAA7-46018B982FE1}" type="slidenum">
               <a:rPr lang="es-ES" sz="1200" b="0" strike="noStrike" spc="-1">
                 <a:latin typeface="Times New Roman"/>
               </a:rPr>
@@ -1395,7 +1401,7 @@
       </p:sp>
       <p:sp>
         <p:nvSpPr>
-          <p:cNvPr id="264" name="PlaceHolder 2"/>
+          <p:cNvPr id="261" name="PlaceHolder 2"/>
           <p:cNvSpPr>
             <a:spLocks noGrp="1" noRot="1" noChangeAspect="1"/>
           </p:cNvSpPr>
@@ -1415,7 +1421,7 @@
       </p:sp>
       <p:sp>
         <p:nvSpPr>
-          <p:cNvPr id="265" name="PlaceHolder 3"/>
+          <p:cNvPr id="262" name="PlaceHolder 3"/>
           <p:cNvSpPr>
             <a:spLocks noGrp="1"/>
           </p:cNvSpPr>
@@ -1471,7 +1477,7 @@
       </p:grpSpPr>
       <p:sp>
         <p:nvSpPr>
-          <p:cNvPr id="266" name="TextShape 1"/>
+          <p:cNvPr id="263" name="TextShape 1"/>
           <p:cNvSpPr txBox="1"/>
           <p:nvPr/>
         </p:nvSpPr>
@@ -1499,11 +1505,129 @@
                 <a:spcPct val="100000"/>
               </a:lnSpc>
             </a:pPr>
+            <a:fld id="{0B5BC8B7-6444-4BB0-928C-DE99D27C6D07}" type="slidenum">
+              <a:rPr lang="es-ES" sz="1200" b="0" strike="noStrike" spc="-1">
+                <a:latin typeface="Times New Roman"/>
+              </a:rPr>
+              <a:t>17</a:t>
+            </a:fld>
+            <a:endParaRPr lang="es-ES" sz="1200" b="0" strike="noStrike" spc="-1">
+              <a:latin typeface="Times New Roman"/>
+            </a:endParaRPr>
+          </a:p>
+        </p:txBody>
+      </p:sp>
+      <p:sp>
+        <p:nvSpPr>
+          <p:cNvPr id="264" name="PlaceHolder 2"/>
+          <p:cNvSpPr>
+            <a:spLocks noGrp="1" noRot="1" noChangeAspect="1"/>
+          </p:cNvSpPr>
+          <p:nvPr>
+            <p:ph type="sldImg"/>
+          </p:nvPr>
+        </p:nvSpPr>
+        <p:spPr>
+          <a:xfrm>
+            <a:off x="917640" y="744480"/>
+            <a:ext cx="4962240" cy="3722400"/>
+          </a:xfrm>
+          <a:prstGeom prst="rect">
+            <a:avLst/>
+          </a:prstGeom>
+        </p:spPr>
+      </p:sp>
+      <p:sp>
+        <p:nvSpPr>
+          <p:cNvPr id="265" name="PlaceHolder 3"/>
+          <p:cNvSpPr>
+            <a:spLocks noGrp="1"/>
+          </p:cNvSpPr>
+          <p:nvPr>
+            <p:ph type="body"/>
+          </p:nvPr>
+        </p:nvSpPr>
+        <p:spPr>
+          <a:xfrm>
+            <a:off x="679680" y="4715280"/>
+            <a:ext cx="5437800" cy="4466520"/>
+          </a:xfrm>
+          <a:prstGeom prst="rect">
+            <a:avLst/>
+          </a:prstGeom>
+        </p:spPr>
+        <p:txBody>
+          <a:bodyPr>
+            <a:noAutofit/>
+          </a:bodyPr>
+          <a:lstStyle/>
+          <a:p>
+            <a:endParaRPr lang="es-ES" sz="2000" b="0" strike="noStrike" spc="-1">
+              <a:latin typeface="Arial"/>
+            </a:endParaRPr>
+          </a:p>
+        </p:txBody>
+      </p:sp>
+    </p:spTree>
+  </p:cSld>
+  <p:clrMapOvr>
+    <a:masterClrMapping/>
+  </p:clrMapOvr>
+</p:notes>
+</file>
+
+<file path=ppt/notesSlides/notesSlide18.xml><?xml version="1.0" encoding="utf-8"?>
+<p:notes xmlns:a="http://schemas.openxmlformats.org/drawingml/2006/main" xmlns:r="http://schemas.openxmlformats.org/officeDocument/2006/relationships" xmlns:p="http://schemas.openxmlformats.org/presentationml/2006/main">
+  <p:cSld>
+    <p:spTree>
+      <p:nvGrpSpPr>
+        <p:cNvPr id="1" name=""/>
+        <p:cNvGrpSpPr/>
+        <p:nvPr/>
+      </p:nvGrpSpPr>
+      <p:grpSpPr>
+        <a:xfrm>
+          <a:off x="0" y="0"/>
+          <a:ext cx="0" cy="0"/>
+          <a:chOff x="0" y="0"/>
+          <a:chExt cx="0" cy="0"/>
+        </a:xfrm>
+      </p:grpSpPr>
+      <p:sp>
+        <p:nvSpPr>
+          <p:cNvPr id="266" name="TextShape 1"/>
+          <p:cNvSpPr txBox="1"/>
+          <p:nvPr/>
+        </p:nvSpPr>
+        <p:spPr>
+          <a:xfrm>
+            <a:off x="3850560" y="9428760"/>
+            <a:ext cx="2945160" cy="496080"/>
+          </a:xfrm>
+          <a:prstGeom prst="rect">
+            <a:avLst/>
+          </a:prstGeom>
+          <a:noFill/>
+          <a:ln>
+            <a:noFill/>
+          </a:ln>
+        </p:spPr>
+        <p:txBody>
+          <a:bodyPr anchor="b">
+            <a:noAutofit/>
+          </a:bodyPr>
+          <a:lstStyle/>
+          <a:p>
+            <a:pPr algn="r">
+              <a:lnSpc>
+                <a:spcPct val="100000"/>
+              </a:lnSpc>
+            </a:pPr>
             <a:fld id="{33F6A486-6F83-4EED-ADE5-48D72D576140}" type="slidenum">
               <a:rPr lang="es-ES" sz="1200" b="0" strike="noStrike" spc="-1">
                 <a:latin typeface="Times New Roman"/>
               </a:rPr>
-              <a:t>17</a:t>
+              <a:t>18</a:t>
             </a:fld>
             <a:endParaRPr lang="es-ES" sz="1200" b="0" strike="noStrike" spc="-1">
               <a:latin typeface="Times New Roman"/>
@@ -1641,8 +1765,8 @@
         </p:nvSpPr>
         <p:spPr>
           <a:xfrm>
-            <a:off x="917640" y="744480"/>
-            <a:ext cx="4962240" cy="3722400"/>
+            <a:off x="917575" y="744538"/>
+            <a:ext cx="4962525" cy="3722687"/>
           </a:xfrm>
           <a:prstGeom prst="rect">
             <a:avLst/>
@@ -1707,7 +1831,7 @@
       </p:grpSpPr>
       <p:sp>
         <p:nvSpPr>
-          <p:cNvPr id="224" name="TextShape 1"/>
+          <p:cNvPr id="221" name="TextShape 1"/>
           <p:cNvSpPr txBox="1"/>
           <p:nvPr/>
         </p:nvSpPr>
@@ -1735,7 +1859,7 @@
                 <a:spcPct val="100000"/>
               </a:lnSpc>
             </a:pPr>
-            <a:fld id="{73EF07A4-3342-499A-B494-CDE5030DE915}" type="slidenum">
+            <a:fld id="{F3909868-F43B-44F6-AEFA-47500B6D3C5C}" type="slidenum">
               <a:rPr lang="es-ES" sz="1200" b="0" strike="noStrike" spc="-1">
                 <a:latin typeface="Times New Roman"/>
               </a:rPr>
@@ -1749,7 +1873,7 @@
       </p:sp>
       <p:sp>
         <p:nvSpPr>
-          <p:cNvPr id="225" name="PlaceHolder 2"/>
+          <p:cNvPr id="222" name="PlaceHolder 2"/>
           <p:cNvSpPr>
             <a:spLocks noGrp="1" noRot="1" noChangeAspect="1"/>
           </p:cNvSpPr>
@@ -1769,7 +1893,7 @@
       </p:sp>
       <p:sp>
         <p:nvSpPr>
-          <p:cNvPr id="226" name="PlaceHolder 3"/>
+          <p:cNvPr id="223" name="PlaceHolder 3"/>
           <p:cNvSpPr>
             <a:spLocks noGrp="1"/>
           </p:cNvSpPr>
@@ -1799,6 +1923,11 @@
         </p:txBody>
       </p:sp>
     </p:spTree>
+    <p:extLst>
+      <p:ext uri="{BB962C8B-B14F-4D97-AF65-F5344CB8AC3E}">
+        <p14:creationId xmlns:p14="http://schemas.microsoft.com/office/powerpoint/2010/main" val="1049385869"/>
+      </p:ext>
+    </p:extLst>
   </p:cSld>
   <p:clrMapOvr>
     <a:masterClrMapping/>
@@ -1825,7 +1954,7 @@
       </p:grpSpPr>
       <p:sp>
         <p:nvSpPr>
-          <p:cNvPr id="227" name="TextShape 1"/>
+          <p:cNvPr id="224" name="TextShape 1"/>
           <p:cNvSpPr txBox="1"/>
           <p:nvPr/>
         </p:nvSpPr>
@@ -1853,7 +1982,7 @@
                 <a:spcPct val="100000"/>
               </a:lnSpc>
             </a:pPr>
-            <a:fld id="{92A98551-4B75-43C1-BA55-65BA496BB57A}" type="slidenum">
+            <a:fld id="{73EF07A4-3342-499A-B494-CDE5030DE915}" type="slidenum">
               <a:rPr lang="es-ES" sz="1200" b="0" strike="noStrike" spc="-1">
                 <a:latin typeface="Times New Roman"/>
               </a:rPr>
@@ -1867,7 +1996,7 @@
       </p:sp>
       <p:sp>
         <p:nvSpPr>
-          <p:cNvPr id="228" name="PlaceHolder 2"/>
+          <p:cNvPr id="225" name="PlaceHolder 2"/>
           <p:cNvSpPr>
             <a:spLocks noGrp="1" noRot="1" noChangeAspect="1"/>
           </p:cNvSpPr>
@@ -1887,7 +2016,7 @@
       </p:sp>
       <p:sp>
         <p:nvSpPr>
-          <p:cNvPr id="229" name="PlaceHolder 3"/>
+          <p:cNvPr id="226" name="PlaceHolder 3"/>
           <p:cNvSpPr>
             <a:spLocks noGrp="1"/>
           </p:cNvSpPr>
@@ -1943,7 +2072,7 @@
       </p:grpSpPr>
       <p:sp>
         <p:nvSpPr>
-          <p:cNvPr id="230" name="TextShape 1"/>
+          <p:cNvPr id="227" name="TextShape 1"/>
           <p:cNvSpPr txBox="1"/>
           <p:nvPr/>
         </p:nvSpPr>
@@ -1971,7 +2100,7 @@
                 <a:spcPct val="100000"/>
               </a:lnSpc>
             </a:pPr>
-            <a:fld id="{C97BC951-AD0D-4FB7-BB57-49C642FEC896}" type="slidenum">
+            <a:fld id="{92A98551-4B75-43C1-BA55-65BA496BB57A}" type="slidenum">
               <a:rPr lang="es-ES" sz="1200" b="0" strike="noStrike" spc="-1">
                 <a:latin typeface="Times New Roman"/>
               </a:rPr>
@@ -1985,7 +2114,7 @@
       </p:sp>
       <p:sp>
         <p:nvSpPr>
-          <p:cNvPr id="231" name="PlaceHolder 2"/>
+          <p:cNvPr id="228" name="PlaceHolder 2"/>
           <p:cNvSpPr>
             <a:spLocks noGrp="1" noRot="1" noChangeAspect="1"/>
           </p:cNvSpPr>
@@ -2005,7 +2134,7 @@
       </p:sp>
       <p:sp>
         <p:nvSpPr>
-          <p:cNvPr id="232" name="PlaceHolder 3"/>
+          <p:cNvPr id="229" name="PlaceHolder 3"/>
           <p:cNvSpPr>
             <a:spLocks noGrp="1"/>
           </p:cNvSpPr>
@@ -2061,7 +2190,7 @@
       </p:grpSpPr>
       <p:sp>
         <p:nvSpPr>
-          <p:cNvPr id="233" name="TextShape 1"/>
+          <p:cNvPr id="230" name="TextShape 1"/>
           <p:cNvSpPr txBox="1"/>
           <p:nvPr/>
         </p:nvSpPr>
@@ -2089,7 +2218,7 @@
                 <a:spcPct val="100000"/>
               </a:lnSpc>
             </a:pPr>
-            <a:fld id="{88776BDF-28EF-4135-BDFA-483BE0E5E0BA}" type="slidenum">
+            <a:fld id="{C97BC951-AD0D-4FB7-BB57-49C642FEC896}" type="slidenum">
               <a:rPr lang="es-ES" sz="1200" b="0" strike="noStrike" spc="-1">
                 <a:latin typeface="Times New Roman"/>
               </a:rPr>
@@ -2103,7 +2232,7 @@
       </p:sp>
       <p:sp>
         <p:nvSpPr>
-          <p:cNvPr id="234" name="PlaceHolder 2"/>
+          <p:cNvPr id="231" name="PlaceHolder 2"/>
           <p:cNvSpPr>
             <a:spLocks noGrp="1" noRot="1" noChangeAspect="1"/>
           </p:cNvSpPr>
@@ -2123,7 +2252,7 @@
       </p:sp>
       <p:sp>
         <p:nvSpPr>
-          <p:cNvPr id="235" name="PlaceHolder 3"/>
+          <p:cNvPr id="232" name="PlaceHolder 3"/>
           <p:cNvSpPr>
             <a:spLocks noGrp="1"/>
           </p:cNvSpPr>
@@ -2179,7 +2308,7 @@
       </p:grpSpPr>
       <p:sp>
         <p:nvSpPr>
-          <p:cNvPr id="236" name="TextShape 1"/>
+          <p:cNvPr id="233" name="TextShape 1"/>
           <p:cNvSpPr txBox="1"/>
           <p:nvPr/>
         </p:nvSpPr>
@@ -2207,7 +2336,7 @@
                 <a:spcPct val="100000"/>
               </a:lnSpc>
             </a:pPr>
-            <a:fld id="{CBC22AED-A6C4-4927-8580-C2ADD8B9AE0B}" type="slidenum">
+            <a:fld id="{88776BDF-28EF-4135-BDFA-483BE0E5E0BA}" type="slidenum">
               <a:rPr lang="es-ES" sz="1200" b="0" strike="noStrike" spc="-1">
                 <a:latin typeface="Times New Roman"/>
               </a:rPr>
@@ -2221,7 +2350,7 @@
       </p:sp>
       <p:sp>
         <p:nvSpPr>
-          <p:cNvPr id="237" name="PlaceHolder 2"/>
+          <p:cNvPr id="234" name="PlaceHolder 2"/>
           <p:cNvSpPr>
             <a:spLocks noGrp="1" noRot="1" noChangeAspect="1"/>
           </p:cNvSpPr>
@@ -2241,7 +2370,7 @@
       </p:sp>
       <p:sp>
         <p:nvSpPr>
-          <p:cNvPr id="238" name="PlaceHolder 3"/>
+          <p:cNvPr id="235" name="PlaceHolder 3"/>
           <p:cNvSpPr>
             <a:spLocks noGrp="1"/>
           </p:cNvSpPr>
@@ -2297,7 +2426,7 @@
       </p:grpSpPr>
       <p:sp>
         <p:nvSpPr>
-          <p:cNvPr id="239" name="TextShape 1"/>
+          <p:cNvPr id="236" name="TextShape 1"/>
           <p:cNvSpPr txBox="1"/>
           <p:nvPr/>
         </p:nvSpPr>
@@ -2325,7 +2454,7 @@
                 <a:spcPct val="100000"/>
               </a:lnSpc>
             </a:pPr>
-            <a:fld id="{ED047622-1714-48E9-A19E-A426EF08DBED}" type="slidenum">
+            <a:fld id="{CBC22AED-A6C4-4927-8580-C2ADD8B9AE0B}" type="slidenum">
               <a:rPr lang="es-ES" sz="1200" b="0" strike="noStrike" spc="-1">
                 <a:latin typeface="Times New Roman"/>
               </a:rPr>
@@ -2339,7 +2468,7 @@
       </p:sp>
       <p:sp>
         <p:nvSpPr>
-          <p:cNvPr id="240" name="PlaceHolder 2"/>
+          <p:cNvPr id="237" name="PlaceHolder 2"/>
           <p:cNvSpPr>
             <a:spLocks noGrp="1" noRot="1" noChangeAspect="1"/>
           </p:cNvSpPr>
@@ -2359,7 +2488,7 @@
       </p:sp>
       <p:sp>
         <p:nvSpPr>
-          <p:cNvPr id="241" name="PlaceHolder 3"/>
+          <p:cNvPr id="238" name="PlaceHolder 3"/>
           <p:cNvSpPr>
             <a:spLocks noGrp="1"/>
           </p:cNvSpPr>
@@ -2415,7 +2544,7 @@
       </p:grpSpPr>
       <p:sp>
         <p:nvSpPr>
-          <p:cNvPr id="242" name="TextShape 1"/>
+          <p:cNvPr id="239" name="TextShape 1"/>
           <p:cNvSpPr txBox="1"/>
           <p:nvPr/>
         </p:nvSpPr>
@@ -2443,7 +2572,7 @@
                 <a:spcPct val="100000"/>
               </a:lnSpc>
             </a:pPr>
-            <a:fld id="{2ACACDBA-EEE9-422F-AFD8-39FBA023D75E}" type="slidenum">
+            <a:fld id="{ED047622-1714-48E9-A19E-A426EF08DBED}" type="slidenum">
               <a:rPr lang="es-ES" sz="1200" b="0" strike="noStrike" spc="-1">
                 <a:latin typeface="Times New Roman"/>
               </a:rPr>
@@ -2457,7 +2586,7 @@
       </p:sp>
       <p:sp>
         <p:nvSpPr>
-          <p:cNvPr id="243" name="PlaceHolder 2"/>
+          <p:cNvPr id="240" name="PlaceHolder 2"/>
           <p:cNvSpPr>
             <a:spLocks noGrp="1" noRot="1" noChangeAspect="1"/>
           </p:cNvSpPr>
@@ -2477,7 +2606,7 @@
       </p:sp>
       <p:sp>
         <p:nvSpPr>
-          <p:cNvPr id="244" name="PlaceHolder 3"/>
+          <p:cNvPr id="241" name="PlaceHolder 3"/>
           <p:cNvSpPr>
             <a:spLocks noGrp="1"/>
           </p:cNvSpPr>
@@ -7339,7 +7468,7 @@
       </p:grpSpPr>
       <p:sp>
         <p:nvSpPr>
-          <p:cNvPr id="153" name="TextShape 1"/>
+          <p:cNvPr id="148" name="TextShape 1"/>
           <p:cNvSpPr txBox="1"/>
           <p:nvPr/>
         </p:nvSpPr>
@@ -7381,7 +7510,7 @@
       </p:sp>
       <p:sp>
         <p:nvSpPr>
-          <p:cNvPr id="154" name="CustomShape 2"/>
+          <p:cNvPr id="149" name="CustomShape 2"/>
           <p:cNvSpPr/>
           <p:nvPr/>
         </p:nvSpPr>
@@ -7427,7 +7556,7 @@
       </p:sp>
       <p:pic>
         <p:nvPicPr>
-          <p:cNvPr id="155" name="Picture 5" descr="Linking Project tasks"/>
+          <p:cNvPr id="150" name="Picture 5" descr="Linking Project tasks"/>
           <p:cNvPicPr/>
           <p:nvPr/>
         </p:nvPicPr>
@@ -7450,7 +7579,7 @@
       </p:pic>
       <p:pic>
         <p:nvPicPr>
-          <p:cNvPr id="156" name="Picture 2"/>
+          <p:cNvPr id="151" name="Picture 2"/>
           <p:cNvPicPr/>
           <p:nvPr/>
         </p:nvPicPr>
@@ -7473,14 +7602,14 @@
       </p:pic>
       <p:sp>
         <p:nvSpPr>
-          <p:cNvPr id="157" name="CustomShape 3"/>
+          <p:cNvPr id="152" name="CustomShape 3"/>
           <p:cNvSpPr/>
           <p:nvPr/>
         </p:nvSpPr>
         <p:spPr>
           <a:xfrm>
-            <a:off x="1500480" y="1511280"/>
-            <a:ext cx="7412760" cy="1126440"/>
+            <a:off x="1525320" y="1521720"/>
+            <a:ext cx="7313760" cy="4992120"/>
           </a:xfrm>
           <a:prstGeom prst="rect">
             <a:avLst/>
@@ -7514,329 +7643,379 @@
               </a:lnSpc>
             </a:pPr>
             <a:r>
-              <a:rPr lang="es-ES" sz="1800" b="0" strike="noStrike" spc="-1">
-                <a:solidFill>
-                  <a:srgbClr val="FFFFFF"/>
-                </a:solidFill>
-                <a:latin typeface="Arial"/>
-              </a:rPr>
-              <a:t>Esta macro hace que la función de inicio se descarge de memoria para los drivers incluidos en el kernel, pero no en los módulos cargables.</a:t>
-            </a:r>
-            <a:endParaRPr lang="es-ES" sz="1800" b="0" strike="noStrike" spc="-1">
-              <a:latin typeface="Arial"/>
-            </a:endParaRPr>
-          </a:p>
-          <a:p>
-            <a:pPr>
-              <a:lnSpc>
-                <a:spcPct val="100000"/>
-              </a:lnSpc>
-            </a:pPr>
-            <a:endParaRPr lang="es-ES" sz="1800" b="0" strike="noStrike" spc="-1">
-              <a:latin typeface="Arial"/>
-            </a:endParaRPr>
-          </a:p>
-          <a:p>
-            <a:pPr>
-              <a:lnSpc>
-                <a:spcPct val="100000"/>
-              </a:lnSpc>
-            </a:pPr>
-            <a:endParaRPr lang="es-ES" sz="1800" b="0" strike="noStrike" spc="-1">
-              <a:latin typeface="Arial"/>
-            </a:endParaRPr>
-          </a:p>
-        </p:txBody>
-      </p:sp>
-      <p:sp>
-        <p:nvSpPr>
-          <p:cNvPr id="158" name="CustomShape 4"/>
-          <p:cNvSpPr/>
-          <p:nvPr/>
-        </p:nvSpPr>
-        <p:spPr>
-          <a:xfrm>
-            <a:off x="3841920" y="918000"/>
-            <a:ext cx="1032840" cy="516960"/>
-          </a:xfrm>
-          <a:prstGeom prst="rect">
-            <a:avLst/>
-          </a:prstGeom>
-          <a:noFill/>
-          <a:ln>
-            <a:noFill/>
-          </a:ln>
-        </p:spPr>
-        <p:style>
-          <a:lnRef idx="0">
-            <a:scrgbClr r="0" g="0" b="0"/>
-          </a:lnRef>
-          <a:fillRef idx="0">
-            <a:scrgbClr r="0" g="0" b="0"/>
-          </a:fillRef>
-          <a:effectRef idx="0">
-            <a:scrgbClr r="0" g="0" b="0"/>
-          </a:effectRef>
-          <a:fontRef idx="minor"/>
-        </p:style>
-        <p:txBody>
-          <a:bodyPr wrap="none" lIns="90000" tIns="45000" rIns="90000" bIns="45000">
-            <a:spAutoFit/>
-          </a:bodyPr>
-          <a:lstStyle/>
-          <a:p>
-            <a:pPr>
-              <a:lnSpc>
-                <a:spcPct val="100000"/>
-              </a:lnSpc>
-            </a:pPr>
-            <a:r>
-              <a:rPr lang="es-ES" sz="2800" b="0" strike="noStrike" spc="-1">
-                <a:solidFill>
-                  <a:srgbClr val="FFFFFF"/>
-                </a:solidFill>
-                <a:latin typeface="Arial"/>
-              </a:rPr>
-              <a:t>__init</a:t>
-            </a:r>
-            <a:endParaRPr lang="es-ES" sz="2800" b="0" strike="noStrike" spc="-1">
-              <a:latin typeface="Arial"/>
-            </a:endParaRPr>
-          </a:p>
-        </p:txBody>
-      </p:sp>
-      <p:sp>
-        <p:nvSpPr>
-          <p:cNvPr id="159" name="CustomShape 5"/>
-          <p:cNvSpPr/>
-          <p:nvPr/>
-        </p:nvSpPr>
-        <p:spPr>
-          <a:xfrm>
-            <a:off x="3575520" y="2332440"/>
-            <a:ext cx="1825560" cy="516960"/>
-          </a:xfrm>
-          <a:prstGeom prst="rect">
-            <a:avLst/>
-          </a:prstGeom>
-          <a:noFill/>
-          <a:ln>
-            <a:noFill/>
-          </a:ln>
-        </p:spPr>
-        <p:style>
-          <a:lnRef idx="0">
-            <a:scrgbClr r="0" g="0" b="0"/>
-          </a:lnRef>
-          <a:fillRef idx="0">
-            <a:scrgbClr r="0" g="0" b="0"/>
-          </a:fillRef>
-          <a:effectRef idx="0">
-            <a:scrgbClr r="0" g="0" b="0"/>
-          </a:effectRef>
-          <a:fontRef idx="minor"/>
-        </p:style>
-        <p:txBody>
-          <a:bodyPr wrap="none" lIns="90000" tIns="45000" rIns="90000" bIns="45000">
-            <a:spAutoFit/>
-          </a:bodyPr>
-          <a:lstStyle/>
-          <a:p>
-            <a:pPr>
-              <a:lnSpc>
-                <a:spcPct val="100000"/>
-              </a:lnSpc>
-            </a:pPr>
-            <a:r>
-              <a:rPr lang="es-ES" sz="2800" b="0" strike="noStrike" spc="-1">
-                <a:solidFill>
-                  <a:srgbClr val="FFFFFF"/>
-                </a:solidFill>
-                <a:latin typeface="Arial"/>
-              </a:rPr>
-              <a:t>__initdata </a:t>
-            </a:r>
-            <a:endParaRPr lang="es-ES" sz="2800" b="0" strike="noStrike" spc="-1">
-              <a:latin typeface="Arial"/>
-            </a:endParaRPr>
-          </a:p>
-        </p:txBody>
-      </p:sp>
-      <p:sp>
-        <p:nvSpPr>
-          <p:cNvPr id="160" name="CustomShape 6"/>
-          <p:cNvSpPr/>
-          <p:nvPr/>
-        </p:nvSpPr>
-        <p:spPr>
-          <a:xfrm>
-            <a:off x="3340440" y="4087800"/>
-            <a:ext cx="2462760" cy="516960"/>
-          </a:xfrm>
-          <a:prstGeom prst="rect">
-            <a:avLst/>
-          </a:prstGeom>
-          <a:noFill/>
-          <a:ln>
-            <a:noFill/>
-          </a:ln>
-        </p:spPr>
-        <p:style>
-          <a:lnRef idx="0">
-            <a:scrgbClr r="0" g="0" b="0"/>
-          </a:lnRef>
-          <a:fillRef idx="0">
-            <a:scrgbClr r="0" g="0" b="0"/>
-          </a:fillRef>
-          <a:effectRef idx="0">
-            <a:scrgbClr r="0" g="0" b="0"/>
-          </a:effectRef>
-          <a:fontRef idx="minor"/>
-        </p:style>
-        <p:txBody>
-          <a:bodyPr wrap="none" lIns="90000" tIns="45000" rIns="90000" bIns="45000">
-            <a:spAutoFit/>
-          </a:bodyPr>
-          <a:lstStyle/>
-          <a:p>
-            <a:pPr>
-              <a:lnSpc>
-                <a:spcPct val="100000"/>
-              </a:lnSpc>
-            </a:pPr>
-            <a:r>
-              <a:rPr lang="es-ES" sz="2800" b="0" strike="noStrike" spc="-1">
-                <a:solidFill>
-                  <a:srgbClr val="FFFFFF"/>
-                </a:solidFill>
-                <a:latin typeface="Arial"/>
-              </a:rPr>
-              <a:t>__exit macros</a:t>
-            </a:r>
-            <a:r>
-              <a:rPr lang="es-ES" sz="1800" b="0" strike="noStrike" spc="-1">
-                <a:solidFill>
-                  <a:srgbClr val="FFFFFF"/>
-                </a:solidFill>
-                <a:latin typeface="Arial"/>
-              </a:rPr>
-              <a:t> </a:t>
-            </a:r>
-            <a:endParaRPr lang="es-ES" sz="1800" b="0" strike="noStrike" spc="-1">
-              <a:latin typeface="Arial"/>
-            </a:endParaRPr>
-          </a:p>
-        </p:txBody>
-      </p:sp>
-      <p:sp>
-        <p:nvSpPr>
-          <p:cNvPr id="161" name="CustomShape 7"/>
-          <p:cNvSpPr/>
-          <p:nvPr/>
-        </p:nvSpPr>
-        <p:spPr>
-          <a:xfrm>
-            <a:off x="1638000" y="3117240"/>
-            <a:ext cx="6697800" cy="364680"/>
-          </a:xfrm>
-          <a:prstGeom prst="rect">
-            <a:avLst/>
-          </a:prstGeom>
-          <a:noFill/>
-          <a:ln>
-            <a:noFill/>
-          </a:ln>
-        </p:spPr>
-        <p:style>
-          <a:lnRef idx="0">
-            <a:scrgbClr r="0" g="0" b="0"/>
-          </a:lnRef>
-          <a:fillRef idx="0">
-            <a:scrgbClr r="0" g="0" b="0"/>
-          </a:fillRef>
-          <a:effectRef idx="0">
-            <a:scrgbClr r="0" g="0" b="0"/>
-          </a:effectRef>
-          <a:fontRef idx="minor"/>
-        </p:style>
-        <p:txBody>
-          <a:bodyPr lIns="90000" tIns="45000" rIns="90000" bIns="45000">
-            <a:spAutoFit/>
-          </a:bodyPr>
-          <a:lstStyle/>
-          <a:p>
-            <a:pPr>
-              <a:lnSpc>
-                <a:spcPct val="100000"/>
-              </a:lnSpc>
-            </a:pPr>
-            <a:r>
-              <a:rPr lang="es-ES" sz="1800" b="0" strike="noStrike" spc="-1">
-                <a:solidFill>
-                  <a:srgbClr val="FFFFFF"/>
-                </a:solidFill>
-                <a:latin typeface="Arial"/>
-              </a:rPr>
-              <a:t>Funciona de manera similar que __init para las variables init.</a:t>
-            </a:r>
-            <a:endParaRPr lang="es-ES" sz="1800" b="0" strike="noStrike" spc="-1">
-              <a:latin typeface="Arial"/>
-            </a:endParaRPr>
-          </a:p>
-        </p:txBody>
-      </p:sp>
-      <p:sp>
-        <p:nvSpPr>
-          <p:cNvPr id="162" name="CustomShape 8"/>
-          <p:cNvSpPr/>
-          <p:nvPr/>
-        </p:nvSpPr>
-        <p:spPr>
-          <a:xfrm>
-            <a:off x="1500480" y="4844520"/>
-            <a:ext cx="7338600" cy="639000"/>
-          </a:xfrm>
-          <a:prstGeom prst="rect">
-            <a:avLst/>
-          </a:prstGeom>
-          <a:noFill/>
-          <a:ln>
-            <a:noFill/>
-          </a:ln>
-        </p:spPr>
-        <p:style>
-          <a:lnRef idx="0">
-            <a:scrgbClr r="0" g="0" b="0"/>
-          </a:lnRef>
-          <a:fillRef idx="0">
-            <a:scrgbClr r="0" g="0" b="0"/>
-          </a:fillRef>
-          <a:effectRef idx="0">
-            <a:scrgbClr r="0" g="0" b="0"/>
-          </a:effectRef>
-          <a:fontRef idx="minor"/>
-        </p:style>
-        <p:txBody>
-          <a:bodyPr lIns="90000" tIns="45000" rIns="90000" bIns="45000">
-            <a:spAutoFit/>
-          </a:bodyPr>
-          <a:lstStyle/>
-          <a:p>
-            <a:pPr>
-              <a:lnSpc>
-                <a:spcPct val="100000"/>
-              </a:lnSpc>
-            </a:pPr>
-            <a:r>
-              <a:rPr lang="es-ES" sz="1800" b="0" strike="noStrike" spc="-1">
-                <a:solidFill>
-                  <a:srgbClr val="FFFFFF"/>
-                </a:solidFill>
-                <a:latin typeface="Arial"/>
-              </a:rPr>
-              <a:t>Esta macro hace que la función se omita cuando el modulo se construye dentro del kernel. No tiene efecto si el modulo es cargable.</a:t>
-            </a:r>
-            <a:endParaRPr lang="es-ES" sz="1800" b="0" strike="noStrike" spc="-1">
+              <a:rPr lang="es-ES" sz="1400" b="0" strike="noStrike" spc="-1">
+                <a:solidFill>
+                  <a:srgbClr val="FFFFFF"/>
+                </a:solidFill>
+                <a:latin typeface="Arial"/>
+              </a:rPr>
+              <a:t>/*  hello-3.c - Illustrating the __init, __initdata and __exit macros. */</a:t>
+            </a:r>
+            <a:endParaRPr lang="es-ES" sz="1400" b="0" strike="noStrike" spc="-1">
+              <a:latin typeface="Arial"/>
+            </a:endParaRPr>
+          </a:p>
+          <a:p>
+            <a:pPr>
+              <a:lnSpc>
+                <a:spcPct val="100000"/>
+              </a:lnSpc>
+            </a:pPr>
+            <a:endParaRPr lang="es-ES" sz="1400" b="0" strike="noStrike" spc="-1">
+              <a:latin typeface="Arial"/>
+            </a:endParaRPr>
+          </a:p>
+          <a:p>
+            <a:pPr>
+              <a:lnSpc>
+                <a:spcPct val="100000"/>
+              </a:lnSpc>
+            </a:pPr>
+            <a:r>
+              <a:rPr lang="es-ES" sz="1400" b="0" strike="noStrike" spc="-1">
+                <a:solidFill>
+                  <a:srgbClr val="FFFFFF"/>
+                </a:solidFill>
+                <a:latin typeface="Arial"/>
+              </a:rPr>
+              <a:t>#include &lt;linux/module.h&gt;      /* Needed by all modules */</a:t>
+            </a:r>
+            <a:endParaRPr lang="es-ES" sz="1400" b="0" strike="noStrike" spc="-1">
+              <a:latin typeface="Arial"/>
+            </a:endParaRPr>
+          </a:p>
+          <a:p>
+            <a:pPr>
+              <a:lnSpc>
+                <a:spcPct val="100000"/>
+              </a:lnSpc>
+            </a:pPr>
+            <a:r>
+              <a:rPr lang="es-ES" sz="1400" b="0" strike="noStrike" spc="-1">
+                <a:solidFill>
+                  <a:srgbClr val="FFFFFF"/>
+                </a:solidFill>
+                <a:latin typeface="Arial"/>
+              </a:rPr>
+              <a:t>#include &lt;linux/kernel.h&gt;      /* Needed for KERN_ALERT */</a:t>
+            </a:r>
+            <a:endParaRPr lang="es-ES" sz="1400" b="0" strike="noStrike" spc="-1">
+              <a:latin typeface="Arial"/>
+            </a:endParaRPr>
+          </a:p>
+          <a:p>
+            <a:pPr>
+              <a:lnSpc>
+                <a:spcPct val="100000"/>
+              </a:lnSpc>
+            </a:pPr>
+            <a:r>
+              <a:rPr lang="es-ES" sz="1400" b="0" strike="noStrike" spc="-1">
+                <a:solidFill>
+                  <a:srgbClr val="FFFFFF"/>
+                </a:solidFill>
+                <a:latin typeface="Arial"/>
+              </a:rPr>
+              <a:t>#include &lt;linux/init.h&gt;        /* Needed for the macros */</a:t>
+            </a:r>
+            <a:endParaRPr lang="es-ES" sz="1400" b="0" strike="noStrike" spc="-1">
+              <a:latin typeface="Arial"/>
+            </a:endParaRPr>
+          </a:p>
+          <a:p>
+            <a:pPr>
+              <a:lnSpc>
+                <a:spcPct val="100000"/>
+              </a:lnSpc>
+            </a:pPr>
+            <a:endParaRPr lang="es-ES" sz="1400" b="0" strike="noStrike" spc="-1">
+              <a:latin typeface="Arial"/>
+            </a:endParaRPr>
+          </a:p>
+          <a:p>
+            <a:pPr>
+              <a:lnSpc>
+                <a:spcPct val="100000"/>
+              </a:lnSpc>
+            </a:pPr>
+            <a:r>
+              <a:rPr lang="es-ES" sz="1400" b="0" strike="noStrike" spc="-1">
+                <a:solidFill>
+                  <a:srgbClr val="FFFFFF"/>
+                </a:solidFill>
+                <a:latin typeface="Arial"/>
+              </a:rPr>
+              <a:t>static int hello3_data __initdata = 3;</a:t>
+            </a:r>
+            <a:endParaRPr lang="es-ES" sz="1400" b="0" strike="noStrike" spc="-1">
+              <a:latin typeface="Arial"/>
+            </a:endParaRPr>
+          </a:p>
+          <a:p>
+            <a:pPr>
+              <a:lnSpc>
+                <a:spcPct val="100000"/>
+              </a:lnSpc>
+            </a:pPr>
+            <a:endParaRPr lang="es-ES" sz="1400" b="0" strike="noStrike" spc="-1">
+              <a:latin typeface="Arial"/>
+            </a:endParaRPr>
+          </a:p>
+          <a:p>
+            <a:pPr>
+              <a:lnSpc>
+                <a:spcPct val="100000"/>
+              </a:lnSpc>
+            </a:pPr>
+            <a:r>
+              <a:rPr lang="es-ES" sz="1400" b="0" strike="noStrike" spc="-1">
+                <a:solidFill>
+                  <a:srgbClr val="FFFFFF"/>
+                </a:solidFill>
+                <a:latin typeface="Arial"/>
+              </a:rPr>
+              <a:t>static int __init hello_3_init(void)</a:t>
+            </a:r>
+            <a:endParaRPr lang="es-ES" sz="1400" b="0" strike="noStrike" spc="-1">
+              <a:latin typeface="Arial"/>
+            </a:endParaRPr>
+          </a:p>
+          <a:p>
+            <a:pPr>
+              <a:lnSpc>
+                <a:spcPct val="100000"/>
+              </a:lnSpc>
+            </a:pPr>
+            <a:r>
+              <a:rPr lang="es-ES" sz="1400" b="0" strike="noStrike" spc="-1">
+                <a:solidFill>
+                  <a:srgbClr val="FFFFFF"/>
+                </a:solidFill>
+                <a:latin typeface="Arial"/>
+              </a:rPr>
+              <a:t>{</a:t>
+            </a:r>
+            <a:endParaRPr lang="es-ES" sz="1400" b="0" strike="noStrike" spc="-1">
+              <a:latin typeface="Arial"/>
+            </a:endParaRPr>
+          </a:p>
+          <a:p>
+            <a:pPr>
+              <a:lnSpc>
+                <a:spcPct val="100000"/>
+              </a:lnSpc>
+            </a:pPr>
+            <a:r>
+              <a:rPr lang="es-ES" sz="1400" b="0" strike="noStrike" spc="-1">
+                <a:solidFill>
+                  <a:srgbClr val="FFFFFF"/>
+                </a:solidFill>
+                <a:latin typeface="Arial"/>
+              </a:rPr>
+              <a:t>   printk(KERN_ALERT "Hello, world %d\n", hello3_data);</a:t>
+            </a:r>
+            <a:endParaRPr lang="es-ES" sz="1400" b="0" strike="noStrike" spc="-1">
+              <a:latin typeface="Arial"/>
+            </a:endParaRPr>
+          </a:p>
+          <a:p>
+            <a:pPr>
+              <a:lnSpc>
+                <a:spcPct val="100000"/>
+              </a:lnSpc>
+            </a:pPr>
+            <a:r>
+              <a:rPr lang="es-ES" sz="1400" b="0" strike="noStrike" spc="-1">
+                <a:solidFill>
+                  <a:srgbClr val="FFFFFF"/>
+                </a:solidFill>
+                <a:latin typeface="Arial"/>
+              </a:rPr>
+              <a:t>   return 0;</a:t>
+            </a:r>
+            <a:endParaRPr lang="es-ES" sz="1400" b="0" strike="noStrike" spc="-1">
+              <a:latin typeface="Arial"/>
+            </a:endParaRPr>
+          </a:p>
+          <a:p>
+            <a:pPr>
+              <a:lnSpc>
+                <a:spcPct val="100000"/>
+              </a:lnSpc>
+            </a:pPr>
+            <a:r>
+              <a:rPr lang="es-ES" sz="1400" b="0" strike="noStrike" spc="-1">
+                <a:solidFill>
+                  <a:srgbClr val="FFFFFF"/>
+                </a:solidFill>
+                <a:latin typeface="Arial"/>
+              </a:rPr>
+              <a:t>}</a:t>
+            </a:r>
+            <a:endParaRPr lang="es-ES" sz="1400" b="0" strike="noStrike" spc="-1">
+              <a:latin typeface="Arial"/>
+            </a:endParaRPr>
+          </a:p>
+          <a:p>
+            <a:pPr>
+              <a:lnSpc>
+                <a:spcPct val="100000"/>
+              </a:lnSpc>
+            </a:pPr>
+            <a:endParaRPr lang="es-ES" sz="1400" b="0" strike="noStrike" spc="-1">
+              <a:latin typeface="Arial"/>
+            </a:endParaRPr>
+          </a:p>
+          <a:p>
+            <a:pPr>
+              <a:lnSpc>
+                <a:spcPct val="100000"/>
+              </a:lnSpc>
+            </a:pPr>
+            <a:r>
+              <a:rPr lang="es-ES" sz="1400" b="0" strike="noStrike" spc="-1">
+                <a:solidFill>
+                  <a:srgbClr val="FFFFFF"/>
+                </a:solidFill>
+                <a:latin typeface="Arial"/>
+              </a:rPr>
+              <a:t>static void __exit hello_3_exit(void)</a:t>
+            </a:r>
+            <a:endParaRPr lang="es-ES" sz="1400" b="0" strike="noStrike" spc="-1">
+              <a:latin typeface="Arial"/>
+            </a:endParaRPr>
+          </a:p>
+          <a:p>
+            <a:pPr>
+              <a:lnSpc>
+                <a:spcPct val="100000"/>
+              </a:lnSpc>
+            </a:pPr>
+            <a:r>
+              <a:rPr lang="es-ES" sz="1400" b="0" strike="noStrike" spc="-1">
+                <a:solidFill>
+                  <a:srgbClr val="FFFFFF"/>
+                </a:solidFill>
+                <a:latin typeface="Arial"/>
+              </a:rPr>
+              <a:t>{</a:t>
+            </a:r>
+            <a:endParaRPr lang="es-ES" sz="1400" b="0" strike="noStrike" spc="-1">
+              <a:latin typeface="Arial"/>
+            </a:endParaRPr>
+          </a:p>
+          <a:p>
+            <a:pPr>
+              <a:lnSpc>
+                <a:spcPct val="100000"/>
+              </a:lnSpc>
+            </a:pPr>
+            <a:r>
+              <a:rPr lang="es-ES" sz="1400" b="0" strike="noStrike" spc="-1">
+                <a:solidFill>
+                  <a:srgbClr val="FFFFFF"/>
+                </a:solidFill>
+                <a:latin typeface="Arial"/>
+              </a:rPr>
+              <a:t>   printk(KERN_ALERT "Goodbye, world 3\n");</a:t>
+            </a:r>
+            <a:endParaRPr lang="es-ES" sz="1400" b="0" strike="noStrike" spc="-1">
+              <a:latin typeface="Arial"/>
+            </a:endParaRPr>
+          </a:p>
+          <a:p>
+            <a:pPr>
+              <a:lnSpc>
+                <a:spcPct val="100000"/>
+              </a:lnSpc>
+            </a:pPr>
+            <a:r>
+              <a:rPr lang="es-ES" sz="1400" b="0" strike="noStrike" spc="-1">
+                <a:solidFill>
+                  <a:srgbClr val="FFFFFF"/>
+                </a:solidFill>
+                <a:latin typeface="Arial"/>
+              </a:rPr>
+              <a:t>}</a:t>
+            </a:r>
+            <a:endParaRPr lang="es-ES" sz="1400" b="0" strike="noStrike" spc="-1">
+              <a:latin typeface="Arial"/>
+            </a:endParaRPr>
+          </a:p>
+          <a:p>
+            <a:pPr>
+              <a:lnSpc>
+                <a:spcPct val="100000"/>
+              </a:lnSpc>
+            </a:pPr>
+            <a:endParaRPr lang="es-ES" sz="1400" b="0" strike="noStrike" spc="-1">
+              <a:latin typeface="Arial"/>
+            </a:endParaRPr>
+          </a:p>
+          <a:p>
+            <a:pPr>
+              <a:lnSpc>
+                <a:spcPct val="100000"/>
+              </a:lnSpc>
+            </a:pPr>
+            <a:r>
+              <a:rPr lang="es-ES" sz="1400" b="0" strike="noStrike" spc="-1">
+                <a:solidFill>
+                  <a:srgbClr val="FFFFFF"/>
+                </a:solidFill>
+                <a:latin typeface="Arial"/>
+              </a:rPr>
+              <a:t>module_init(hello_3_init);</a:t>
+            </a:r>
+            <a:endParaRPr lang="es-ES" sz="1400" b="0" strike="noStrike" spc="-1">
+              <a:latin typeface="Arial"/>
+            </a:endParaRPr>
+          </a:p>
+          <a:p>
+            <a:pPr>
+              <a:lnSpc>
+                <a:spcPct val="100000"/>
+              </a:lnSpc>
+            </a:pPr>
+            <a:r>
+              <a:rPr lang="es-ES" sz="1400" b="0" strike="noStrike" spc="-1">
+                <a:solidFill>
+                  <a:srgbClr val="FFFFFF"/>
+                </a:solidFill>
+                <a:latin typeface="Arial"/>
+              </a:rPr>
+              <a:t>module_exit(hello_3_exit);</a:t>
+            </a:r>
+            <a:endParaRPr lang="es-ES" sz="1400" b="0" strike="noStrike" spc="-1">
+              <a:latin typeface="Arial"/>
+            </a:endParaRPr>
+          </a:p>
+          <a:p>
+            <a:pPr>
+              <a:lnSpc>
+                <a:spcPct val="100000"/>
+              </a:lnSpc>
+            </a:pPr>
+            <a:endParaRPr lang="es-ES" sz="1400" b="0" strike="noStrike" spc="-1">
+              <a:latin typeface="Arial"/>
+            </a:endParaRPr>
+          </a:p>
+          <a:p>
+            <a:pPr>
+              <a:lnSpc>
+                <a:spcPct val="100000"/>
+              </a:lnSpc>
+            </a:pPr>
+            <a:r>
+              <a:rPr lang="es-ES" sz="1400" b="0" strike="noStrike" spc="-1">
+                <a:solidFill>
+                  <a:srgbClr val="FFFFFF"/>
+                </a:solidFill>
+                <a:latin typeface="Arial"/>
+              </a:rPr>
+              <a:t>MODULE_LICENSE("GPL");</a:t>
+            </a:r>
+            <a:endParaRPr lang="es-ES" sz="1400" b="0" strike="noStrike" spc="-1">
               <a:latin typeface="Arial"/>
             </a:endParaRPr>
           </a:p>
@@ -7853,7 +8032,7 @@
         <p:circle/>
       </p:transition>
     </mc:Choice>
-    <mc:Fallback xmlns:p15="http://schemas.microsoft.com/office/powerpoint/2012/main" xmlns="">
+    <mc:Fallback xmlns="" xmlns:p15="http://schemas.microsoft.com/office/powerpoint/2012/main">
       <p:transition spd="med">
         <p:circle/>
       </p:transition>
@@ -7881,7 +8060,7 @@
       </p:grpSpPr>
       <p:sp>
         <p:nvSpPr>
-          <p:cNvPr id="163" name="TextShape 1"/>
+          <p:cNvPr id="153" name="TextShape 1"/>
           <p:cNvSpPr txBox="1"/>
           <p:nvPr/>
         </p:nvSpPr>
@@ -7923,7 +8102,7 @@
       </p:sp>
       <p:sp>
         <p:nvSpPr>
-          <p:cNvPr id="164" name="CustomShape 2"/>
+          <p:cNvPr id="154" name="CustomShape 2"/>
           <p:cNvSpPr/>
           <p:nvPr/>
         </p:nvSpPr>
@@ -7969,7 +8148,7 @@
       </p:sp>
       <p:pic>
         <p:nvPicPr>
-          <p:cNvPr id="165" name="Picture 5" descr="Linking Project tasks"/>
+          <p:cNvPr id="155" name="Picture 5" descr="Linking Project tasks"/>
           <p:cNvPicPr/>
           <p:nvPr/>
         </p:nvPicPr>
@@ -7992,7 +8171,7 @@
       </p:pic>
       <p:pic>
         <p:nvPicPr>
-          <p:cNvPr id="166" name="Picture 2"/>
+          <p:cNvPr id="156" name="Picture 2"/>
           <p:cNvPicPr/>
           <p:nvPr/>
         </p:nvPicPr>
@@ -8015,14 +8194,14 @@
       </p:pic>
       <p:sp>
         <p:nvSpPr>
-          <p:cNvPr id="167" name="CustomShape 3"/>
+          <p:cNvPr id="157" name="CustomShape 3"/>
           <p:cNvSpPr/>
           <p:nvPr/>
         </p:nvSpPr>
         <p:spPr>
           <a:xfrm>
-            <a:off x="1395360" y="1928880"/>
-            <a:ext cx="7909560" cy="1793880"/>
+            <a:off x="1500480" y="1511280"/>
+            <a:ext cx="7412760" cy="1126440"/>
           </a:xfrm>
           <a:prstGeom prst="rect">
             <a:avLst/>
@@ -8056,102 +8235,329 @@
               </a:lnSpc>
             </a:pPr>
             <a:r>
-              <a:rPr lang="es-ES" sz="1600" b="0" strike="noStrike" spc="-1">
-                <a:solidFill>
-                  <a:srgbClr val="FFFFFF"/>
-                </a:solidFill>
-                <a:latin typeface="Arial"/>
-              </a:rPr>
-              <a:t>MODULE_LICENSE("GPL");</a:t>
-            </a:r>
-            <a:endParaRPr lang="es-ES" sz="1600" b="0" strike="noStrike" spc="-1">
-              <a:latin typeface="Arial"/>
-            </a:endParaRPr>
-          </a:p>
-          <a:p>
-            <a:pPr>
-              <a:lnSpc>
-                <a:spcPct val="100000"/>
-              </a:lnSpc>
-            </a:pPr>
-            <a:endParaRPr lang="es-ES" sz="1600" b="0" strike="noStrike" spc="-1">
-              <a:latin typeface="Arial"/>
-            </a:endParaRPr>
-          </a:p>
-          <a:p>
-            <a:pPr>
-              <a:lnSpc>
-                <a:spcPct val="100000"/>
-              </a:lnSpc>
-            </a:pPr>
-            <a:r>
-              <a:rPr lang="es-ES" sz="1600" b="0" strike="noStrike" spc="-1">
-                <a:solidFill>
-                  <a:srgbClr val="FFFFFF"/>
-                </a:solidFill>
-                <a:latin typeface="Arial"/>
-              </a:rPr>
-              <a:t>MODULE_AUTHOR(DRIVER_AUTHOR);    // Who wrote this module?</a:t>
-            </a:r>
-            <a:endParaRPr lang="es-ES" sz="1600" b="0" strike="noStrike" spc="-1">
-              <a:latin typeface="Arial"/>
-            </a:endParaRPr>
-          </a:p>
-          <a:p>
-            <a:pPr>
-              <a:lnSpc>
-                <a:spcPct val="100000"/>
-              </a:lnSpc>
-            </a:pPr>
-            <a:endParaRPr lang="es-ES" sz="1600" b="0" strike="noStrike" spc="-1">
-              <a:latin typeface="Arial"/>
-            </a:endParaRPr>
-          </a:p>
-          <a:p>
-            <a:pPr>
-              <a:lnSpc>
-                <a:spcPct val="100000"/>
-              </a:lnSpc>
-            </a:pPr>
-            <a:r>
-              <a:rPr lang="es-ES" sz="1600" b="0" strike="noStrike" spc="-1">
-                <a:solidFill>
-                  <a:srgbClr val="FFFFFF"/>
-                </a:solidFill>
-                <a:latin typeface="Arial"/>
-              </a:rPr>
-              <a:t>MODULE_DESCRIPTION(DRIVER_DESC); // What does this module do?</a:t>
-            </a:r>
-            <a:endParaRPr lang="es-ES" sz="1600" b="0" strike="noStrike" spc="-1">
-              <a:latin typeface="Arial"/>
-            </a:endParaRPr>
-          </a:p>
-          <a:p>
-            <a:pPr>
-              <a:lnSpc>
-                <a:spcPct val="100000"/>
-              </a:lnSpc>
-            </a:pPr>
-            <a:endParaRPr lang="es-ES" sz="1600" b="0" strike="noStrike" spc="-1">
-              <a:latin typeface="Arial"/>
-            </a:endParaRPr>
-          </a:p>
-          <a:p>
-            <a:pPr>
-              <a:lnSpc>
-                <a:spcPct val="100000"/>
-              </a:lnSpc>
-            </a:pPr>
-            <a:r>
-              <a:rPr lang="es-ES" sz="1600" b="0" strike="noStrike" spc="-1">
-                <a:solidFill>
-                  <a:srgbClr val="FFFFFF"/>
-                </a:solidFill>
-                <a:latin typeface="Arial"/>
-              </a:rPr>
-              <a:t>MODULE_SUPPORTED_DEVICE("testdevice");</a:t>
-            </a:r>
-            <a:endParaRPr lang="es-ES" sz="1600" b="0" strike="noStrike" spc="-1">
+              <a:rPr lang="es-ES" sz="1800" b="0" strike="noStrike" spc="-1">
+                <a:solidFill>
+                  <a:srgbClr val="FFFFFF"/>
+                </a:solidFill>
+                <a:latin typeface="Arial"/>
+              </a:rPr>
+              <a:t>Esta macro hace que la función de inicio se descarge de memoria para los drivers incluidos en el kernel, pero no en los módulos cargables.</a:t>
+            </a:r>
+            <a:endParaRPr lang="es-ES" sz="1800" b="0" strike="noStrike" spc="-1">
+              <a:latin typeface="Arial"/>
+            </a:endParaRPr>
+          </a:p>
+          <a:p>
+            <a:pPr>
+              <a:lnSpc>
+                <a:spcPct val="100000"/>
+              </a:lnSpc>
+            </a:pPr>
+            <a:endParaRPr lang="es-ES" sz="1800" b="0" strike="noStrike" spc="-1">
+              <a:latin typeface="Arial"/>
+            </a:endParaRPr>
+          </a:p>
+          <a:p>
+            <a:pPr>
+              <a:lnSpc>
+                <a:spcPct val="100000"/>
+              </a:lnSpc>
+            </a:pPr>
+            <a:endParaRPr lang="es-ES" sz="1800" b="0" strike="noStrike" spc="-1">
+              <a:latin typeface="Arial"/>
+            </a:endParaRPr>
+          </a:p>
+        </p:txBody>
+      </p:sp>
+      <p:sp>
+        <p:nvSpPr>
+          <p:cNvPr id="158" name="CustomShape 4"/>
+          <p:cNvSpPr/>
+          <p:nvPr/>
+        </p:nvSpPr>
+        <p:spPr>
+          <a:xfrm>
+            <a:off x="3841920" y="918000"/>
+            <a:ext cx="1032840" cy="516960"/>
+          </a:xfrm>
+          <a:prstGeom prst="rect">
+            <a:avLst/>
+          </a:prstGeom>
+          <a:noFill/>
+          <a:ln>
+            <a:noFill/>
+          </a:ln>
+        </p:spPr>
+        <p:style>
+          <a:lnRef idx="0">
+            <a:scrgbClr r="0" g="0" b="0"/>
+          </a:lnRef>
+          <a:fillRef idx="0">
+            <a:scrgbClr r="0" g="0" b="0"/>
+          </a:fillRef>
+          <a:effectRef idx="0">
+            <a:scrgbClr r="0" g="0" b="0"/>
+          </a:effectRef>
+          <a:fontRef idx="minor"/>
+        </p:style>
+        <p:txBody>
+          <a:bodyPr wrap="none" lIns="90000" tIns="45000" rIns="90000" bIns="45000">
+            <a:spAutoFit/>
+          </a:bodyPr>
+          <a:lstStyle/>
+          <a:p>
+            <a:pPr>
+              <a:lnSpc>
+                <a:spcPct val="100000"/>
+              </a:lnSpc>
+            </a:pPr>
+            <a:r>
+              <a:rPr lang="es-ES" sz="2800" b="0" strike="noStrike" spc="-1">
+                <a:solidFill>
+                  <a:srgbClr val="FFFFFF"/>
+                </a:solidFill>
+                <a:latin typeface="Arial"/>
+              </a:rPr>
+              <a:t>__init</a:t>
+            </a:r>
+            <a:endParaRPr lang="es-ES" sz="2800" b="0" strike="noStrike" spc="-1">
+              <a:latin typeface="Arial"/>
+            </a:endParaRPr>
+          </a:p>
+        </p:txBody>
+      </p:sp>
+      <p:sp>
+        <p:nvSpPr>
+          <p:cNvPr id="159" name="CustomShape 5"/>
+          <p:cNvSpPr/>
+          <p:nvPr/>
+        </p:nvSpPr>
+        <p:spPr>
+          <a:xfrm>
+            <a:off x="3575520" y="2332440"/>
+            <a:ext cx="1825560" cy="516960"/>
+          </a:xfrm>
+          <a:prstGeom prst="rect">
+            <a:avLst/>
+          </a:prstGeom>
+          <a:noFill/>
+          <a:ln>
+            <a:noFill/>
+          </a:ln>
+        </p:spPr>
+        <p:style>
+          <a:lnRef idx="0">
+            <a:scrgbClr r="0" g="0" b="0"/>
+          </a:lnRef>
+          <a:fillRef idx="0">
+            <a:scrgbClr r="0" g="0" b="0"/>
+          </a:fillRef>
+          <a:effectRef idx="0">
+            <a:scrgbClr r="0" g="0" b="0"/>
+          </a:effectRef>
+          <a:fontRef idx="minor"/>
+        </p:style>
+        <p:txBody>
+          <a:bodyPr wrap="none" lIns="90000" tIns="45000" rIns="90000" bIns="45000">
+            <a:spAutoFit/>
+          </a:bodyPr>
+          <a:lstStyle/>
+          <a:p>
+            <a:pPr>
+              <a:lnSpc>
+                <a:spcPct val="100000"/>
+              </a:lnSpc>
+            </a:pPr>
+            <a:r>
+              <a:rPr lang="es-ES" sz="2800" b="0" strike="noStrike" spc="-1">
+                <a:solidFill>
+                  <a:srgbClr val="FFFFFF"/>
+                </a:solidFill>
+                <a:latin typeface="Arial"/>
+              </a:rPr>
+              <a:t>__initdata </a:t>
+            </a:r>
+            <a:endParaRPr lang="es-ES" sz="2800" b="0" strike="noStrike" spc="-1">
+              <a:latin typeface="Arial"/>
+            </a:endParaRPr>
+          </a:p>
+        </p:txBody>
+      </p:sp>
+      <p:sp>
+        <p:nvSpPr>
+          <p:cNvPr id="160" name="CustomShape 6"/>
+          <p:cNvSpPr/>
+          <p:nvPr/>
+        </p:nvSpPr>
+        <p:spPr>
+          <a:xfrm>
+            <a:off x="3340440" y="4087800"/>
+            <a:ext cx="2462760" cy="516960"/>
+          </a:xfrm>
+          <a:prstGeom prst="rect">
+            <a:avLst/>
+          </a:prstGeom>
+          <a:noFill/>
+          <a:ln>
+            <a:noFill/>
+          </a:ln>
+        </p:spPr>
+        <p:style>
+          <a:lnRef idx="0">
+            <a:scrgbClr r="0" g="0" b="0"/>
+          </a:lnRef>
+          <a:fillRef idx="0">
+            <a:scrgbClr r="0" g="0" b="0"/>
+          </a:fillRef>
+          <a:effectRef idx="0">
+            <a:scrgbClr r="0" g="0" b="0"/>
+          </a:effectRef>
+          <a:fontRef idx="minor"/>
+        </p:style>
+        <p:txBody>
+          <a:bodyPr wrap="none" lIns="90000" tIns="45000" rIns="90000" bIns="45000">
+            <a:spAutoFit/>
+          </a:bodyPr>
+          <a:lstStyle/>
+          <a:p>
+            <a:pPr>
+              <a:lnSpc>
+                <a:spcPct val="100000"/>
+              </a:lnSpc>
+            </a:pPr>
+            <a:r>
+              <a:rPr lang="es-ES" sz="2800" b="0" strike="noStrike" spc="-1">
+                <a:solidFill>
+                  <a:srgbClr val="FFFFFF"/>
+                </a:solidFill>
+                <a:latin typeface="Arial"/>
+              </a:rPr>
+              <a:t>__exit macros</a:t>
+            </a:r>
+            <a:r>
+              <a:rPr lang="es-ES" sz="1800" b="0" strike="noStrike" spc="-1">
+                <a:solidFill>
+                  <a:srgbClr val="FFFFFF"/>
+                </a:solidFill>
+                <a:latin typeface="Arial"/>
+              </a:rPr>
+              <a:t> </a:t>
+            </a:r>
+            <a:endParaRPr lang="es-ES" sz="1800" b="0" strike="noStrike" spc="-1">
+              <a:latin typeface="Arial"/>
+            </a:endParaRPr>
+          </a:p>
+        </p:txBody>
+      </p:sp>
+      <p:sp>
+        <p:nvSpPr>
+          <p:cNvPr id="161" name="CustomShape 7"/>
+          <p:cNvSpPr/>
+          <p:nvPr/>
+        </p:nvSpPr>
+        <p:spPr>
+          <a:xfrm>
+            <a:off x="1638000" y="3117240"/>
+            <a:ext cx="6697800" cy="364680"/>
+          </a:xfrm>
+          <a:prstGeom prst="rect">
+            <a:avLst/>
+          </a:prstGeom>
+          <a:noFill/>
+          <a:ln>
+            <a:noFill/>
+          </a:ln>
+        </p:spPr>
+        <p:style>
+          <a:lnRef idx="0">
+            <a:scrgbClr r="0" g="0" b="0"/>
+          </a:lnRef>
+          <a:fillRef idx="0">
+            <a:scrgbClr r="0" g="0" b="0"/>
+          </a:fillRef>
+          <a:effectRef idx="0">
+            <a:scrgbClr r="0" g="0" b="0"/>
+          </a:effectRef>
+          <a:fontRef idx="minor"/>
+        </p:style>
+        <p:txBody>
+          <a:bodyPr lIns="90000" tIns="45000" rIns="90000" bIns="45000">
+            <a:spAutoFit/>
+          </a:bodyPr>
+          <a:lstStyle/>
+          <a:p>
+            <a:pPr>
+              <a:lnSpc>
+                <a:spcPct val="100000"/>
+              </a:lnSpc>
+            </a:pPr>
+            <a:r>
+              <a:rPr lang="es-ES" sz="1800" b="0" strike="noStrike" spc="-1">
+                <a:solidFill>
+                  <a:srgbClr val="FFFFFF"/>
+                </a:solidFill>
+                <a:latin typeface="Arial"/>
+              </a:rPr>
+              <a:t>Funciona de manera similar que __init para las variables init.</a:t>
+            </a:r>
+            <a:endParaRPr lang="es-ES" sz="1800" b="0" strike="noStrike" spc="-1">
+              <a:latin typeface="Arial"/>
+            </a:endParaRPr>
+          </a:p>
+        </p:txBody>
+      </p:sp>
+      <p:sp>
+        <p:nvSpPr>
+          <p:cNvPr id="162" name="CustomShape 8"/>
+          <p:cNvSpPr/>
+          <p:nvPr/>
+        </p:nvSpPr>
+        <p:spPr>
+          <a:xfrm>
+            <a:off x="1500480" y="4844520"/>
+            <a:ext cx="7338600" cy="639000"/>
+          </a:xfrm>
+          <a:prstGeom prst="rect">
+            <a:avLst/>
+          </a:prstGeom>
+          <a:noFill/>
+          <a:ln>
+            <a:noFill/>
+          </a:ln>
+        </p:spPr>
+        <p:style>
+          <a:lnRef idx="0">
+            <a:scrgbClr r="0" g="0" b="0"/>
+          </a:lnRef>
+          <a:fillRef idx="0">
+            <a:scrgbClr r="0" g="0" b="0"/>
+          </a:fillRef>
+          <a:effectRef idx="0">
+            <a:scrgbClr r="0" g="0" b="0"/>
+          </a:effectRef>
+          <a:fontRef idx="minor"/>
+        </p:style>
+        <p:txBody>
+          <a:bodyPr lIns="90000" tIns="45000" rIns="90000" bIns="45000">
+            <a:spAutoFit/>
+          </a:bodyPr>
+          <a:lstStyle/>
+          <a:p>
+            <a:pPr>
+              <a:lnSpc>
+                <a:spcPct val="100000"/>
+              </a:lnSpc>
+            </a:pPr>
+            <a:r>
+              <a:rPr lang="es-ES" sz="1800" b="0" strike="noStrike" spc="-1">
+                <a:solidFill>
+                  <a:srgbClr val="FFFFFF"/>
+                </a:solidFill>
+                <a:latin typeface="Arial"/>
+              </a:rPr>
+              <a:t>Esta macro hace que la función se omita cuando el modulo se construye dentro del kernel. No tiene efecto si el modulo es cargable.</a:t>
+            </a:r>
+            <a:endParaRPr lang="es-ES" sz="1800" b="0" strike="noStrike" spc="-1">
               <a:latin typeface="Arial"/>
             </a:endParaRPr>
           </a:p>
@@ -8168,7 +8574,7 @@
         <p:circle/>
       </p:transition>
     </mc:Choice>
-    <mc:Fallback xmlns:p15="http://schemas.microsoft.com/office/powerpoint/2012/main" xmlns="">
+    <mc:Fallback xmlns="" xmlns:p15="http://schemas.microsoft.com/office/powerpoint/2012/main">
       <p:transition spd="med">
         <p:circle/>
       </p:transition>
@@ -8196,7 +8602,7 @@
       </p:grpSpPr>
       <p:sp>
         <p:nvSpPr>
-          <p:cNvPr id="168" name="TextShape 1"/>
+          <p:cNvPr id="163" name="TextShape 1"/>
           <p:cNvSpPr txBox="1"/>
           <p:nvPr/>
         </p:nvSpPr>
@@ -8238,7 +8644,7 @@
       </p:sp>
       <p:sp>
         <p:nvSpPr>
-          <p:cNvPr id="169" name="CustomShape 2"/>
+          <p:cNvPr id="164" name="CustomShape 2"/>
           <p:cNvSpPr/>
           <p:nvPr/>
         </p:nvSpPr>
@@ -8284,7 +8690,7 @@
       </p:sp>
       <p:pic>
         <p:nvPicPr>
-          <p:cNvPr id="170" name="Picture 5" descr="Linking Project tasks"/>
+          <p:cNvPr id="165" name="Picture 5" descr="Linking Project tasks"/>
           <p:cNvPicPr/>
           <p:nvPr/>
         </p:nvPicPr>
@@ -8307,7 +8713,7 @@
       </p:pic>
       <p:pic>
         <p:nvPicPr>
-          <p:cNvPr id="171" name="Picture 2"/>
+          <p:cNvPr id="166" name="Picture 2"/>
           <p:cNvPicPr/>
           <p:nvPr/>
         </p:nvPicPr>
@@ -8330,14 +8736,14 @@
       </p:pic>
       <p:sp>
         <p:nvSpPr>
-          <p:cNvPr id="172" name="CustomShape 3"/>
+          <p:cNvPr id="167" name="CustomShape 3"/>
           <p:cNvSpPr/>
           <p:nvPr/>
         </p:nvSpPr>
         <p:spPr>
           <a:xfrm>
-            <a:off x="2673720" y="2821680"/>
-            <a:ext cx="3795840" cy="913320"/>
+            <a:off x="1395360" y="1928880"/>
+            <a:ext cx="7909560" cy="1793880"/>
           </a:xfrm>
           <a:prstGeom prst="rect">
             <a:avLst/>
@@ -8360,210 +8766,6 @@
           <a:fontRef idx="minor"/>
         </p:style>
         <p:txBody>
-          <a:bodyPr wrap="none" lIns="90000" tIns="45000" rIns="90000" bIns="45000">
-            <a:spAutoFit/>
-          </a:bodyPr>
-          <a:lstStyle/>
-          <a:p>
-            <a:pPr>
-              <a:lnSpc>
-                <a:spcPct val="100000"/>
-              </a:lnSpc>
-            </a:pPr>
-            <a:r>
-              <a:rPr lang="es-ES" sz="1800" b="0" u="sng" strike="noStrike" spc="-1">
-                <a:solidFill>
-                  <a:srgbClr val="00FFFF"/>
-                </a:solidFill>
-                <a:uFillTx/>
-                <a:latin typeface="Arial"/>
-                <a:hlinkClick r:id="rId5"/>
-              </a:rPr>
-              <a:t>https://es.wikipedia.org/wiki/Netfilter</a:t>
-            </a:r>
-            <a:endParaRPr lang="es-ES" sz="1800" b="0" strike="noStrike" spc="-1">
-              <a:latin typeface="Arial"/>
-            </a:endParaRPr>
-          </a:p>
-          <a:p>
-            <a:pPr>
-              <a:lnSpc>
-                <a:spcPct val="100000"/>
-              </a:lnSpc>
-            </a:pPr>
-            <a:endParaRPr lang="es-ES" sz="1800" b="0" strike="noStrike" spc="-1">
-              <a:latin typeface="Arial"/>
-            </a:endParaRPr>
-          </a:p>
-          <a:p>
-            <a:pPr>
-              <a:lnSpc>
-                <a:spcPct val="100000"/>
-              </a:lnSpc>
-            </a:pPr>
-            <a:r>
-              <a:rPr lang="es-ES" sz="1800" b="0" u="sng" strike="noStrike" spc="-1">
-                <a:solidFill>
-                  <a:srgbClr val="00FFFF"/>
-                </a:solidFill>
-                <a:uFillTx/>
-                <a:latin typeface="Arial"/>
-                <a:hlinkClick r:id="rId6"/>
-              </a:rPr>
-              <a:t>https://netfilter.org/</a:t>
-            </a:r>
-            <a:endParaRPr lang="es-ES" sz="1800" b="0" strike="noStrike" spc="-1">
-              <a:latin typeface="Arial"/>
-            </a:endParaRPr>
-          </a:p>
-        </p:txBody>
-      </p:sp>
-      <p:sp>
-        <p:nvSpPr>
-          <p:cNvPr id="173" name="CustomShape 4"/>
-          <p:cNvSpPr/>
-          <p:nvPr/>
-        </p:nvSpPr>
-        <p:spPr>
-          <a:xfrm>
-            <a:off x="3446640" y="1057680"/>
-            <a:ext cx="2084400" cy="516960"/>
-          </a:xfrm>
-          <a:prstGeom prst="rect">
-            <a:avLst/>
-          </a:prstGeom>
-          <a:noFill/>
-          <a:ln>
-            <a:noFill/>
-          </a:ln>
-        </p:spPr>
-        <p:style>
-          <a:lnRef idx="0">
-            <a:scrgbClr r="0" g="0" b="0"/>
-          </a:lnRef>
-          <a:fillRef idx="0">
-            <a:scrgbClr r="0" g="0" b="0"/>
-          </a:fillRef>
-          <a:effectRef idx="0">
-            <a:scrgbClr r="0" g="0" b="0"/>
-          </a:effectRef>
-          <a:fontRef idx="minor"/>
-        </p:style>
-        <p:txBody>
-          <a:bodyPr wrap="none" lIns="90000" tIns="45000" rIns="90000" bIns="45000">
-            <a:spAutoFit/>
-          </a:bodyPr>
-          <a:lstStyle/>
-          <a:p>
-            <a:pPr>
-              <a:lnSpc>
-                <a:spcPct val="100000"/>
-              </a:lnSpc>
-            </a:pPr>
-            <a:r>
-              <a:rPr lang="es-ES" sz="2800" b="0" strike="noStrike" spc="-1">
-                <a:solidFill>
-                  <a:srgbClr val="FFFFFF"/>
-                </a:solidFill>
-                <a:latin typeface="Arial"/>
-              </a:rPr>
-              <a:t>NETFILTER</a:t>
-            </a:r>
-            <a:endParaRPr lang="es-ES" sz="2800" b="0" strike="noStrike" spc="-1">
-              <a:latin typeface="Arial"/>
-            </a:endParaRPr>
-          </a:p>
-        </p:txBody>
-      </p:sp>
-      <p:sp>
-        <p:nvSpPr>
-          <p:cNvPr id="174" name="CustomShape 5"/>
-          <p:cNvSpPr/>
-          <p:nvPr/>
-        </p:nvSpPr>
-        <p:spPr>
-          <a:xfrm>
-            <a:off x="1359360" y="1905480"/>
-            <a:ext cx="7839360" cy="364680"/>
-          </a:xfrm>
-          <a:prstGeom prst="rect">
-            <a:avLst/>
-          </a:prstGeom>
-          <a:noFill/>
-          <a:ln>
-            <a:noFill/>
-          </a:ln>
-        </p:spPr>
-        <p:style>
-          <a:lnRef idx="0">
-            <a:scrgbClr r="0" g="0" b="0"/>
-          </a:lnRef>
-          <a:fillRef idx="0">
-            <a:scrgbClr r="0" g="0" b="0"/>
-          </a:fillRef>
-          <a:effectRef idx="0">
-            <a:scrgbClr r="0" g="0" b="0"/>
-          </a:effectRef>
-          <a:fontRef idx="minor"/>
-        </p:style>
-        <p:txBody>
-          <a:bodyPr wrap="none" lIns="90000" tIns="45000" rIns="90000" bIns="45000">
-            <a:spAutoFit/>
-          </a:bodyPr>
-          <a:lstStyle/>
-          <a:p>
-            <a:pPr>
-              <a:lnSpc>
-                <a:spcPct val="100000"/>
-              </a:lnSpc>
-            </a:pPr>
-            <a:r>
-              <a:rPr lang="es-ES" sz="1800" b="0" strike="noStrike" spc="-1">
-                <a:solidFill>
-                  <a:srgbClr val="FFFFFF"/>
-                </a:solidFill>
-                <a:latin typeface="Arial"/>
-              </a:rPr>
-              <a:t>Framework del kernel que permite interceptar y manipular mensajes de red.</a:t>
-            </a:r>
-            <a:endParaRPr lang="es-ES" sz="1800" b="0" strike="noStrike" spc="-1">
-              <a:latin typeface="Arial"/>
-            </a:endParaRPr>
-          </a:p>
-        </p:txBody>
-      </p:sp>
-      <p:sp>
-        <p:nvSpPr>
-          <p:cNvPr id="175" name="CustomShape 6"/>
-          <p:cNvSpPr/>
-          <p:nvPr/>
-        </p:nvSpPr>
-        <p:spPr>
-          <a:xfrm>
-            <a:off x="1305000" y="4384080"/>
-            <a:ext cx="7443360" cy="639000"/>
-          </a:xfrm>
-          <a:prstGeom prst="rect">
-            <a:avLst/>
-          </a:prstGeom>
-          <a:noFill/>
-          <a:ln>
-            <a:noFill/>
-          </a:ln>
-        </p:spPr>
-        <p:style>
-          <a:lnRef idx="0">
-            <a:scrgbClr r="0" g="0" b="0"/>
-          </a:lnRef>
-          <a:fillRef idx="0">
-            <a:scrgbClr r="0" g="0" b="0"/>
-          </a:fillRef>
-          <a:effectRef idx="0">
-            <a:scrgbClr r="0" g="0" b="0"/>
-          </a:effectRef>
-          <a:fontRef idx="minor"/>
-        </p:style>
-        <p:txBody>
           <a:bodyPr lIns="90000" tIns="45000" rIns="90000" bIns="45000">
             <a:spAutoFit/>
           </a:bodyPr>
@@ -8575,15 +8777,102 @@
               </a:lnSpc>
             </a:pPr>
             <a:r>
-              <a:rPr lang="es-ES" sz="1800" b="0" strike="noStrike" spc="-1">
-                <a:solidFill>
-                  <a:srgbClr val="FFFFFF"/>
-                </a:solidFill>
-                <a:latin typeface="Arial"/>
-              </a:rPr>
-              <a:t>Utiliza netfilter hooks que es una forma de utilizar callbacks para filtrar los paquetes en el kernel</a:t>
-            </a:r>
-            <a:endParaRPr lang="es-ES" sz="1800" b="0" strike="noStrike" spc="-1">
+              <a:rPr lang="es-ES" sz="1600" b="0" strike="noStrike" spc="-1">
+                <a:solidFill>
+                  <a:srgbClr val="FFFFFF"/>
+                </a:solidFill>
+                <a:latin typeface="Arial"/>
+              </a:rPr>
+              <a:t>MODULE_LICENSE("GPL");</a:t>
+            </a:r>
+            <a:endParaRPr lang="es-ES" sz="1600" b="0" strike="noStrike" spc="-1">
+              <a:latin typeface="Arial"/>
+            </a:endParaRPr>
+          </a:p>
+          <a:p>
+            <a:pPr>
+              <a:lnSpc>
+                <a:spcPct val="100000"/>
+              </a:lnSpc>
+            </a:pPr>
+            <a:endParaRPr lang="es-ES" sz="1600" b="0" strike="noStrike" spc="-1">
+              <a:latin typeface="Arial"/>
+            </a:endParaRPr>
+          </a:p>
+          <a:p>
+            <a:pPr>
+              <a:lnSpc>
+                <a:spcPct val="100000"/>
+              </a:lnSpc>
+            </a:pPr>
+            <a:r>
+              <a:rPr lang="es-ES" sz="1600" b="0" strike="noStrike" spc="-1">
+                <a:solidFill>
+                  <a:srgbClr val="FFFFFF"/>
+                </a:solidFill>
+                <a:latin typeface="Arial"/>
+              </a:rPr>
+              <a:t>MODULE_AUTHOR(DRIVER_AUTHOR);    // Who wrote this module?</a:t>
+            </a:r>
+            <a:endParaRPr lang="es-ES" sz="1600" b="0" strike="noStrike" spc="-1">
+              <a:latin typeface="Arial"/>
+            </a:endParaRPr>
+          </a:p>
+          <a:p>
+            <a:pPr>
+              <a:lnSpc>
+                <a:spcPct val="100000"/>
+              </a:lnSpc>
+            </a:pPr>
+            <a:endParaRPr lang="es-ES" sz="1600" b="0" strike="noStrike" spc="-1">
+              <a:latin typeface="Arial"/>
+            </a:endParaRPr>
+          </a:p>
+          <a:p>
+            <a:pPr>
+              <a:lnSpc>
+                <a:spcPct val="100000"/>
+              </a:lnSpc>
+            </a:pPr>
+            <a:r>
+              <a:rPr lang="es-ES" sz="1600" b="0" strike="noStrike" spc="-1">
+                <a:solidFill>
+                  <a:srgbClr val="FFFFFF"/>
+                </a:solidFill>
+                <a:latin typeface="Arial"/>
+              </a:rPr>
+              <a:t>MODULE_DESCRIPTION(DRIVER_DESC); // What does this module do?</a:t>
+            </a:r>
+            <a:endParaRPr lang="es-ES" sz="1600" b="0" strike="noStrike" spc="-1">
+              <a:latin typeface="Arial"/>
+            </a:endParaRPr>
+          </a:p>
+          <a:p>
+            <a:pPr>
+              <a:lnSpc>
+                <a:spcPct val="100000"/>
+              </a:lnSpc>
+            </a:pPr>
+            <a:endParaRPr lang="es-ES" sz="1600" b="0" strike="noStrike" spc="-1">
+              <a:latin typeface="Arial"/>
+            </a:endParaRPr>
+          </a:p>
+          <a:p>
+            <a:pPr>
+              <a:lnSpc>
+                <a:spcPct val="100000"/>
+              </a:lnSpc>
+            </a:pPr>
+            <a:r>
+              <a:rPr lang="es-ES" sz="1600" b="0" strike="noStrike" spc="-1">
+                <a:solidFill>
+                  <a:srgbClr val="FFFFFF"/>
+                </a:solidFill>
+                <a:latin typeface="Arial"/>
+              </a:rPr>
+              <a:t>MODULE_SUPPORTED_DEVICE("testdevice");</a:t>
+            </a:r>
+            <a:endParaRPr lang="es-ES" sz="1600" b="0" strike="noStrike" spc="-1">
               <a:latin typeface="Arial"/>
             </a:endParaRPr>
           </a:p>
@@ -8600,7 +8889,7 @@
         <p:circle/>
       </p:transition>
     </mc:Choice>
-    <mc:Fallback xmlns:p15="http://schemas.microsoft.com/office/powerpoint/2012/main" xmlns="">
+    <mc:Fallback xmlns="" xmlns:p15="http://schemas.microsoft.com/office/powerpoint/2012/main">
       <p:transition spd="med">
         <p:circle/>
       </p:transition>
@@ -8628,7 +8917,7 @@
       </p:grpSpPr>
       <p:sp>
         <p:nvSpPr>
-          <p:cNvPr id="176" name="TextShape 1"/>
+          <p:cNvPr id="168" name="TextShape 1"/>
           <p:cNvSpPr txBox="1"/>
           <p:nvPr/>
         </p:nvSpPr>
@@ -8670,7 +8959,7 @@
       </p:sp>
       <p:sp>
         <p:nvSpPr>
-          <p:cNvPr id="177" name="CustomShape 2"/>
+          <p:cNvPr id="169" name="CustomShape 2"/>
           <p:cNvSpPr/>
           <p:nvPr/>
         </p:nvSpPr>
@@ -8716,7 +9005,7 @@
       </p:sp>
       <p:pic>
         <p:nvPicPr>
-          <p:cNvPr id="178" name="Picture 5" descr="Linking Project tasks"/>
+          <p:cNvPr id="170" name="Picture 5" descr="Linking Project tasks"/>
           <p:cNvPicPr/>
           <p:nvPr/>
         </p:nvPicPr>
@@ -8739,7 +9028,7 @@
       </p:pic>
       <p:pic>
         <p:nvPicPr>
-          <p:cNvPr id="179" name="Picture 2"/>
+          <p:cNvPr id="171" name="Picture 2"/>
           <p:cNvPicPr/>
           <p:nvPr/>
         </p:nvPicPr>
@@ -8762,14 +9051,14 @@
       </p:pic>
       <p:sp>
         <p:nvSpPr>
-          <p:cNvPr id="180" name="CustomShape 3"/>
+          <p:cNvPr id="172" name="CustomShape 3"/>
           <p:cNvSpPr/>
           <p:nvPr/>
         </p:nvSpPr>
         <p:spPr>
           <a:xfrm>
-            <a:off x="3455280" y="845280"/>
-            <a:ext cx="2084400" cy="516960"/>
+            <a:off x="2673720" y="2821680"/>
+            <a:ext cx="3795840" cy="913320"/>
           </a:xfrm>
           <a:prstGeom prst="rect">
             <a:avLst/>
@@ -8803,53 +9092,63 @@
               </a:lnSpc>
             </a:pPr>
             <a:r>
-              <a:rPr lang="es-ES" sz="2800" b="0" strike="noStrike" spc="-1">
-                <a:solidFill>
-                  <a:srgbClr val="FFFFFF"/>
-                </a:solidFill>
-                <a:latin typeface="Arial"/>
-              </a:rPr>
-              <a:t>NETFILTER</a:t>
-            </a:r>
-            <a:endParaRPr lang="es-ES" sz="2800" b="0" strike="noStrike" spc="-1">
-              <a:latin typeface="Arial"/>
-            </a:endParaRPr>
-          </a:p>
-        </p:txBody>
-      </p:sp>
-      <p:pic>
-        <p:nvPicPr>
-          <p:cNvPr id="181" name="Imagen 2"/>
-          <p:cNvPicPr/>
-          <p:nvPr/>
-        </p:nvPicPr>
-        <p:blipFill>
-          <a:blip r:embed="rId5"/>
-          <a:stretch/>
-        </p:blipFill>
-        <p:spPr>
-          <a:xfrm>
-            <a:off x="1850400" y="1884960"/>
-            <a:ext cx="5657400" cy="1428480"/>
-          </a:xfrm>
-          <a:prstGeom prst="rect">
-            <a:avLst/>
-          </a:prstGeom>
-          <a:ln>
-            <a:noFill/>
-          </a:ln>
-        </p:spPr>
-      </p:pic>
-      <p:sp>
-        <p:nvSpPr>
-          <p:cNvPr id="182" name="CustomShape 4"/>
+              <a:rPr lang="es-ES" sz="1800" b="0" u="sng" strike="noStrike" spc="-1">
+                <a:solidFill>
+                  <a:srgbClr val="00FFFF"/>
+                </a:solidFill>
+                <a:uFillTx/>
+                <a:latin typeface="Arial"/>
+                <a:hlinkClick r:id="rId5"/>
+              </a:rPr>
+              <a:t>https://es.wikipedia.org/wiki/Netfilter</a:t>
+            </a:r>
+            <a:endParaRPr lang="es-ES" sz="1800" b="0" strike="noStrike" spc="-1">
+              <a:latin typeface="Arial"/>
+            </a:endParaRPr>
+          </a:p>
+          <a:p>
+            <a:pPr>
+              <a:lnSpc>
+                <a:spcPct val="100000"/>
+              </a:lnSpc>
+            </a:pPr>
+            <a:endParaRPr lang="es-ES" sz="1800" b="0" strike="noStrike" spc="-1">
+              <a:latin typeface="Arial"/>
+            </a:endParaRPr>
+          </a:p>
+          <a:p>
+            <a:pPr>
+              <a:lnSpc>
+                <a:spcPct val="100000"/>
+              </a:lnSpc>
+            </a:pPr>
+            <a:r>
+              <a:rPr lang="es-ES" sz="1800" b="0" u="sng" strike="noStrike" spc="-1">
+                <a:solidFill>
+                  <a:srgbClr val="00FFFF"/>
+                </a:solidFill>
+                <a:uFillTx/>
+                <a:latin typeface="Arial"/>
+                <a:hlinkClick r:id="rId6"/>
+              </a:rPr>
+              <a:t>https://netfilter.org/</a:t>
+            </a:r>
+            <a:endParaRPr lang="es-ES" sz="1800" b="0" strike="noStrike" spc="-1">
+              <a:latin typeface="Arial"/>
+            </a:endParaRPr>
+          </a:p>
+        </p:txBody>
+      </p:sp>
+      <p:sp>
+        <p:nvSpPr>
+          <p:cNvPr id="173" name="CustomShape 4"/>
           <p:cNvSpPr/>
           <p:nvPr/>
         </p:nvSpPr>
         <p:spPr>
           <a:xfrm>
-            <a:off x="1535760" y="3670560"/>
-            <a:ext cx="7377480" cy="2037240"/>
+            <a:off x="3446640" y="1057680"/>
+            <a:ext cx="2084400" cy="516960"/>
           </a:xfrm>
           <a:prstGeom prst="rect">
             <a:avLst/>
@@ -8872,6 +9171,120 @@
           <a:fontRef idx="minor"/>
         </p:style>
         <p:txBody>
+          <a:bodyPr wrap="none" lIns="90000" tIns="45000" rIns="90000" bIns="45000">
+            <a:spAutoFit/>
+          </a:bodyPr>
+          <a:lstStyle/>
+          <a:p>
+            <a:pPr>
+              <a:lnSpc>
+                <a:spcPct val="100000"/>
+              </a:lnSpc>
+            </a:pPr>
+            <a:r>
+              <a:rPr lang="es-ES" sz="2800" b="0" strike="noStrike" spc="-1">
+                <a:solidFill>
+                  <a:srgbClr val="FFFFFF"/>
+                </a:solidFill>
+                <a:latin typeface="Arial"/>
+              </a:rPr>
+              <a:t>NETFILTER</a:t>
+            </a:r>
+            <a:endParaRPr lang="es-ES" sz="2800" b="0" strike="noStrike" spc="-1">
+              <a:latin typeface="Arial"/>
+            </a:endParaRPr>
+          </a:p>
+        </p:txBody>
+      </p:sp>
+      <p:sp>
+        <p:nvSpPr>
+          <p:cNvPr id="174" name="CustomShape 5"/>
+          <p:cNvSpPr/>
+          <p:nvPr/>
+        </p:nvSpPr>
+        <p:spPr>
+          <a:xfrm>
+            <a:off x="1359360" y="1905480"/>
+            <a:ext cx="7839360" cy="364680"/>
+          </a:xfrm>
+          <a:prstGeom prst="rect">
+            <a:avLst/>
+          </a:prstGeom>
+          <a:noFill/>
+          <a:ln>
+            <a:noFill/>
+          </a:ln>
+        </p:spPr>
+        <p:style>
+          <a:lnRef idx="0">
+            <a:scrgbClr r="0" g="0" b="0"/>
+          </a:lnRef>
+          <a:fillRef idx="0">
+            <a:scrgbClr r="0" g="0" b="0"/>
+          </a:fillRef>
+          <a:effectRef idx="0">
+            <a:scrgbClr r="0" g="0" b="0"/>
+          </a:effectRef>
+          <a:fontRef idx="minor"/>
+        </p:style>
+        <p:txBody>
+          <a:bodyPr wrap="none" lIns="90000" tIns="45000" rIns="90000" bIns="45000">
+            <a:spAutoFit/>
+          </a:bodyPr>
+          <a:lstStyle/>
+          <a:p>
+            <a:pPr>
+              <a:lnSpc>
+                <a:spcPct val="100000"/>
+              </a:lnSpc>
+            </a:pPr>
+            <a:r>
+              <a:rPr lang="es-ES" sz="1800" b="0" strike="noStrike" spc="-1">
+                <a:solidFill>
+                  <a:srgbClr val="FFFFFF"/>
+                </a:solidFill>
+                <a:latin typeface="Arial"/>
+              </a:rPr>
+              <a:t>Framework del kernel que permite interceptar y manipular mensajes de red.</a:t>
+            </a:r>
+            <a:endParaRPr lang="es-ES" sz="1800" b="0" strike="noStrike" spc="-1">
+              <a:latin typeface="Arial"/>
+            </a:endParaRPr>
+          </a:p>
+        </p:txBody>
+      </p:sp>
+      <p:sp>
+        <p:nvSpPr>
+          <p:cNvPr id="175" name="CustomShape 6"/>
+          <p:cNvSpPr/>
+          <p:nvPr/>
+        </p:nvSpPr>
+        <p:spPr>
+          <a:xfrm>
+            <a:off x="1305000" y="4384080"/>
+            <a:ext cx="7443360" cy="639000"/>
+          </a:xfrm>
+          <a:prstGeom prst="rect">
+            <a:avLst/>
+          </a:prstGeom>
+          <a:noFill/>
+          <a:ln>
+            <a:noFill/>
+          </a:ln>
+        </p:spPr>
+        <p:style>
+          <a:lnRef idx="0">
+            <a:scrgbClr r="0" g="0" b="0"/>
+          </a:lnRef>
+          <a:fillRef idx="0">
+            <a:scrgbClr r="0" g="0" b="0"/>
+          </a:fillRef>
+          <a:effectRef idx="0">
+            <a:scrgbClr r="0" g="0" b="0"/>
+          </a:effectRef>
+          <a:fontRef idx="minor"/>
+        </p:style>
+        <p:txBody>
           <a:bodyPr lIns="90000" tIns="45000" rIns="90000" bIns="45000">
             <a:spAutoFit/>
           </a:bodyPr>
@@ -8883,91 +9296,15 @@
               </a:lnSpc>
             </a:pPr>
             <a:r>
-              <a:rPr lang="es-ES" sz="1600" b="0" strike="noStrike" spc="-1">
-                <a:solidFill>
-                  <a:srgbClr val="FFFFFF"/>
-                </a:solidFill>
-                <a:latin typeface="Arial"/>
-              </a:rPr>
-              <a:t>NF_IP_PER_ROUNTING: Se llama cuando un paquete llega a la máquina.</a:t>
-            </a:r>
-            <a:endParaRPr lang="es-ES" sz="1600" b="0" strike="noStrike" spc="-1">
-              <a:latin typeface="Arial"/>
-            </a:endParaRPr>
-          </a:p>
-          <a:p>
-            <a:pPr>
-              <a:lnSpc>
-                <a:spcPct val="100000"/>
-              </a:lnSpc>
-            </a:pPr>
-            <a:r>
-              <a:rPr lang="es-ES" sz="1600" b="0" strike="noStrike" spc="-1">
-                <a:solidFill>
-                  <a:srgbClr val="FFFFFF"/>
-                </a:solidFill>
-                <a:latin typeface="Arial"/>
-              </a:rPr>
-              <a:t>NF_IP_LOCAL_IN: Se llama cuando el destino del paquete es la misma máquina.</a:t>
-            </a:r>
-            <a:endParaRPr lang="es-ES" sz="1600" b="0" strike="noStrike" spc="-1">
-              <a:latin typeface="Arial"/>
-            </a:endParaRPr>
-          </a:p>
-          <a:p>
-            <a:pPr>
-              <a:lnSpc>
-                <a:spcPct val="100000"/>
-              </a:lnSpc>
-            </a:pPr>
-            <a:r>
-              <a:rPr lang="es-ES" sz="1600" b="0" strike="noStrike" spc="-1">
-                <a:solidFill>
-                  <a:srgbClr val="FFFFFF"/>
-                </a:solidFill>
-                <a:latin typeface="Arial"/>
-              </a:rPr>
-              <a:t>NF_IP_FORWARD: Se llama cuando el destino del paquete es otro interface.</a:t>
-            </a:r>
-            <a:endParaRPr lang="es-ES" sz="1600" b="0" strike="noStrike" spc="-1">
-              <a:latin typeface="Arial"/>
-            </a:endParaRPr>
-          </a:p>
-          <a:p>
-            <a:pPr>
-              <a:lnSpc>
-                <a:spcPct val="100000"/>
-              </a:lnSpc>
-            </a:pPr>
-            <a:r>
-              <a:rPr lang="es-ES" sz="1600" b="0" strike="noStrike" spc="-1">
-                <a:solidFill>
-                  <a:srgbClr val="FFFFFF"/>
-                </a:solidFill>
-                <a:latin typeface="Arial"/>
-              </a:rPr>
-              <a:t>NF_IP_POST_ROUTING: Se llama cuando el paquete va de regreso al cable y fuera de la máquina.</a:t>
-            </a:r>
-            <a:endParaRPr lang="es-ES" sz="1600" b="0" strike="noStrike" spc="-1">
-              <a:latin typeface="Arial"/>
-            </a:endParaRPr>
-          </a:p>
-          <a:p>
-            <a:pPr>
-              <a:lnSpc>
-                <a:spcPct val="100000"/>
-              </a:lnSpc>
-            </a:pPr>
-            <a:r>
-              <a:rPr lang="es-ES" sz="1600" b="0" strike="noStrike" spc="-1">
-                <a:solidFill>
-                  <a:srgbClr val="FFFFFF"/>
-                </a:solidFill>
-                <a:latin typeface="Arial"/>
-              </a:rPr>
-              <a:t>NF_IP_LOCAL_OUT: Se llama cuando el paquete se crea localmente y su destino es fuera de la máquina.</a:t>
-            </a:r>
-            <a:endParaRPr lang="es-ES" sz="1600" b="0" strike="noStrike" spc="-1">
+              <a:rPr lang="es-ES" sz="1800" b="0" strike="noStrike" spc="-1">
+                <a:solidFill>
+                  <a:srgbClr val="FFFFFF"/>
+                </a:solidFill>
+                <a:latin typeface="Arial"/>
+              </a:rPr>
+              <a:t>Utiliza netfilter hooks que es una forma de utilizar callbacks para filtrar los paquetes en el kernel</a:t>
+            </a:r>
+            <a:endParaRPr lang="es-ES" sz="1800" b="0" strike="noStrike" spc="-1">
               <a:latin typeface="Arial"/>
             </a:endParaRPr>
           </a:p>
@@ -8984,7 +9321,7 @@
         <p:circle/>
       </p:transition>
     </mc:Choice>
-    <mc:Fallback xmlns:p15="http://schemas.microsoft.com/office/powerpoint/2012/main" xmlns="">
+    <mc:Fallback xmlns="" xmlns:p15="http://schemas.microsoft.com/office/powerpoint/2012/main">
       <p:transition spd="med">
         <p:circle/>
       </p:transition>
@@ -9012,7 +9349,7 @@
       </p:grpSpPr>
       <p:sp>
         <p:nvSpPr>
-          <p:cNvPr id="183" name="TextShape 1"/>
+          <p:cNvPr id="176" name="TextShape 1"/>
           <p:cNvSpPr txBox="1"/>
           <p:nvPr/>
         </p:nvSpPr>
@@ -9054,7 +9391,7 @@
       </p:sp>
       <p:sp>
         <p:nvSpPr>
-          <p:cNvPr id="184" name="CustomShape 2"/>
+          <p:cNvPr id="177" name="CustomShape 2"/>
           <p:cNvSpPr/>
           <p:nvPr/>
         </p:nvSpPr>
@@ -9100,7 +9437,7 @@
       </p:sp>
       <p:pic>
         <p:nvPicPr>
-          <p:cNvPr id="185" name="Picture 5" descr="Linking Project tasks"/>
+          <p:cNvPr id="178" name="Picture 5" descr="Linking Project tasks"/>
           <p:cNvPicPr/>
           <p:nvPr/>
         </p:nvPicPr>
@@ -9123,7 +9460,7 @@
       </p:pic>
       <p:pic>
         <p:nvPicPr>
-          <p:cNvPr id="186" name="Picture 2"/>
+          <p:cNvPr id="179" name="Picture 2"/>
           <p:cNvPicPr/>
           <p:nvPr/>
         </p:nvPicPr>
@@ -9146,7 +9483,7 @@
       </p:pic>
       <p:sp>
         <p:nvSpPr>
-          <p:cNvPr id="187" name="CustomShape 3"/>
+          <p:cNvPr id="180" name="CustomShape 3"/>
           <p:cNvSpPr/>
           <p:nvPr/>
         </p:nvSpPr>
@@ -9201,16 +9538,39 @@
           </a:p>
         </p:txBody>
       </p:sp>
-      <p:sp>
-        <p:nvSpPr>
-          <p:cNvPr id="188" name="CustomShape 4"/>
+      <p:pic>
+        <p:nvPicPr>
+          <p:cNvPr id="181" name="Imagen 2"/>
+          <p:cNvPicPr/>
+          <p:nvPr/>
+        </p:nvPicPr>
+        <p:blipFill>
+          <a:blip r:embed="rId5"/>
+          <a:stretch/>
+        </p:blipFill>
+        <p:spPr>
+          <a:xfrm>
+            <a:off x="1850400" y="1884960"/>
+            <a:ext cx="5657400" cy="1428480"/>
+          </a:xfrm>
+          <a:prstGeom prst="rect">
+            <a:avLst/>
+          </a:prstGeom>
+          <a:ln>
+            <a:noFill/>
+          </a:ln>
+        </p:spPr>
+      </p:pic>
+      <p:sp>
+        <p:nvSpPr>
+          <p:cNvPr id="182" name="CustomShape 4"/>
           <p:cNvSpPr/>
           <p:nvPr/>
         </p:nvSpPr>
         <p:spPr>
           <a:xfrm>
-            <a:off x="2601360" y="1396080"/>
-            <a:ext cx="3940920" cy="456120"/>
+            <a:off x="1535760" y="3670560"/>
+            <a:ext cx="7377480" cy="2037240"/>
           </a:xfrm>
           <a:prstGeom prst="rect">
             <a:avLst/>
@@ -9233,63 +9593,6 @@
           <a:fontRef idx="minor"/>
         </p:style>
         <p:txBody>
-          <a:bodyPr wrap="none" lIns="90000" tIns="45000" rIns="90000" bIns="45000">
-            <a:spAutoFit/>
-          </a:bodyPr>
-          <a:lstStyle/>
-          <a:p>
-            <a:pPr>
-              <a:lnSpc>
-                <a:spcPct val="100000"/>
-              </a:lnSpc>
-            </a:pPr>
-            <a:r>
-              <a:rPr lang="es-ES" sz="2400" b="0" strike="noStrike" spc="-1">
-                <a:solidFill>
-                  <a:srgbClr val="FFFFFF"/>
-                </a:solidFill>
-                <a:latin typeface="Arial"/>
-              </a:rPr>
-              <a:t>Uso de Netfilter en el kernel</a:t>
-            </a:r>
-            <a:endParaRPr lang="es-ES" sz="2400" b="0" strike="noStrike" spc="-1">
-              <a:latin typeface="Arial"/>
-            </a:endParaRPr>
-          </a:p>
-        </p:txBody>
-      </p:sp>
-      <p:sp>
-        <p:nvSpPr>
-          <p:cNvPr id="189" name="CustomShape 5"/>
-          <p:cNvSpPr/>
-          <p:nvPr/>
-        </p:nvSpPr>
-        <p:spPr>
-          <a:xfrm>
-            <a:off x="1519200" y="2115360"/>
-            <a:ext cx="7084080" cy="639000"/>
-          </a:xfrm>
-          <a:prstGeom prst="rect">
-            <a:avLst/>
-          </a:prstGeom>
-          <a:noFill/>
-          <a:ln>
-            <a:noFill/>
-          </a:ln>
-        </p:spPr>
-        <p:style>
-          <a:lnRef idx="0">
-            <a:scrgbClr r="0" g="0" b="0"/>
-          </a:lnRef>
-          <a:fillRef idx="0">
-            <a:scrgbClr r="0" g="0" b="0"/>
-          </a:fillRef>
-          <a:effectRef idx="0">
-            <a:scrgbClr r="0" g="0" b="0"/>
-          </a:effectRef>
-          <a:fontRef idx="minor"/>
-        </p:style>
-        <p:txBody>
           <a:bodyPr lIns="90000" tIns="45000" rIns="90000" bIns="45000">
             <a:spAutoFit/>
           </a:bodyPr>
@@ -9301,148 +9604,91 @@
               </a:lnSpc>
             </a:pPr>
             <a:r>
-              <a:rPr lang="es-ES" sz="1800" b="0" strike="noStrike" spc="-1">
-                <a:solidFill>
-                  <a:srgbClr val="FFFFFF"/>
-                </a:solidFill>
-                <a:latin typeface="Arial"/>
-              </a:rPr>
-              <a:t>Hay que crear una función hook y registrarla con la función</a:t>
-            </a:r>
-            <a:endParaRPr lang="es-ES" sz="1800" b="0" strike="noStrike" spc="-1">
-              <a:latin typeface="Arial"/>
-            </a:endParaRPr>
-          </a:p>
-          <a:p>
-            <a:pPr>
-              <a:lnSpc>
-                <a:spcPct val="100000"/>
-              </a:lnSpc>
-            </a:pPr>
-            <a:r>
-              <a:rPr lang="es-ES" sz="1800" b="0" strike="noStrike" spc="-1">
-                <a:solidFill>
-                  <a:srgbClr val="FFFFFF"/>
-                </a:solidFill>
-                <a:latin typeface="Arial"/>
-              </a:rPr>
-              <a:t>nf_register_hook que recibe struct nf_hooks_ops*</a:t>
-            </a:r>
-            <a:endParaRPr lang="es-ES" sz="1800" b="0" strike="noStrike" spc="-1">
-              <a:latin typeface="Arial"/>
-            </a:endParaRPr>
-          </a:p>
-        </p:txBody>
-      </p:sp>
-      <p:sp>
-        <p:nvSpPr>
-          <p:cNvPr id="190" name="CustomShape 6"/>
-          <p:cNvSpPr/>
-          <p:nvPr/>
-        </p:nvSpPr>
-        <p:spPr>
-          <a:xfrm>
-            <a:off x="1519200" y="3250800"/>
-            <a:ext cx="5956560" cy="639000"/>
-          </a:xfrm>
-          <a:prstGeom prst="rect">
-            <a:avLst/>
-          </a:prstGeom>
-          <a:noFill/>
-          <a:ln>
-            <a:noFill/>
-          </a:ln>
-        </p:spPr>
-        <p:style>
-          <a:lnRef idx="0">
-            <a:scrgbClr r="0" g="0" b="0"/>
-          </a:lnRef>
-          <a:fillRef idx="0">
-            <a:scrgbClr r="0" g="0" b="0"/>
-          </a:fillRef>
-          <a:effectRef idx="0">
-            <a:scrgbClr r="0" g="0" b="0"/>
-          </a:effectRef>
-          <a:fontRef idx="minor"/>
-        </p:style>
-        <p:txBody>
-          <a:bodyPr lIns="90000" tIns="45000" rIns="90000" bIns="45000">
-            <a:spAutoFit/>
-          </a:bodyPr>
-          <a:lstStyle/>
-          <a:p>
-            <a:pPr>
-              <a:lnSpc>
-                <a:spcPct val="100000"/>
-              </a:lnSpc>
-            </a:pPr>
-            <a:r>
-              <a:rPr lang="es-ES" sz="1800" b="0" strike="noStrike" spc="-1">
-                <a:solidFill>
-                  <a:srgbClr val="FFFFFF"/>
-                </a:solidFill>
-                <a:latin typeface="Arial"/>
-              </a:rPr>
-              <a:t>o la función nf_register_net_hook que recibe struct net* and struct nf_hooks_ops. </a:t>
-            </a:r>
-            <a:endParaRPr lang="es-ES" sz="1800" b="0" strike="noStrike" spc="-1">
-              <a:latin typeface="Arial"/>
-            </a:endParaRPr>
-          </a:p>
-        </p:txBody>
-      </p:sp>
-      <p:sp>
-        <p:nvSpPr>
-          <p:cNvPr id="191" name="CustomShape 7"/>
-          <p:cNvSpPr/>
-          <p:nvPr/>
-        </p:nvSpPr>
-        <p:spPr>
-          <a:xfrm>
-            <a:off x="1652400" y="4438800"/>
-            <a:ext cx="3576600" cy="364680"/>
-          </a:xfrm>
-          <a:prstGeom prst="rect">
-            <a:avLst/>
-          </a:prstGeom>
-          <a:noFill/>
-          <a:ln>
-            <a:noFill/>
-          </a:ln>
-        </p:spPr>
-        <p:style>
-          <a:lnRef idx="0">
-            <a:scrgbClr r="0" g="0" b="0"/>
-          </a:lnRef>
-          <a:fillRef idx="0">
-            <a:scrgbClr r="0" g="0" b="0"/>
-          </a:fillRef>
-          <a:effectRef idx="0">
-            <a:scrgbClr r="0" g="0" b="0"/>
-          </a:effectRef>
-          <a:fontRef idx="minor"/>
-        </p:style>
-        <p:txBody>
-          <a:bodyPr wrap="none" lIns="90000" tIns="45000" rIns="90000" bIns="45000">
-            <a:spAutoFit/>
-          </a:bodyPr>
-          <a:lstStyle/>
-          <a:p>
-            <a:pPr>
-              <a:lnSpc>
-                <a:spcPct val="100000"/>
-              </a:lnSpc>
-            </a:pPr>
-            <a:r>
-              <a:rPr lang="es-ES" sz="1800" b="0" strike="noStrike" spc="-1">
-                <a:solidFill>
-                  <a:srgbClr val="FFFFFF"/>
-                </a:solidFill>
-                <a:latin typeface="Arial"/>
-              </a:rPr>
-              <a:t>Depende de la version del kernel.</a:t>
-            </a:r>
-            <a:endParaRPr lang="es-ES" sz="1800" b="0" strike="noStrike" spc="-1">
+              <a:rPr lang="es-ES" sz="1600" b="0" strike="noStrike" spc="-1">
+                <a:solidFill>
+                  <a:srgbClr val="FFFFFF"/>
+                </a:solidFill>
+                <a:latin typeface="Arial"/>
+              </a:rPr>
+              <a:t>NF_IP_PER_ROUNTING: Se llama cuando un paquete llega a la máquina.</a:t>
+            </a:r>
+            <a:endParaRPr lang="es-ES" sz="1600" b="0" strike="noStrike" spc="-1">
+              <a:latin typeface="Arial"/>
+            </a:endParaRPr>
+          </a:p>
+          <a:p>
+            <a:pPr>
+              <a:lnSpc>
+                <a:spcPct val="100000"/>
+              </a:lnSpc>
+            </a:pPr>
+            <a:r>
+              <a:rPr lang="es-ES" sz="1600" b="0" strike="noStrike" spc="-1">
+                <a:solidFill>
+                  <a:srgbClr val="FFFFFF"/>
+                </a:solidFill>
+                <a:latin typeface="Arial"/>
+              </a:rPr>
+              <a:t>NF_IP_LOCAL_IN: Se llama cuando el destino del paquete es la misma máquina.</a:t>
+            </a:r>
+            <a:endParaRPr lang="es-ES" sz="1600" b="0" strike="noStrike" spc="-1">
+              <a:latin typeface="Arial"/>
+            </a:endParaRPr>
+          </a:p>
+          <a:p>
+            <a:pPr>
+              <a:lnSpc>
+                <a:spcPct val="100000"/>
+              </a:lnSpc>
+            </a:pPr>
+            <a:r>
+              <a:rPr lang="es-ES" sz="1600" b="0" strike="noStrike" spc="-1">
+                <a:solidFill>
+                  <a:srgbClr val="FFFFFF"/>
+                </a:solidFill>
+                <a:latin typeface="Arial"/>
+              </a:rPr>
+              <a:t>NF_IP_FORWARD: Se llama cuando el destino del paquete es otro interface.</a:t>
+            </a:r>
+            <a:endParaRPr lang="es-ES" sz="1600" b="0" strike="noStrike" spc="-1">
+              <a:latin typeface="Arial"/>
+            </a:endParaRPr>
+          </a:p>
+          <a:p>
+            <a:pPr>
+              <a:lnSpc>
+                <a:spcPct val="100000"/>
+              </a:lnSpc>
+            </a:pPr>
+            <a:r>
+              <a:rPr lang="es-ES" sz="1600" b="0" strike="noStrike" spc="-1">
+                <a:solidFill>
+                  <a:srgbClr val="FFFFFF"/>
+                </a:solidFill>
+                <a:latin typeface="Arial"/>
+              </a:rPr>
+              <a:t>NF_IP_POST_ROUTING: Se llama cuando el paquete va de regreso al cable y fuera de la máquina.</a:t>
+            </a:r>
+            <a:endParaRPr lang="es-ES" sz="1600" b="0" strike="noStrike" spc="-1">
+              <a:latin typeface="Arial"/>
+            </a:endParaRPr>
+          </a:p>
+          <a:p>
+            <a:pPr>
+              <a:lnSpc>
+                <a:spcPct val="100000"/>
+              </a:lnSpc>
+            </a:pPr>
+            <a:r>
+              <a:rPr lang="es-ES" sz="1600" b="0" strike="noStrike" spc="-1">
+                <a:solidFill>
+                  <a:srgbClr val="FFFFFF"/>
+                </a:solidFill>
+                <a:latin typeface="Arial"/>
+              </a:rPr>
+              <a:t>NF_IP_LOCAL_OUT: Se llama cuando el paquete se crea localmente y su destino es fuera de la máquina.</a:t>
+            </a:r>
+            <a:endParaRPr lang="es-ES" sz="1600" b="0" strike="noStrike" spc="-1">
               <a:latin typeface="Arial"/>
             </a:endParaRPr>
           </a:p>
@@ -9459,7 +9705,7 @@
         <p:circle/>
       </p:transition>
     </mc:Choice>
-    <mc:Fallback xmlns:p15="http://schemas.microsoft.com/office/powerpoint/2012/main" xmlns="">
+    <mc:Fallback xmlns="" xmlns:p15="http://schemas.microsoft.com/office/powerpoint/2012/main">
       <p:transition spd="med">
         <p:circle/>
       </p:transition>
@@ -9487,7 +9733,7 @@
       </p:grpSpPr>
       <p:sp>
         <p:nvSpPr>
-          <p:cNvPr id="192" name="TextShape 1"/>
+          <p:cNvPr id="183" name="TextShape 1"/>
           <p:cNvSpPr txBox="1"/>
           <p:nvPr/>
         </p:nvSpPr>
@@ -9529,7 +9775,7 @@
       </p:sp>
       <p:sp>
         <p:nvSpPr>
-          <p:cNvPr id="193" name="CustomShape 2"/>
+          <p:cNvPr id="184" name="CustomShape 2"/>
           <p:cNvSpPr/>
           <p:nvPr/>
         </p:nvSpPr>
@@ -9575,7 +9821,7 @@
       </p:sp>
       <p:pic>
         <p:nvPicPr>
-          <p:cNvPr id="194" name="Picture 5" descr="Linking Project tasks"/>
+          <p:cNvPr id="185" name="Picture 5" descr="Linking Project tasks"/>
           <p:cNvPicPr/>
           <p:nvPr/>
         </p:nvPicPr>
@@ -9598,7 +9844,7 @@
       </p:pic>
       <p:pic>
         <p:nvPicPr>
-          <p:cNvPr id="195" name="Picture 2"/>
+          <p:cNvPr id="186" name="Picture 2"/>
           <p:cNvPicPr/>
           <p:nvPr/>
         </p:nvPicPr>
@@ -9621,13 +9867,13 @@
       </p:pic>
       <p:sp>
         <p:nvSpPr>
-          <p:cNvPr id="196" name="CustomShape 3"/>
+          <p:cNvPr id="187" name="CustomShape 3"/>
           <p:cNvSpPr/>
           <p:nvPr/>
         </p:nvSpPr>
         <p:spPr>
           <a:xfrm>
-            <a:off x="3455280" y="321480"/>
+            <a:off x="3455280" y="845280"/>
             <a:ext cx="2084400" cy="516960"/>
           </a:xfrm>
           <a:prstGeom prst="rect">
@@ -9678,13 +9924,13 @@
       </p:sp>
       <p:sp>
         <p:nvSpPr>
-          <p:cNvPr id="197" name="CustomShape 4"/>
+          <p:cNvPr id="188" name="CustomShape 4"/>
           <p:cNvSpPr/>
           <p:nvPr/>
         </p:nvSpPr>
         <p:spPr>
           <a:xfrm>
-            <a:off x="2601360" y="907920"/>
+            <a:off x="2601360" y="1396080"/>
             <a:ext cx="3940920" cy="456120"/>
           </a:xfrm>
           <a:prstGeom prst="rect">
@@ -9735,14 +9981,14 @@
       </p:sp>
       <p:sp>
         <p:nvSpPr>
-          <p:cNvPr id="198" name="CustomShape 5"/>
+          <p:cNvPr id="189" name="CustomShape 5"/>
           <p:cNvSpPr/>
           <p:nvPr/>
         </p:nvSpPr>
         <p:spPr>
           <a:xfrm>
-            <a:off x="1963440" y="1359360"/>
-            <a:ext cx="5697720" cy="2833560"/>
+            <a:off x="1519200" y="2115360"/>
+            <a:ext cx="7084080" cy="639000"/>
           </a:xfrm>
           <a:prstGeom prst="rect">
             <a:avLst/>
@@ -9782,7 +10028,7 @@
                 </a:solidFill>
                 <a:latin typeface="Arial"/>
               </a:rPr>
-              <a:t>struct nf_hook_ops {</a:t>
+              <a:t>Hay que crear una función hook y registrarla con la función</a:t>
             </a:r>
             <a:endParaRPr lang="es-ES" sz="1800" b="0" strike="noStrike" spc="-1">
               <a:latin typeface="Arial"/>
@@ -9801,176 +10047,24 @@
                 </a:solidFill>
                 <a:latin typeface="Arial"/>
               </a:rPr>
-              <a:t>	/* User fills in from here down. */</a:t>
+              <a:t>nf_register_hook que recibe struct nf_hooks_ops*</a:t>
             </a:r>
             <a:endParaRPr lang="es-ES" sz="1800" b="0" strike="noStrike" spc="-1">
               <a:latin typeface="Arial"/>
             </a:endParaRPr>
           </a:p>
-          <a:p>
-            <a:pPr>
-              <a:lnSpc>
-                <a:spcPct val="100000"/>
-              </a:lnSpc>
-            </a:pPr>
-            <a:r>
-              <a:rPr lang="es-ES" sz="1800" b="0" strike="noStrike" spc="-1">
-                <a:solidFill>
-                  <a:srgbClr val="FFFFFF"/>
-                </a:solidFill>
-                <a:latin typeface="Arial"/>
-              </a:rPr>
-              <a:t>	nf_hookfn	*hook;</a:t>
-            </a:r>
-            <a:endParaRPr lang="es-ES" sz="1800" b="0" strike="noStrike" spc="-1">
-              <a:latin typeface="Arial"/>
-            </a:endParaRPr>
-          </a:p>
-          <a:p>
-            <a:pPr>
-              <a:lnSpc>
-                <a:spcPct val="100000"/>
-              </a:lnSpc>
-            </a:pPr>
-            <a:r>
-              <a:rPr lang="es-ES" sz="1800" b="0" strike="noStrike" spc="-1">
-                <a:solidFill>
-                  <a:srgbClr val="FFFFFF"/>
-                </a:solidFill>
-                <a:latin typeface="Arial"/>
-              </a:rPr>
-              <a:t>	struct net_device	*dev;</a:t>
-            </a:r>
-            <a:endParaRPr lang="es-ES" sz="1800" b="0" strike="noStrike" spc="-1">
-              <a:latin typeface="Arial"/>
-            </a:endParaRPr>
-          </a:p>
-          <a:p>
-            <a:pPr>
-              <a:lnSpc>
-                <a:spcPct val="100000"/>
-              </a:lnSpc>
-            </a:pPr>
-            <a:r>
-              <a:rPr lang="es-ES" sz="1800" b="0" strike="noStrike" spc="-1">
-                <a:solidFill>
-                  <a:srgbClr val="FFFFFF"/>
-                </a:solidFill>
-                <a:latin typeface="Arial"/>
-              </a:rPr>
-              <a:t>	void		*priv;</a:t>
-            </a:r>
-            <a:endParaRPr lang="es-ES" sz="1800" b="0" strike="noStrike" spc="-1">
-              <a:latin typeface="Arial"/>
-            </a:endParaRPr>
-          </a:p>
-          <a:p>
-            <a:pPr>
-              <a:lnSpc>
-                <a:spcPct val="100000"/>
-              </a:lnSpc>
-            </a:pPr>
-            <a:r>
-              <a:rPr lang="es-ES" sz="1800" b="0" strike="noStrike" spc="-1">
-                <a:solidFill>
-                  <a:srgbClr val="FFFFFF"/>
-                </a:solidFill>
-                <a:latin typeface="Arial"/>
-              </a:rPr>
-              <a:t>	u_int8_t	 	pf;</a:t>
-            </a:r>
-            <a:endParaRPr lang="es-ES" sz="1800" b="0" strike="noStrike" spc="-1">
-              <a:latin typeface="Arial"/>
-            </a:endParaRPr>
-          </a:p>
-          <a:p>
-            <a:pPr>
-              <a:lnSpc>
-                <a:spcPct val="100000"/>
-              </a:lnSpc>
-            </a:pPr>
-            <a:r>
-              <a:rPr lang="es-ES" sz="1800" b="0" strike="noStrike" spc="-1">
-                <a:solidFill>
-                  <a:srgbClr val="FFFFFF"/>
-                </a:solidFill>
-                <a:latin typeface="Arial"/>
-              </a:rPr>
-              <a:t>	unsigned int	hooknum;</a:t>
-            </a:r>
-            <a:endParaRPr lang="es-ES" sz="1800" b="0" strike="noStrike" spc="-1">
-              <a:latin typeface="Arial"/>
-            </a:endParaRPr>
-          </a:p>
-          <a:p>
-            <a:pPr>
-              <a:lnSpc>
-                <a:spcPct val="100000"/>
-              </a:lnSpc>
-            </a:pPr>
-            <a:r>
-              <a:rPr lang="es-ES" sz="1800" b="0" strike="noStrike" spc="-1">
-                <a:solidFill>
-                  <a:srgbClr val="FFFFFF"/>
-                </a:solidFill>
-                <a:latin typeface="Arial"/>
-              </a:rPr>
-              <a:t>	/* Hooks are ordered in ascending priority. */</a:t>
-            </a:r>
-            <a:endParaRPr lang="es-ES" sz="1800" b="0" strike="noStrike" spc="-1">
-              <a:latin typeface="Arial"/>
-            </a:endParaRPr>
-          </a:p>
-          <a:p>
-            <a:pPr>
-              <a:lnSpc>
-                <a:spcPct val="100000"/>
-              </a:lnSpc>
-            </a:pPr>
-            <a:r>
-              <a:rPr lang="es-ES" sz="1800" b="0" strike="noStrike" spc="-1">
-                <a:solidFill>
-                  <a:srgbClr val="FFFFFF"/>
-                </a:solidFill>
-                <a:latin typeface="Arial"/>
-              </a:rPr>
-              <a:t>	int		priority;</a:t>
-            </a:r>
-            <a:endParaRPr lang="es-ES" sz="1800" b="0" strike="noStrike" spc="-1">
-              <a:latin typeface="Arial"/>
-            </a:endParaRPr>
-          </a:p>
-          <a:p>
-            <a:pPr>
-              <a:lnSpc>
-                <a:spcPct val="100000"/>
-              </a:lnSpc>
-            </a:pPr>
-            <a:r>
-              <a:rPr lang="es-ES" sz="1800" b="0" strike="noStrike" spc="-1">
-                <a:solidFill>
-                  <a:srgbClr val="FFFFFF"/>
-                </a:solidFill>
-                <a:latin typeface="Arial"/>
-              </a:rPr>
-              <a:t>};</a:t>
-            </a:r>
-            <a:endParaRPr lang="es-ES" sz="1800" b="0" strike="noStrike" spc="-1">
-              <a:latin typeface="Arial"/>
-            </a:endParaRPr>
-          </a:p>
-        </p:txBody>
-      </p:sp>
-      <p:sp>
-        <p:nvSpPr>
-          <p:cNvPr id="199" name="CustomShape 6"/>
+        </p:txBody>
+      </p:sp>
+      <p:sp>
+        <p:nvSpPr>
+          <p:cNvPr id="190" name="CustomShape 6"/>
           <p:cNvSpPr/>
           <p:nvPr/>
         </p:nvSpPr>
         <p:spPr>
           <a:xfrm>
-            <a:off x="1538640" y="4251960"/>
-            <a:ext cx="6921360" cy="639000"/>
+            <a:off x="1519200" y="3250800"/>
+            <a:ext cx="5956560" cy="639000"/>
           </a:xfrm>
           <a:prstGeom prst="rect">
             <a:avLst/>
@@ -10010,7 +10104,7 @@
                 </a:solidFill>
                 <a:latin typeface="Arial"/>
               </a:rPr>
-              <a:t>hook: Puntero a una función que es llamada en cuanto el hook es disparado.</a:t>
+              <a:t>o la función nf_register_net_hook que recibe struct net* and struct nf_hooks_ops. </a:t>
             </a:r>
             <a:endParaRPr lang="es-ES" sz="1800" b="0" strike="noStrike" spc="-1">
               <a:latin typeface="Arial"/>
@@ -10020,14 +10114,14 @@
       </p:sp>
       <p:sp>
         <p:nvSpPr>
-          <p:cNvPr id="200" name="CustomShape 7"/>
+          <p:cNvPr id="191" name="CustomShape 7"/>
           <p:cNvSpPr/>
           <p:nvPr/>
         </p:nvSpPr>
         <p:spPr>
           <a:xfrm>
-            <a:off x="1538640" y="4898160"/>
-            <a:ext cx="6770520" cy="1461960"/>
+            <a:off x="1652400" y="4438800"/>
+            <a:ext cx="3576600" cy="364680"/>
           </a:xfrm>
           <a:prstGeom prst="rect">
             <a:avLst/>
@@ -10050,7 +10144,7 @@
           <a:fontRef idx="minor"/>
         </p:style>
         <p:txBody>
-          <a:bodyPr lIns="90000" tIns="45000" rIns="90000" bIns="45000">
+          <a:bodyPr wrap="none" lIns="90000" tIns="45000" rIns="90000" bIns="45000">
             <a:spAutoFit/>
           </a:bodyPr>
           <a:lstStyle/>
@@ -10067,79 +10161,7 @@
                 </a:solidFill>
                 <a:latin typeface="Arial"/>
               </a:rPr>
-              <a:t>La función debe devolver: </a:t>
-            </a:r>
-            <a:endParaRPr lang="es-ES" sz="1800" b="0" strike="noStrike" spc="-1">
-              <a:latin typeface="Arial"/>
-            </a:endParaRPr>
-          </a:p>
-          <a:p>
-            <a:pPr marL="285840" indent="-285480">
-              <a:lnSpc>
-                <a:spcPct val="100000"/>
-              </a:lnSpc>
-              <a:buClr>
-                <a:srgbClr val="FFFFFF"/>
-              </a:buClr>
-              <a:buFont typeface="Arial"/>
-              <a:buChar char="•"/>
-            </a:pPr>
-            <a:r>
-              <a:rPr lang="es-ES" sz="1800" b="0" strike="noStrike" spc="-1">
-                <a:solidFill>
-                  <a:srgbClr val="FFFFFF"/>
-                </a:solidFill>
-                <a:latin typeface="Arial"/>
-              </a:rPr>
-              <a:t>NF_DROP: No permite que el paquete continue.</a:t>
-            </a:r>
-            <a:endParaRPr lang="es-ES" sz="1800" b="0" strike="noStrike" spc="-1">
-              <a:latin typeface="Arial"/>
-            </a:endParaRPr>
-          </a:p>
-          <a:p>
-            <a:pPr marL="285840" indent="-285480">
-              <a:lnSpc>
-                <a:spcPct val="100000"/>
-              </a:lnSpc>
-              <a:buClr>
-                <a:srgbClr val="FFFFFF"/>
-              </a:buClr>
-              <a:buFont typeface="Arial"/>
-              <a:buChar char="•"/>
-            </a:pPr>
-            <a:r>
-              <a:rPr lang="es-ES" sz="1800" b="0" strike="noStrike" spc="-1">
-                <a:solidFill>
-                  <a:srgbClr val="FFFFFF"/>
-                </a:solidFill>
-                <a:latin typeface="Arial"/>
-              </a:rPr>
-              <a:t>NF_ACCEPT: Deja que el paquete siga su camino.</a:t>
-            </a:r>
-            <a:endParaRPr lang="es-ES" sz="1800" b="0" strike="noStrike" spc="-1">
-              <a:latin typeface="Arial"/>
-            </a:endParaRPr>
-          </a:p>
-          <a:p>
-            <a:pPr marL="285840" indent="-285480">
-              <a:lnSpc>
-                <a:spcPct val="100000"/>
-              </a:lnSpc>
-              <a:buClr>
-                <a:srgbClr val="FFFFFF"/>
-              </a:buClr>
-              <a:buFont typeface="Arial"/>
-              <a:buChar char="•"/>
-            </a:pPr>
-            <a:r>
-              <a:rPr lang="es-ES" sz="1800" b="0" strike="noStrike" spc="-1">
-                <a:solidFill>
-                  <a:srgbClr val="FFFFFF"/>
-                </a:solidFill>
-                <a:latin typeface="Arial"/>
-              </a:rPr>
-              <a:t>NF_QUEUE: Pone el paquete en cola para su tratamiento en el espacio de usuario.</a:t>
+              <a:t>Depende de la version del kernel.</a:t>
             </a:r>
             <a:endParaRPr lang="es-ES" sz="1800" b="0" strike="noStrike" spc="-1">
               <a:latin typeface="Arial"/>
@@ -10158,7 +10180,7 @@
         <p:circle/>
       </p:transition>
     </mc:Choice>
-    <mc:Fallback xmlns:p15="http://schemas.microsoft.com/office/powerpoint/2012/main" xmlns="">
+    <mc:Fallback xmlns="" xmlns:p15="http://schemas.microsoft.com/office/powerpoint/2012/main">
       <p:transition spd="med">
         <p:circle/>
       </p:transition>
@@ -10186,7 +10208,7 @@
       </p:grpSpPr>
       <p:sp>
         <p:nvSpPr>
-          <p:cNvPr id="201" name="TextShape 1"/>
+          <p:cNvPr id="192" name="TextShape 1"/>
           <p:cNvSpPr txBox="1"/>
           <p:nvPr/>
         </p:nvSpPr>
@@ -10228,7 +10250,7 @@
       </p:sp>
       <p:sp>
         <p:nvSpPr>
-          <p:cNvPr id="202" name="CustomShape 2"/>
+          <p:cNvPr id="193" name="CustomShape 2"/>
           <p:cNvSpPr/>
           <p:nvPr/>
         </p:nvSpPr>
@@ -10274,7 +10296,7 @@
       </p:sp>
       <p:pic>
         <p:nvPicPr>
-          <p:cNvPr id="203" name="Picture 5" descr="Linking Project tasks"/>
+          <p:cNvPr id="194" name="Picture 5" descr="Linking Project tasks"/>
           <p:cNvPicPr/>
           <p:nvPr/>
         </p:nvPicPr>
@@ -10297,7 +10319,7 @@
       </p:pic>
       <p:pic>
         <p:nvPicPr>
-          <p:cNvPr id="204" name="Picture 2"/>
+          <p:cNvPr id="195" name="Picture 2"/>
           <p:cNvPicPr/>
           <p:nvPr/>
         </p:nvPicPr>
@@ -10320,7 +10342,7 @@
       </p:pic>
       <p:sp>
         <p:nvSpPr>
-          <p:cNvPr id="205" name="CustomShape 3"/>
+          <p:cNvPr id="196" name="CustomShape 3"/>
           <p:cNvSpPr/>
           <p:nvPr/>
         </p:nvSpPr>
@@ -10377,7 +10399,7 @@
       </p:sp>
       <p:sp>
         <p:nvSpPr>
-          <p:cNvPr id="206" name="CustomShape 4"/>
+          <p:cNvPr id="197" name="CustomShape 4"/>
           <p:cNvSpPr/>
           <p:nvPr/>
         </p:nvSpPr>
@@ -10434,7 +10456,7 @@
       </p:sp>
       <p:sp>
         <p:nvSpPr>
-          <p:cNvPr id="207" name="CustomShape 5"/>
+          <p:cNvPr id="198" name="CustomShape 5"/>
           <p:cNvSpPr/>
           <p:nvPr/>
         </p:nvSpPr>
@@ -10662,14 +10684,14 @@
       </p:sp>
       <p:sp>
         <p:nvSpPr>
-          <p:cNvPr id="208" name="CustomShape 6"/>
+          <p:cNvPr id="199" name="CustomShape 6"/>
           <p:cNvSpPr/>
           <p:nvPr/>
         </p:nvSpPr>
         <p:spPr>
           <a:xfrm>
-            <a:off x="1699920" y="4673160"/>
-            <a:ext cx="7058880" cy="364680"/>
+            <a:off x="1538640" y="4251960"/>
+            <a:ext cx="6921360" cy="639000"/>
           </a:xfrm>
           <a:prstGeom prst="rect">
             <a:avLst/>
@@ -10709,7 +10731,7 @@
                 </a:solidFill>
                 <a:latin typeface="Arial"/>
               </a:rPr>
-              <a:t>hooknum: Identificador del hook (Ej. NF_IP_POST_ROUTING).</a:t>
+              <a:t>hook: Puntero a una función que es llamada en cuanto el hook es disparado.</a:t>
             </a:r>
             <a:endParaRPr lang="es-ES" sz="1800" b="0" strike="noStrike" spc="-1">
               <a:latin typeface="Arial"/>
@@ -10719,14 +10741,14 @@
       </p:sp>
       <p:sp>
         <p:nvSpPr>
-          <p:cNvPr id="209" name="CustomShape 7"/>
+          <p:cNvPr id="200" name="CustomShape 7"/>
           <p:cNvSpPr/>
           <p:nvPr/>
         </p:nvSpPr>
         <p:spPr>
           <a:xfrm>
-            <a:off x="1708920" y="4232880"/>
-            <a:ext cx="7049880" cy="364680"/>
+            <a:off x="1538640" y="4898160"/>
+            <a:ext cx="6770520" cy="1461960"/>
           </a:xfrm>
           <a:prstGeom prst="rect">
             <a:avLst/>
@@ -10766,55 +10788,22 @@
                 </a:solidFill>
                 <a:latin typeface="Arial"/>
               </a:rPr>
-              <a:t>pf: Identificador de la familia del protocolo (Ej. PF_INET for IPv4).</a:t>
+              <a:t>La función debe devolver: </a:t>
             </a:r>
             <a:endParaRPr lang="es-ES" sz="1800" b="0" strike="noStrike" spc="-1">
               <a:latin typeface="Arial"/>
             </a:endParaRPr>
           </a:p>
-        </p:txBody>
-      </p:sp>
-      <p:sp>
-        <p:nvSpPr>
-          <p:cNvPr id="210" name="CustomShape 8"/>
-          <p:cNvSpPr/>
-          <p:nvPr/>
-        </p:nvSpPr>
-        <p:spPr>
-          <a:xfrm>
-            <a:off x="1699920" y="5113440"/>
-            <a:ext cx="6946560" cy="913320"/>
-          </a:xfrm>
-          <a:prstGeom prst="rect">
-            <a:avLst/>
-          </a:prstGeom>
-          <a:noFill/>
-          <a:ln>
-            <a:noFill/>
-          </a:ln>
-        </p:spPr>
-        <p:style>
-          <a:lnRef idx="0">
-            <a:scrgbClr r="0" g="0" b="0"/>
-          </a:lnRef>
-          <a:fillRef idx="0">
-            <a:scrgbClr r="0" g="0" b="0"/>
-          </a:fillRef>
-          <a:effectRef idx="0">
-            <a:scrgbClr r="0" g="0" b="0"/>
-          </a:effectRef>
-          <a:fontRef idx="minor"/>
-        </p:style>
-        <p:txBody>
-          <a:bodyPr lIns="90000" tIns="45000" rIns="90000" bIns="45000">
-            <a:spAutoFit/>
-          </a:bodyPr>
-          <a:lstStyle/>
-          <a:p>
-            <a:pPr>
-              <a:lnSpc>
-                <a:spcPct val="100000"/>
-              </a:lnSpc>
+          <a:p>
+            <a:pPr marL="285840" indent="-285480">
+              <a:lnSpc>
+                <a:spcPct val="100000"/>
+              </a:lnSpc>
+              <a:buClr>
+                <a:srgbClr val="FFFFFF"/>
+              </a:buClr>
+              <a:buFont typeface="Arial"/>
+              <a:buChar char="•"/>
             </a:pPr>
             <a:r>
               <a:rPr lang="es-ES" sz="1800" b="0" strike="noStrike" spc="-1">
@@ -10823,7 +10812,55 @@
                 </a:solidFill>
                 <a:latin typeface="Arial"/>
               </a:rPr>
-              <a:t>priority: Está definida el el enum nf_ip_hook_priorities, que se encuentra en netfilter_ipv4.h (Ej. NF_IP_PRI_FIRST, NF_IP_PRI_RAW).</a:t>
+              <a:t>NF_DROP: No permite que el paquete continue.</a:t>
+            </a:r>
+            <a:endParaRPr lang="es-ES" sz="1800" b="0" strike="noStrike" spc="-1">
+              <a:latin typeface="Arial"/>
+            </a:endParaRPr>
+          </a:p>
+          <a:p>
+            <a:pPr marL="285840" indent="-285480">
+              <a:lnSpc>
+                <a:spcPct val="100000"/>
+              </a:lnSpc>
+              <a:buClr>
+                <a:srgbClr val="FFFFFF"/>
+              </a:buClr>
+              <a:buFont typeface="Arial"/>
+              <a:buChar char="•"/>
+            </a:pPr>
+            <a:r>
+              <a:rPr lang="es-ES" sz="1800" b="0" strike="noStrike" spc="-1">
+                <a:solidFill>
+                  <a:srgbClr val="FFFFFF"/>
+                </a:solidFill>
+                <a:latin typeface="Arial"/>
+              </a:rPr>
+              <a:t>NF_ACCEPT: Deja que el paquete siga su camino.</a:t>
+            </a:r>
+            <a:endParaRPr lang="es-ES" sz="1800" b="0" strike="noStrike" spc="-1">
+              <a:latin typeface="Arial"/>
+            </a:endParaRPr>
+          </a:p>
+          <a:p>
+            <a:pPr marL="285840" indent="-285480">
+              <a:lnSpc>
+                <a:spcPct val="100000"/>
+              </a:lnSpc>
+              <a:buClr>
+                <a:srgbClr val="FFFFFF"/>
+              </a:buClr>
+              <a:buFont typeface="Arial"/>
+              <a:buChar char="•"/>
+            </a:pPr>
+            <a:r>
+              <a:rPr lang="es-ES" sz="1800" b="0" strike="noStrike" spc="-1">
+                <a:solidFill>
+                  <a:srgbClr val="FFFFFF"/>
+                </a:solidFill>
+                <a:latin typeface="Arial"/>
+              </a:rPr>
+              <a:t>NF_QUEUE: Pone el paquete en cola para su tratamiento en el espacio de usuario.</a:t>
             </a:r>
             <a:endParaRPr lang="es-ES" sz="1800" b="0" strike="noStrike" spc="-1">
               <a:latin typeface="Arial"/>
@@ -10842,7 +10879,7 @@
         <p:circle/>
       </p:transition>
     </mc:Choice>
-    <mc:Fallback xmlns:p15="http://schemas.microsoft.com/office/powerpoint/2012/main" xmlns="">
+    <mc:Fallback xmlns="" xmlns:p15="http://schemas.microsoft.com/office/powerpoint/2012/main">
       <p:transition spd="med">
         <p:circle/>
       </p:transition>
@@ -10870,7 +10907,7 @@
       </p:grpSpPr>
       <p:sp>
         <p:nvSpPr>
-          <p:cNvPr id="211" name="TextShape 1"/>
+          <p:cNvPr id="201" name="TextShape 1"/>
           <p:cNvSpPr txBox="1"/>
           <p:nvPr/>
         </p:nvSpPr>
@@ -10912,7 +10949,7 @@
       </p:sp>
       <p:sp>
         <p:nvSpPr>
-          <p:cNvPr id="212" name="CustomShape 2"/>
+          <p:cNvPr id="202" name="CustomShape 2"/>
           <p:cNvSpPr/>
           <p:nvPr/>
         </p:nvSpPr>
@@ -10958,6 +10995,690 @@
       </p:sp>
       <p:pic>
         <p:nvPicPr>
+          <p:cNvPr id="203" name="Picture 5" descr="Linking Project tasks"/>
+          <p:cNvPicPr/>
+          <p:nvPr/>
+        </p:nvPicPr>
+        <p:blipFill>
+          <a:blip r:embed="rId3"/>
+          <a:stretch/>
+        </p:blipFill>
+        <p:spPr>
+          <a:xfrm>
+            <a:off x="349200" y="1158840"/>
+            <a:ext cx="914040" cy="914040"/>
+          </a:xfrm>
+          <a:prstGeom prst="rect">
+            <a:avLst/>
+          </a:prstGeom>
+          <a:ln>
+            <a:noFill/>
+          </a:ln>
+        </p:spPr>
+      </p:pic>
+      <p:pic>
+        <p:nvPicPr>
+          <p:cNvPr id="204" name="Picture 2"/>
+          <p:cNvPicPr/>
+          <p:nvPr/>
+        </p:nvPicPr>
+        <p:blipFill>
+          <a:blip r:embed="rId4"/>
+          <a:stretch/>
+        </p:blipFill>
+        <p:spPr>
+          <a:xfrm>
+            <a:off x="6983640" y="268200"/>
+            <a:ext cx="1929600" cy="1153440"/>
+          </a:xfrm>
+          <a:prstGeom prst="rect">
+            <a:avLst/>
+          </a:prstGeom>
+          <a:ln>
+            <a:noFill/>
+          </a:ln>
+        </p:spPr>
+      </p:pic>
+      <p:sp>
+        <p:nvSpPr>
+          <p:cNvPr id="205" name="CustomShape 3"/>
+          <p:cNvSpPr/>
+          <p:nvPr/>
+        </p:nvSpPr>
+        <p:spPr>
+          <a:xfrm>
+            <a:off x="3455280" y="321480"/>
+            <a:ext cx="2084400" cy="516960"/>
+          </a:xfrm>
+          <a:prstGeom prst="rect">
+            <a:avLst/>
+          </a:prstGeom>
+          <a:noFill/>
+          <a:ln>
+            <a:noFill/>
+          </a:ln>
+        </p:spPr>
+        <p:style>
+          <a:lnRef idx="0">
+            <a:scrgbClr r="0" g="0" b="0"/>
+          </a:lnRef>
+          <a:fillRef idx="0">
+            <a:scrgbClr r="0" g="0" b="0"/>
+          </a:fillRef>
+          <a:effectRef idx="0">
+            <a:scrgbClr r="0" g="0" b="0"/>
+          </a:effectRef>
+          <a:fontRef idx="minor"/>
+        </p:style>
+        <p:txBody>
+          <a:bodyPr wrap="none" lIns="90000" tIns="45000" rIns="90000" bIns="45000">
+            <a:spAutoFit/>
+          </a:bodyPr>
+          <a:lstStyle/>
+          <a:p>
+            <a:pPr>
+              <a:lnSpc>
+                <a:spcPct val="100000"/>
+              </a:lnSpc>
+            </a:pPr>
+            <a:r>
+              <a:rPr lang="es-ES" sz="2800" b="0" strike="noStrike" spc="-1">
+                <a:solidFill>
+                  <a:srgbClr val="FFFFFF"/>
+                </a:solidFill>
+                <a:latin typeface="Arial"/>
+              </a:rPr>
+              <a:t>NETFILTER</a:t>
+            </a:r>
+            <a:endParaRPr lang="es-ES" sz="2800" b="0" strike="noStrike" spc="-1">
+              <a:latin typeface="Arial"/>
+            </a:endParaRPr>
+          </a:p>
+        </p:txBody>
+      </p:sp>
+      <p:sp>
+        <p:nvSpPr>
+          <p:cNvPr id="206" name="CustomShape 4"/>
+          <p:cNvSpPr/>
+          <p:nvPr/>
+        </p:nvSpPr>
+        <p:spPr>
+          <a:xfrm>
+            <a:off x="2601360" y="907920"/>
+            <a:ext cx="3940920" cy="456120"/>
+          </a:xfrm>
+          <a:prstGeom prst="rect">
+            <a:avLst/>
+          </a:prstGeom>
+          <a:noFill/>
+          <a:ln>
+            <a:noFill/>
+          </a:ln>
+        </p:spPr>
+        <p:style>
+          <a:lnRef idx="0">
+            <a:scrgbClr r="0" g="0" b="0"/>
+          </a:lnRef>
+          <a:fillRef idx="0">
+            <a:scrgbClr r="0" g="0" b="0"/>
+          </a:fillRef>
+          <a:effectRef idx="0">
+            <a:scrgbClr r="0" g="0" b="0"/>
+          </a:effectRef>
+          <a:fontRef idx="minor"/>
+        </p:style>
+        <p:txBody>
+          <a:bodyPr wrap="none" lIns="90000" tIns="45000" rIns="90000" bIns="45000">
+            <a:spAutoFit/>
+          </a:bodyPr>
+          <a:lstStyle/>
+          <a:p>
+            <a:pPr>
+              <a:lnSpc>
+                <a:spcPct val="100000"/>
+              </a:lnSpc>
+            </a:pPr>
+            <a:r>
+              <a:rPr lang="es-ES" sz="2400" b="0" strike="noStrike" spc="-1">
+                <a:solidFill>
+                  <a:srgbClr val="FFFFFF"/>
+                </a:solidFill>
+                <a:latin typeface="Arial"/>
+              </a:rPr>
+              <a:t>Uso de Netfilter en el kernel</a:t>
+            </a:r>
+            <a:endParaRPr lang="es-ES" sz="2400" b="0" strike="noStrike" spc="-1">
+              <a:latin typeface="Arial"/>
+            </a:endParaRPr>
+          </a:p>
+        </p:txBody>
+      </p:sp>
+      <p:sp>
+        <p:nvSpPr>
+          <p:cNvPr id="207" name="CustomShape 5"/>
+          <p:cNvSpPr/>
+          <p:nvPr/>
+        </p:nvSpPr>
+        <p:spPr>
+          <a:xfrm>
+            <a:off x="1963440" y="1359360"/>
+            <a:ext cx="5697720" cy="2833560"/>
+          </a:xfrm>
+          <a:prstGeom prst="rect">
+            <a:avLst/>
+          </a:prstGeom>
+          <a:noFill/>
+          <a:ln>
+            <a:noFill/>
+          </a:ln>
+        </p:spPr>
+        <p:style>
+          <a:lnRef idx="0">
+            <a:scrgbClr r="0" g="0" b="0"/>
+          </a:lnRef>
+          <a:fillRef idx="0">
+            <a:scrgbClr r="0" g="0" b="0"/>
+          </a:fillRef>
+          <a:effectRef idx="0">
+            <a:scrgbClr r="0" g="0" b="0"/>
+          </a:effectRef>
+          <a:fontRef idx="minor"/>
+        </p:style>
+        <p:txBody>
+          <a:bodyPr lIns="90000" tIns="45000" rIns="90000" bIns="45000">
+            <a:spAutoFit/>
+          </a:bodyPr>
+          <a:lstStyle/>
+          <a:p>
+            <a:pPr>
+              <a:lnSpc>
+                <a:spcPct val="100000"/>
+              </a:lnSpc>
+            </a:pPr>
+            <a:r>
+              <a:rPr lang="es-ES" sz="1800" b="0" strike="noStrike" spc="-1">
+                <a:solidFill>
+                  <a:srgbClr val="FFFFFF"/>
+                </a:solidFill>
+                <a:latin typeface="Arial"/>
+              </a:rPr>
+              <a:t>struct nf_hook_ops {</a:t>
+            </a:r>
+            <a:endParaRPr lang="es-ES" sz="1800" b="0" strike="noStrike" spc="-1">
+              <a:latin typeface="Arial"/>
+            </a:endParaRPr>
+          </a:p>
+          <a:p>
+            <a:pPr>
+              <a:lnSpc>
+                <a:spcPct val="100000"/>
+              </a:lnSpc>
+            </a:pPr>
+            <a:r>
+              <a:rPr lang="es-ES" sz="1800" b="0" strike="noStrike" spc="-1">
+                <a:solidFill>
+                  <a:srgbClr val="FFFFFF"/>
+                </a:solidFill>
+                <a:latin typeface="Arial"/>
+              </a:rPr>
+              <a:t>	/* User fills in from here down. */</a:t>
+            </a:r>
+            <a:endParaRPr lang="es-ES" sz="1800" b="0" strike="noStrike" spc="-1">
+              <a:latin typeface="Arial"/>
+            </a:endParaRPr>
+          </a:p>
+          <a:p>
+            <a:pPr>
+              <a:lnSpc>
+                <a:spcPct val="100000"/>
+              </a:lnSpc>
+            </a:pPr>
+            <a:r>
+              <a:rPr lang="es-ES" sz="1800" b="0" strike="noStrike" spc="-1">
+                <a:solidFill>
+                  <a:srgbClr val="FFFFFF"/>
+                </a:solidFill>
+                <a:latin typeface="Arial"/>
+              </a:rPr>
+              <a:t>	nf_hookfn	*hook;</a:t>
+            </a:r>
+            <a:endParaRPr lang="es-ES" sz="1800" b="0" strike="noStrike" spc="-1">
+              <a:latin typeface="Arial"/>
+            </a:endParaRPr>
+          </a:p>
+          <a:p>
+            <a:pPr>
+              <a:lnSpc>
+                <a:spcPct val="100000"/>
+              </a:lnSpc>
+            </a:pPr>
+            <a:r>
+              <a:rPr lang="es-ES" sz="1800" b="0" strike="noStrike" spc="-1">
+                <a:solidFill>
+                  <a:srgbClr val="FFFFFF"/>
+                </a:solidFill>
+                <a:latin typeface="Arial"/>
+              </a:rPr>
+              <a:t>	struct net_device	*dev;</a:t>
+            </a:r>
+            <a:endParaRPr lang="es-ES" sz="1800" b="0" strike="noStrike" spc="-1">
+              <a:latin typeface="Arial"/>
+            </a:endParaRPr>
+          </a:p>
+          <a:p>
+            <a:pPr>
+              <a:lnSpc>
+                <a:spcPct val="100000"/>
+              </a:lnSpc>
+            </a:pPr>
+            <a:r>
+              <a:rPr lang="es-ES" sz="1800" b="0" strike="noStrike" spc="-1">
+                <a:solidFill>
+                  <a:srgbClr val="FFFFFF"/>
+                </a:solidFill>
+                <a:latin typeface="Arial"/>
+              </a:rPr>
+              <a:t>	void		*priv;</a:t>
+            </a:r>
+            <a:endParaRPr lang="es-ES" sz="1800" b="0" strike="noStrike" spc="-1">
+              <a:latin typeface="Arial"/>
+            </a:endParaRPr>
+          </a:p>
+          <a:p>
+            <a:pPr>
+              <a:lnSpc>
+                <a:spcPct val="100000"/>
+              </a:lnSpc>
+            </a:pPr>
+            <a:r>
+              <a:rPr lang="es-ES" sz="1800" b="0" strike="noStrike" spc="-1">
+                <a:solidFill>
+                  <a:srgbClr val="FFFFFF"/>
+                </a:solidFill>
+                <a:latin typeface="Arial"/>
+              </a:rPr>
+              <a:t>	u_int8_t	 	pf;</a:t>
+            </a:r>
+            <a:endParaRPr lang="es-ES" sz="1800" b="0" strike="noStrike" spc="-1">
+              <a:latin typeface="Arial"/>
+            </a:endParaRPr>
+          </a:p>
+          <a:p>
+            <a:pPr>
+              <a:lnSpc>
+                <a:spcPct val="100000"/>
+              </a:lnSpc>
+            </a:pPr>
+            <a:r>
+              <a:rPr lang="es-ES" sz="1800" b="0" strike="noStrike" spc="-1">
+                <a:solidFill>
+                  <a:srgbClr val="FFFFFF"/>
+                </a:solidFill>
+                <a:latin typeface="Arial"/>
+              </a:rPr>
+              <a:t>	unsigned int	hooknum;</a:t>
+            </a:r>
+            <a:endParaRPr lang="es-ES" sz="1800" b="0" strike="noStrike" spc="-1">
+              <a:latin typeface="Arial"/>
+            </a:endParaRPr>
+          </a:p>
+          <a:p>
+            <a:pPr>
+              <a:lnSpc>
+                <a:spcPct val="100000"/>
+              </a:lnSpc>
+            </a:pPr>
+            <a:r>
+              <a:rPr lang="es-ES" sz="1800" b="0" strike="noStrike" spc="-1">
+                <a:solidFill>
+                  <a:srgbClr val="FFFFFF"/>
+                </a:solidFill>
+                <a:latin typeface="Arial"/>
+              </a:rPr>
+              <a:t>	/* Hooks are ordered in ascending priority. */</a:t>
+            </a:r>
+            <a:endParaRPr lang="es-ES" sz="1800" b="0" strike="noStrike" spc="-1">
+              <a:latin typeface="Arial"/>
+            </a:endParaRPr>
+          </a:p>
+          <a:p>
+            <a:pPr>
+              <a:lnSpc>
+                <a:spcPct val="100000"/>
+              </a:lnSpc>
+            </a:pPr>
+            <a:r>
+              <a:rPr lang="es-ES" sz="1800" b="0" strike="noStrike" spc="-1">
+                <a:solidFill>
+                  <a:srgbClr val="FFFFFF"/>
+                </a:solidFill>
+                <a:latin typeface="Arial"/>
+              </a:rPr>
+              <a:t>	int		priority;</a:t>
+            </a:r>
+            <a:endParaRPr lang="es-ES" sz="1800" b="0" strike="noStrike" spc="-1">
+              <a:latin typeface="Arial"/>
+            </a:endParaRPr>
+          </a:p>
+          <a:p>
+            <a:pPr>
+              <a:lnSpc>
+                <a:spcPct val="100000"/>
+              </a:lnSpc>
+            </a:pPr>
+            <a:r>
+              <a:rPr lang="es-ES" sz="1800" b="0" strike="noStrike" spc="-1">
+                <a:solidFill>
+                  <a:srgbClr val="FFFFFF"/>
+                </a:solidFill>
+                <a:latin typeface="Arial"/>
+              </a:rPr>
+              <a:t>};</a:t>
+            </a:r>
+            <a:endParaRPr lang="es-ES" sz="1800" b="0" strike="noStrike" spc="-1">
+              <a:latin typeface="Arial"/>
+            </a:endParaRPr>
+          </a:p>
+        </p:txBody>
+      </p:sp>
+      <p:sp>
+        <p:nvSpPr>
+          <p:cNvPr id="208" name="CustomShape 6"/>
+          <p:cNvSpPr/>
+          <p:nvPr/>
+        </p:nvSpPr>
+        <p:spPr>
+          <a:xfrm>
+            <a:off x="1699920" y="4673160"/>
+            <a:ext cx="7058880" cy="364680"/>
+          </a:xfrm>
+          <a:prstGeom prst="rect">
+            <a:avLst/>
+          </a:prstGeom>
+          <a:noFill/>
+          <a:ln>
+            <a:noFill/>
+          </a:ln>
+        </p:spPr>
+        <p:style>
+          <a:lnRef idx="0">
+            <a:scrgbClr r="0" g="0" b="0"/>
+          </a:lnRef>
+          <a:fillRef idx="0">
+            <a:scrgbClr r="0" g="0" b="0"/>
+          </a:fillRef>
+          <a:effectRef idx="0">
+            <a:scrgbClr r="0" g="0" b="0"/>
+          </a:effectRef>
+          <a:fontRef idx="minor"/>
+        </p:style>
+        <p:txBody>
+          <a:bodyPr lIns="90000" tIns="45000" rIns="90000" bIns="45000">
+            <a:spAutoFit/>
+          </a:bodyPr>
+          <a:lstStyle/>
+          <a:p>
+            <a:pPr>
+              <a:lnSpc>
+                <a:spcPct val="100000"/>
+              </a:lnSpc>
+            </a:pPr>
+            <a:r>
+              <a:rPr lang="es-ES" sz="1800" b="0" strike="noStrike" spc="-1">
+                <a:solidFill>
+                  <a:srgbClr val="FFFFFF"/>
+                </a:solidFill>
+                <a:latin typeface="Arial"/>
+              </a:rPr>
+              <a:t>hooknum: Identificador del hook (Ej. NF_IP_POST_ROUTING).</a:t>
+            </a:r>
+            <a:endParaRPr lang="es-ES" sz="1800" b="0" strike="noStrike" spc="-1">
+              <a:latin typeface="Arial"/>
+            </a:endParaRPr>
+          </a:p>
+        </p:txBody>
+      </p:sp>
+      <p:sp>
+        <p:nvSpPr>
+          <p:cNvPr id="209" name="CustomShape 7"/>
+          <p:cNvSpPr/>
+          <p:nvPr/>
+        </p:nvSpPr>
+        <p:spPr>
+          <a:xfrm>
+            <a:off x="1708920" y="4232880"/>
+            <a:ext cx="7049880" cy="364680"/>
+          </a:xfrm>
+          <a:prstGeom prst="rect">
+            <a:avLst/>
+          </a:prstGeom>
+          <a:noFill/>
+          <a:ln>
+            <a:noFill/>
+          </a:ln>
+        </p:spPr>
+        <p:style>
+          <a:lnRef idx="0">
+            <a:scrgbClr r="0" g="0" b="0"/>
+          </a:lnRef>
+          <a:fillRef idx="0">
+            <a:scrgbClr r="0" g="0" b="0"/>
+          </a:fillRef>
+          <a:effectRef idx="0">
+            <a:scrgbClr r="0" g="0" b="0"/>
+          </a:effectRef>
+          <a:fontRef idx="minor"/>
+        </p:style>
+        <p:txBody>
+          <a:bodyPr lIns="90000" tIns="45000" rIns="90000" bIns="45000">
+            <a:spAutoFit/>
+          </a:bodyPr>
+          <a:lstStyle/>
+          <a:p>
+            <a:pPr>
+              <a:lnSpc>
+                <a:spcPct val="100000"/>
+              </a:lnSpc>
+            </a:pPr>
+            <a:r>
+              <a:rPr lang="es-ES" sz="1800" b="0" strike="noStrike" spc="-1">
+                <a:solidFill>
+                  <a:srgbClr val="FFFFFF"/>
+                </a:solidFill>
+                <a:latin typeface="Arial"/>
+              </a:rPr>
+              <a:t>pf: Identificador de la familia del protocolo (Ej. PF_INET for IPv4).</a:t>
+            </a:r>
+            <a:endParaRPr lang="es-ES" sz="1800" b="0" strike="noStrike" spc="-1">
+              <a:latin typeface="Arial"/>
+            </a:endParaRPr>
+          </a:p>
+        </p:txBody>
+      </p:sp>
+      <p:sp>
+        <p:nvSpPr>
+          <p:cNvPr id="210" name="CustomShape 8"/>
+          <p:cNvSpPr/>
+          <p:nvPr/>
+        </p:nvSpPr>
+        <p:spPr>
+          <a:xfrm>
+            <a:off x="1699920" y="5113440"/>
+            <a:ext cx="6946560" cy="913320"/>
+          </a:xfrm>
+          <a:prstGeom prst="rect">
+            <a:avLst/>
+          </a:prstGeom>
+          <a:noFill/>
+          <a:ln>
+            <a:noFill/>
+          </a:ln>
+        </p:spPr>
+        <p:style>
+          <a:lnRef idx="0">
+            <a:scrgbClr r="0" g="0" b="0"/>
+          </a:lnRef>
+          <a:fillRef idx="0">
+            <a:scrgbClr r="0" g="0" b="0"/>
+          </a:fillRef>
+          <a:effectRef idx="0">
+            <a:scrgbClr r="0" g="0" b="0"/>
+          </a:effectRef>
+          <a:fontRef idx="minor"/>
+        </p:style>
+        <p:txBody>
+          <a:bodyPr lIns="90000" tIns="45000" rIns="90000" bIns="45000">
+            <a:spAutoFit/>
+          </a:bodyPr>
+          <a:lstStyle/>
+          <a:p>
+            <a:pPr>
+              <a:lnSpc>
+                <a:spcPct val="100000"/>
+              </a:lnSpc>
+            </a:pPr>
+            <a:r>
+              <a:rPr lang="es-ES" sz="1800" b="0" strike="noStrike" spc="-1">
+                <a:solidFill>
+                  <a:srgbClr val="FFFFFF"/>
+                </a:solidFill>
+                <a:latin typeface="Arial"/>
+              </a:rPr>
+              <a:t>priority: Está definida el el enum nf_ip_hook_priorities, que se encuentra en netfilter_ipv4.h (Ej. NF_IP_PRI_FIRST, NF_IP_PRI_RAW).</a:t>
+            </a:r>
+            <a:endParaRPr lang="es-ES" sz="1800" b="0" strike="noStrike" spc="-1">
+              <a:latin typeface="Arial"/>
+            </a:endParaRPr>
+          </a:p>
+        </p:txBody>
+      </p:sp>
+    </p:spTree>
+  </p:cSld>
+  <p:clrMapOvr>
+    <a:masterClrMapping/>
+  </p:clrMapOvr>
+  <mc:AlternateContent xmlns:mc="http://schemas.openxmlformats.org/markup-compatibility/2006" xmlns:p14="http://schemas.microsoft.com/office/powerpoint/2010/main">
+    <mc:Choice Requires="p14">
+      <p:transition spd="slow" p14:dur="800">
+        <p:circle/>
+      </p:transition>
+    </mc:Choice>
+    <mc:Fallback xmlns="" xmlns:p15="http://schemas.microsoft.com/office/powerpoint/2012/main">
+      <p:transition spd="med">
+        <p:circle/>
+      </p:transition>
+    </mc:Fallback>
+  </mc:AlternateContent>
+</p:sld>
+</file>
+
+<file path=ppt/slides/slide18.xml><?xml version="1.0" encoding="utf-8"?>
+<p:sld xmlns:a="http://schemas.openxmlformats.org/drawingml/2006/main" xmlns:r="http://schemas.openxmlformats.org/officeDocument/2006/relationships" xmlns:p="http://schemas.openxmlformats.org/presentationml/2006/main">
+  <p:cSld>
+    <p:spTree>
+      <p:nvGrpSpPr>
+        <p:cNvPr id="1" name=""/>
+        <p:cNvGrpSpPr/>
+        <p:nvPr/>
+      </p:nvGrpSpPr>
+      <p:grpSpPr>
+        <a:xfrm>
+          <a:off x="0" y="0"/>
+          <a:ext cx="0" cy="0"/>
+          <a:chOff x="0" y="0"/>
+          <a:chExt cx="0" cy="0"/>
+        </a:xfrm>
+      </p:grpSpPr>
+      <p:sp>
+        <p:nvSpPr>
+          <p:cNvPr id="211" name="TextShape 1"/>
+          <p:cNvSpPr txBox="1"/>
+          <p:nvPr/>
+        </p:nvSpPr>
+        <p:spPr>
+          <a:xfrm>
+            <a:off x="214200" y="73080"/>
+            <a:ext cx="8929440" cy="609120"/>
+          </a:xfrm>
+          <a:prstGeom prst="rect">
+            <a:avLst/>
+          </a:prstGeom>
+          <a:noFill/>
+          <a:ln>
+            <a:noFill/>
+          </a:ln>
+        </p:spPr>
+        <p:txBody>
+          <a:bodyPr anchor="ctr">
+            <a:noAutofit/>
+          </a:bodyPr>
+          <a:lstStyle/>
+          <a:p>
+            <a:pPr>
+              <a:lnSpc>
+                <a:spcPct val="100000"/>
+              </a:lnSpc>
+            </a:pPr>
+            <a:r>
+              <a:rPr lang="en-US" sz="3100" b="0" strike="noStrike" spc="-1">
+                <a:solidFill>
+                  <a:srgbClr val="FFFFFF"/>
+                </a:solidFill>
+                <a:latin typeface="Arial"/>
+              </a:rPr>
+              <a:t>LKM</a:t>
+            </a:r>
+          </a:p>
+        </p:txBody>
+      </p:sp>
+      <p:sp>
+        <p:nvSpPr>
+          <p:cNvPr id="212" name="CustomShape 2"/>
+          <p:cNvSpPr/>
+          <p:nvPr/>
+        </p:nvSpPr>
+        <p:spPr>
+          <a:xfrm rot="10800000">
+            <a:off x="305280" y="651240"/>
+            <a:ext cx="999720" cy="5417640"/>
+          </a:xfrm>
+          <a:prstGeom prst="rect">
+            <a:avLst/>
+          </a:prstGeom>
+          <a:gradFill rotWithShape="0">
+            <a:gsLst>
+              <a:gs pos="0">
+                <a:srgbClr val="FFFFFF">
+                  <a:alpha val="0"/>
+                </a:srgbClr>
+              </a:gs>
+              <a:gs pos="100000">
+                <a:srgbClr val="FFFFFF">
+                  <a:alpha val="83137"/>
+                </a:srgbClr>
+              </a:gs>
+            </a:gsLst>
+            <a:lin ang="16200000"/>
+          </a:gradFill>
+          <a:ln>
+            <a:noFill/>
+          </a:ln>
+        </p:spPr>
+        <p:style>
+          <a:lnRef idx="0">
+            <a:scrgbClr r="0" g="0" b="0"/>
+          </a:lnRef>
+          <a:fillRef idx="0">
+            <a:scrgbClr r="0" g="0" b="0"/>
+          </a:fillRef>
+          <a:effectRef idx="0">
+            <a:scrgbClr r="0" g="0" b="0"/>
+          </a:effectRef>
+          <a:fontRef idx="minor"/>
+        </p:style>
+      </p:sp>
+      <p:pic>
+        <p:nvPicPr>
           <p:cNvPr id="213" name="Picture 5" descr="Linking Project tasks"/>
           <p:cNvPicPr/>
           <p:nvPr/>
@@ -11565,7 +12286,7 @@
         <p:circle/>
       </p:transition>
     </mc:Choice>
-    <mc:Fallback xmlns:p15="http://schemas.microsoft.com/office/powerpoint/2012/main" xmlns="">
+    <mc:Fallback xmlns="" xmlns:p15="http://schemas.microsoft.com/office/powerpoint/2012/main">
       <p:transition spd="med">
         <p:circle/>
       </p:transition>
@@ -11727,172 +12448,77 @@
       </p:pic>
       <p:sp>
         <p:nvSpPr>
-          <p:cNvPr id="99" name="CustomShape 3"/>
+          <p:cNvPr id="2" name="Rectángulo 1">
+            <a:extLst>
+              <a:ext uri="{FF2B5EF4-FFF2-40B4-BE49-F238E27FC236}">
+                <a16:creationId xmlns:a16="http://schemas.microsoft.com/office/drawing/2014/main" id="{C72615CA-E930-41D7-90C9-5974196F954F}"/>
+              </a:ext>
+            </a:extLst>
+          </p:cNvPr>
           <p:cNvSpPr/>
           <p:nvPr/>
         </p:nvSpPr>
         <p:spPr>
           <a:xfrm>
-            <a:off x="2223720" y="1783080"/>
-            <a:ext cx="4571640" cy="1553400"/>
-          </a:xfrm>
-          <a:prstGeom prst="rect">
-            <a:avLst/>
-          </a:prstGeom>
-          <a:noFill/>
-          <a:ln>
-            <a:noFill/>
-          </a:ln>
-        </p:spPr>
-        <p:style>
-          <a:lnRef idx="0">
-            <a:scrgbClr r="0" g="0" b="0"/>
-          </a:lnRef>
-          <a:fillRef idx="0">
-            <a:scrgbClr r="0" g="0" b="0"/>
-          </a:fillRef>
-          <a:effectRef idx="0">
-            <a:scrgbClr r="0" g="0" b="0"/>
-          </a:effectRef>
-          <a:fontRef idx="minor"/>
-        </p:style>
-        <p:txBody>
-          <a:bodyPr lIns="90000" tIns="45000" rIns="90000" bIns="45000">
+            <a:off x="2046303" y="3219726"/>
+            <a:ext cx="6405239" cy="369332"/>
+          </a:xfrm>
+          <a:prstGeom prst="rect">
+            <a:avLst/>
+          </a:prstGeom>
+        </p:spPr>
+        <p:txBody>
+          <a:bodyPr wrap="square">
             <a:spAutoFit/>
           </a:bodyPr>
           <a:lstStyle/>
           <a:p>
-            <a:pPr>
-              <a:lnSpc>
-                <a:spcPct val="100000"/>
-              </a:lnSpc>
-            </a:pPr>
-            <a:r>
-              <a:rPr lang="es-ES" sz="2400" b="0" strike="noStrike" spc="-1">
-                <a:solidFill>
-                  <a:srgbClr val="FFFFFF"/>
-                </a:solidFill>
-                <a:latin typeface="Arial"/>
-              </a:rPr>
-              <a:t>apt update</a:t>
-            </a:r>
-            <a:endParaRPr lang="es-ES" sz="2400" b="0" strike="noStrike" spc="-1">
-              <a:latin typeface="Arial"/>
-            </a:endParaRPr>
-          </a:p>
-          <a:p>
-            <a:pPr>
-              <a:lnSpc>
-                <a:spcPct val="100000"/>
-              </a:lnSpc>
-            </a:pPr>
-            <a:r>
-              <a:rPr lang="es-ES" sz="2400" b="0" strike="noStrike" spc="-1">
-                <a:solidFill>
-                  <a:srgbClr val="FFFFFF"/>
-                </a:solidFill>
-                <a:latin typeface="Arial"/>
-              </a:rPr>
-              <a:t>apt install linux-source</a:t>
-            </a:r>
-            <a:endParaRPr lang="es-ES" sz="2400" b="0" strike="noStrike" spc="-1">
-              <a:latin typeface="Arial"/>
-            </a:endParaRPr>
-          </a:p>
-          <a:p>
-            <a:pPr>
-              <a:lnSpc>
-                <a:spcPct val="100000"/>
-              </a:lnSpc>
-            </a:pPr>
-            <a:r>
-              <a:rPr lang="es-ES" sz="2400" b="0" strike="noStrike" spc="-1">
-                <a:solidFill>
-                  <a:srgbClr val="FFFFFF"/>
-                </a:solidFill>
-                <a:latin typeface="Arial"/>
-              </a:rPr>
-              <a:t>/usr/src/linux-headers-5.3.0-24</a:t>
-            </a:r>
-            <a:endParaRPr lang="es-ES" sz="2400" b="0" strike="noStrike" spc="-1">
-              <a:latin typeface="Arial"/>
-            </a:endParaRPr>
-          </a:p>
-          <a:p>
-            <a:pPr>
-              <a:lnSpc>
-                <a:spcPct val="100000"/>
-              </a:lnSpc>
-            </a:pPr>
-            <a:r>
-              <a:rPr lang="es-ES" sz="2400" b="0" strike="noStrike" spc="-1">
-                <a:solidFill>
-                  <a:srgbClr val="FFFFFF"/>
-                </a:solidFill>
-                <a:latin typeface="Arial"/>
-              </a:rPr>
-              <a:t>/usr/src/linux-source-5.3.0</a:t>
-            </a:r>
-            <a:endParaRPr lang="es-ES" sz="2400" b="0" strike="noStrike" spc="-1">
-              <a:latin typeface="Arial"/>
-            </a:endParaRPr>
-          </a:p>
-        </p:txBody>
-      </p:sp>
-      <p:sp>
-        <p:nvSpPr>
-          <p:cNvPr id="100" name="CustomShape 4"/>
+            <a:r>
+              <a:rPr lang="es-ES" dirty="0">
+                <a:solidFill>
+                  <a:schemeClr val="bg1"/>
+                </a:solidFill>
+              </a:rPr>
+              <a:t>https://github.com/conochobasta/Barcelona-Linux-Internals</a:t>
+            </a:r>
+          </a:p>
+        </p:txBody>
+      </p:sp>
+      <p:sp>
+        <p:nvSpPr>
+          <p:cNvPr id="3" name="Rectángulo 2">
+            <a:extLst>
+              <a:ext uri="{FF2B5EF4-FFF2-40B4-BE49-F238E27FC236}">
+                <a16:creationId xmlns:a16="http://schemas.microsoft.com/office/drawing/2014/main" id="{5B7DAD57-87A8-47F1-85F4-1A9692234CBF}"/>
+              </a:ext>
+            </a:extLst>
+          </p:cNvPr>
           <p:cNvSpPr/>
           <p:nvPr/>
         </p:nvSpPr>
         <p:spPr>
           <a:xfrm>
-            <a:off x="2211480" y="3810600"/>
-            <a:ext cx="6627240" cy="364680"/>
-          </a:xfrm>
-          <a:prstGeom prst="rect">
-            <a:avLst/>
-          </a:prstGeom>
-          <a:noFill/>
-          <a:ln>
-            <a:noFill/>
-          </a:ln>
-        </p:spPr>
-        <p:style>
-          <a:lnRef idx="0">
-            <a:scrgbClr r="0" g="0" b="0"/>
-          </a:lnRef>
-          <a:fillRef idx="0">
-            <a:scrgbClr r="0" g="0" b="0"/>
-          </a:fillRef>
-          <a:effectRef idx="0">
-            <a:scrgbClr r="0" g="0" b="0"/>
-          </a:effectRef>
-          <a:fontRef idx="minor"/>
-        </p:style>
-        <p:txBody>
-          <a:bodyPr lIns="90000" tIns="45000" rIns="90000" bIns="45000">
+            <a:off x="2392920" y="2351233"/>
+            <a:ext cx="4572000" cy="461665"/>
+          </a:xfrm>
+          <a:prstGeom prst="rect">
+            <a:avLst/>
+          </a:prstGeom>
+        </p:spPr>
+        <p:txBody>
+          <a:bodyPr>
             <a:spAutoFit/>
           </a:bodyPr>
           <a:lstStyle/>
           <a:p>
-            <a:pPr>
-              <a:lnSpc>
-                <a:spcPct val="100000"/>
-              </a:lnSpc>
-            </a:pPr>
-            <a:r>
-              <a:rPr lang="es-ES" sz="1800" b="0" strike="noStrike" spc="-1">
-                <a:solidFill>
-                  <a:srgbClr val="FFFFFF"/>
-                </a:solidFill>
-                <a:latin typeface="Arial"/>
-              </a:rPr>
-              <a:t>apt-get install build-essential linux-headers-$(uname -r)</a:t>
-            </a:r>
-            <a:endParaRPr lang="es-ES" sz="1800" b="0" strike="noStrike" spc="-1">
-              <a:latin typeface="Arial"/>
-            </a:endParaRPr>
+            <a:r>
+              <a:rPr lang="es-ES" sz="2400" dirty="0">
+                <a:solidFill>
+                  <a:schemeClr val="bg1"/>
+                </a:solidFill>
+              </a:rPr>
+              <a:t>Descargar:</a:t>
+            </a:r>
           </a:p>
         </p:txBody>
       </p:sp>
@@ -11907,7 +12533,7 @@
         <p:circle/>
       </p:transition>
     </mc:Choice>
-    <mc:Fallback xmlns:p15="http://schemas.microsoft.com/office/powerpoint/2012/main" xmlns="">
+    <mc:Fallback xmlns="" xmlns:p15="http://schemas.microsoft.com/office/powerpoint/2012/main">
       <p:transition spd="med">
         <p:circle/>
       </p:transition>
@@ -11935,7 +12561,7 @@
       </p:grpSpPr>
       <p:sp>
         <p:nvSpPr>
-          <p:cNvPr id="101" name="TextShape 1"/>
+          <p:cNvPr id="95" name="TextShape 1"/>
           <p:cNvSpPr txBox="1"/>
           <p:nvPr/>
         </p:nvSpPr>
@@ -11977,7 +12603,7 @@
       </p:sp>
       <p:sp>
         <p:nvSpPr>
-          <p:cNvPr id="102" name="CustomShape 2"/>
+          <p:cNvPr id="96" name="CustomShape 2"/>
           <p:cNvSpPr/>
           <p:nvPr/>
         </p:nvSpPr>
@@ -12023,7 +12649,7 @@
       </p:sp>
       <p:pic>
         <p:nvPicPr>
-          <p:cNvPr id="103" name="Picture 5" descr="Linking Project tasks"/>
+          <p:cNvPr id="97" name="Picture 5" descr="Linking Project tasks"/>
           <p:cNvPicPr/>
           <p:nvPr/>
         </p:nvPicPr>
@@ -12046,7 +12672,7 @@
       </p:pic>
       <p:pic>
         <p:nvPicPr>
-          <p:cNvPr id="104" name="Picture 2"/>
+          <p:cNvPr id="98" name="Picture 2"/>
           <p:cNvPicPr/>
           <p:nvPr/>
         </p:nvPicPr>
@@ -12069,14 +12695,14 @@
       </p:pic>
       <p:sp>
         <p:nvSpPr>
-          <p:cNvPr id="105" name="CustomShape 3"/>
+          <p:cNvPr id="99" name="CustomShape 3"/>
           <p:cNvSpPr/>
           <p:nvPr/>
         </p:nvSpPr>
         <p:spPr>
           <a:xfrm>
-            <a:off x="1780560" y="1433160"/>
-            <a:ext cx="5796720" cy="4992120"/>
+            <a:off x="2223720" y="1783080"/>
+            <a:ext cx="4571640" cy="1553400"/>
           </a:xfrm>
           <a:prstGeom prst="rect">
             <a:avLst/>
@@ -12110,384 +12736,140 @@
               </a:lnSpc>
             </a:pPr>
             <a:r>
-              <a:rPr lang="es-ES" sz="1400" b="0" strike="noStrike" spc="-1">
-                <a:solidFill>
-                  <a:srgbClr val="FFFFFF"/>
-                </a:solidFill>
-                <a:latin typeface="Arial"/>
-              </a:rPr>
-              <a:t>/*  </a:t>
-            </a:r>
-            <a:endParaRPr lang="es-ES" sz="1400" b="0" strike="noStrike" spc="-1">
-              <a:latin typeface="Arial"/>
-            </a:endParaRPr>
-          </a:p>
-          <a:p>
-            <a:pPr>
-              <a:lnSpc>
-                <a:spcPct val="100000"/>
-              </a:lnSpc>
-            </a:pPr>
-            <a:r>
-              <a:rPr lang="es-ES" sz="1400" b="0" strike="noStrike" spc="-1">
-                <a:solidFill>
-                  <a:srgbClr val="FFFFFF"/>
-                </a:solidFill>
-                <a:latin typeface="Arial"/>
-              </a:rPr>
-              <a:t> *  hello-1.c - The simplest kernel module.</a:t>
-            </a:r>
-            <a:endParaRPr lang="es-ES" sz="1400" b="0" strike="noStrike" spc="-1">
-              <a:latin typeface="Arial"/>
-            </a:endParaRPr>
-          </a:p>
-          <a:p>
-            <a:pPr>
-              <a:lnSpc>
-                <a:spcPct val="100000"/>
-              </a:lnSpc>
-            </a:pPr>
-            <a:r>
-              <a:rPr lang="es-ES" sz="1400" b="0" strike="noStrike" spc="-1">
-                <a:solidFill>
-                  <a:srgbClr val="FFFFFF"/>
-                </a:solidFill>
-                <a:latin typeface="Arial"/>
-              </a:rPr>
-              <a:t> */</a:t>
-            </a:r>
-            <a:endParaRPr lang="es-ES" sz="1400" b="0" strike="noStrike" spc="-1">
-              <a:latin typeface="Arial"/>
-            </a:endParaRPr>
-          </a:p>
-          <a:p>
-            <a:pPr>
-              <a:lnSpc>
-                <a:spcPct val="100000"/>
-              </a:lnSpc>
-            </a:pPr>
-            <a:r>
-              <a:rPr lang="es-ES" sz="1400" b="0" strike="noStrike" spc="-1">
-                <a:solidFill>
-                  <a:srgbClr val="FFFFFF"/>
-                </a:solidFill>
-                <a:latin typeface="Arial"/>
-              </a:rPr>
-              <a:t>#include &lt;linux/module.h&gt;	/* Needed by all modules */</a:t>
-            </a:r>
-            <a:endParaRPr lang="es-ES" sz="1400" b="0" strike="noStrike" spc="-1">
-              <a:latin typeface="Arial"/>
-            </a:endParaRPr>
-          </a:p>
-          <a:p>
-            <a:pPr>
-              <a:lnSpc>
-                <a:spcPct val="100000"/>
-              </a:lnSpc>
-            </a:pPr>
-            <a:r>
-              <a:rPr lang="es-ES" sz="1400" b="0" strike="noStrike" spc="-1">
-                <a:solidFill>
-                  <a:srgbClr val="FFFFFF"/>
-                </a:solidFill>
-                <a:latin typeface="Arial"/>
-              </a:rPr>
-              <a:t>#include &lt;linux/kernel.h&gt;	/* Needed for KERN_INFO */</a:t>
-            </a:r>
-            <a:endParaRPr lang="es-ES" sz="1400" b="0" strike="noStrike" spc="-1">
-              <a:latin typeface="Arial"/>
-            </a:endParaRPr>
-          </a:p>
-          <a:p>
-            <a:pPr>
-              <a:lnSpc>
-                <a:spcPct val="100000"/>
-              </a:lnSpc>
-            </a:pPr>
-            <a:endParaRPr lang="es-ES" sz="1400" b="0" strike="noStrike" spc="-1">
-              <a:latin typeface="Arial"/>
-            </a:endParaRPr>
-          </a:p>
-          <a:p>
-            <a:pPr>
-              <a:lnSpc>
-                <a:spcPct val="100000"/>
-              </a:lnSpc>
-            </a:pPr>
-            <a:r>
-              <a:rPr lang="es-ES" sz="1400" b="0" strike="noStrike" spc="-1">
-                <a:solidFill>
-                  <a:srgbClr val="FFFFFF"/>
-                </a:solidFill>
-                <a:latin typeface="Arial"/>
-              </a:rPr>
-              <a:t>int init_module(void)</a:t>
-            </a:r>
-            <a:endParaRPr lang="es-ES" sz="1400" b="0" strike="noStrike" spc="-1">
-              <a:latin typeface="Arial"/>
-            </a:endParaRPr>
-          </a:p>
-          <a:p>
-            <a:pPr>
-              <a:lnSpc>
-                <a:spcPct val="100000"/>
-              </a:lnSpc>
-            </a:pPr>
-            <a:r>
-              <a:rPr lang="es-ES" sz="1400" b="0" strike="noStrike" spc="-1">
-                <a:solidFill>
-                  <a:srgbClr val="FFFFFF"/>
-                </a:solidFill>
-                <a:latin typeface="Arial"/>
-              </a:rPr>
-              <a:t>{</a:t>
-            </a:r>
-            <a:endParaRPr lang="es-ES" sz="1400" b="0" strike="noStrike" spc="-1">
-              <a:latin typeface="Arial"/>
-            </a:endParaRPr>
-          </a:p>
-          <a:p>
-            <a:pPr>
-              <a:lnSpc>
-                <a:spcPct val="100000"/>
-              </a:lnSpc>
-            </a:pPr>
-            <a:r>
-              <a:rPr lang="es-ES" sz="1400" b="0" strike="noStrike" spc="-1">
-                <a:solidFill>
-                  <a:srgbClr val="FFFFFF"/>
-                </a:solidFill>
-                <a:latin typeface="Arial"/>
-              </a:rPr>
-              <a:t>	printk(KERN_INFO "Hello world 1.\n");</a:t>
-            </a:r>
-            <a:endParaRPr lang="es-ES" sz="1400" b="0" strike="noStrike" spc="-1">
-              <a:latin typeface="Arial"/>
-            </a:endParaRPr>
-          </a:p>
-          <a:p>
-            <a:pPr>
-              <a:lnSpc>
-                <a:spcPct val="100000"/>
-              </a:lnSpc>
-            </a:pPr>
-            <a:endParaRPr lang="es-ES" sz="1400" b="0" strike="noStrike" spc="-1">
-              <a:latin typeface="Arial"/>
-            </a:endParaRPr>
-          </a:p>
-          <a:p>
-            <a:pPr>
-              <a:lnSpc>
-                <a:spcPct val="100000"/>
-              </a:lnSpc>
-            </a:pPr>
-            <a:r>
-              <a:rPr lang="es-ES" sz="1400" b="0" strike="noStrike" spc="-1">
-                <a:solidFill>
-                  <a:srgbClr val="FFFFFF"/>
-                </a:solidFill>
-                <a:latin typeface="Arial"/>
-              </a:rPr>
-              <a:t>	/* </a:t>
-            </a:r>
-            <a:endParaRPr lang="es-ES" sz="1400" b="0" strike="noStrike" spc="-1">
-              <a:latin typeface="Arial"/>
-            </a:endParaRPr>
-          </a:p>
-          <a:p>
-            <a:pPr>
-              <a:lnSpc>
-                <a:spcPct val="100000"/>
-              </a:lnSpc>
-            </a:pPr>
-            <a:r>
-              <a:rPr lang="es-ES" sz="1400" b="0" strike="noStrike" spc="-1">
-                <a:solidFill>
-                  <a:srgbClr val="FFFFFF"/>
-                </a:solidFill>
-                <a:latin typeface="Arial"/>
-              </a:rPr>
-              <a:t>	 * A non 0 return means init_module failed; module can't be loaded. </a:t>
-            </a:r>
-            <a:endParaRPr lang="es-ES" sz="1400" b="0" strike="noStrike" spc="-1">
-              <a:latin typeface="Arial"/>
-            </a:endParaRPr>
-          </a:p>
-          <a:p>
-            <a:pPr>
-              <a:lnSpc>
-                <a:spcPct val="100000"/>
-              </a:lnSpc>
-            </a:pPr>
-            <a:r>
-              <a:rPr lang="es-ES" sz="1400" b="0" strike="noStrike" spc="-1">
-                <a:solidFill>
-                  <a:srgbClr val="FFFFFF"/>
-                </a:solidFill>
-                <a:latin typeface="Arial"/>
-              </a:rPr>
-              <a:t>	 */</a:t>
-            </a:r>
-            <a:endParaRPr lang="es-ES" sz="1400" b="0" strike="noStrike" spc="-1">
-              <a:latin typeface="Arial"/>
-            </a:endParaRPr>
-          </a:p>
-          <a:p>
-            <a:pPr>
-              <a:lnSpc>
-                <a:spcPct val="100000"/>
-              </a:lnSpc>
-            </a:pPr>
-            <a:r>
-              <a:rPr lang="es-ES" sz="1400" b="0" strike="noStrike" spc="-1">
-                <a:solidFill>
-                  <a:srgbClr val="FFFFFF"/>
-                </a:solidFill>
-                <a:latin typeface="Arial"/>
-              </a:rPr>
-              <a:t>	return 0;</a:t>
-            </a:r>
-            <a:endParaRPr lang="es-ES" sz="1400" b="0" strike="noStrike" spc="-1">
-              <a:latin typeface="Arial"/>
-            </a:endParaRPr>
-          </a:p>
-          <a:p>
-            <a:pPr>
-              <a:lnSpc>
-                <a:spcPct val="100000"/>
-              </a:lnSpc>
-            </a:pPr>
-            <a:r>
-              <a:rPr lang="es-ES" sz="1400" b="0" strike="noStrike" spc="-1">
-                <a:solidFill>
-                  <a:srgbClr val="FFFFFF"/>
-                </a:solidFill>
-                <a:latin typeface="Arial"/>
-              </a:rPr>
-              <a:t>}</a:t>
-            </a:r>
-            <a:endParaRPr lang="es-ES" sz="1400" b="0" strike="noStrike" spc="-1">
-              <a:latin typeface="Arial"/>
-            </a:endParaRPr>
-          </a:p>
-          <a:p>
-            <a:pPr>
-              <a:lnSpc>
-                <a:spcPct val="100000"/>
-              </a:lnSpc>
-            </a:pPr>
-            <a:endParaRPr lang="es-ES" sz="1400" b="0" strike="noStrike" spc="-1">
-              <a:latin typeface="Arial"/>
-            </a:endParaRPr>
-          </a:p>
-          <a:p>
-            <a:pPr>
-              <a:lnSpc>
-                <a:spcPct val="100000"/>
-              </a:lnSpc>
-            </a:pPr>
-            <a:r>
-              <a:rPr lang="es-ES" sz="1400" b="0" strike="noStrike" spc="-1">
-                <a:solidFill>
-                  <a:srgbClr val="FFFFFF"/>
-                </a:solidFill>
-                <a:latin typeface="Arial"/>
-              </a:rPr>
-              <a:t>void cleanup_module(void)</a:t>
-            </a:r>
-            <a:endParaRPr lang="es-ES" sz="1400" b="0" strike="noStrike" spc="-1">
-              <a:latin typeface="Arial"/>
-            </a:endParaRPr>
-          </a:p>
-          <a:p>
-            <a:pPr>
-              <a:lnSpc>
-                <a:spcPct val="100000"/>
-              </a:lnSpc>
-            </a:pPr>
-            <a:r>
-              <a:rPr lang="es-ES" sz="1400" b="0" strike="noStrike" spc="-1">
-                <a:solidFill>
-                  <a:srgbClr val="FFFFFF"/>
-                </a:solidFill>
-                <a:latin typeface="Arial"/>
-              </a:rPr>
-              <a:t>{</a:t>
-            </a:r>
-            <a:endParaRPr lang="es-ES" sz="1400" b="0" strike="noStrike" spc="-1">
-              <a:latin typeface="Arial"/>
-            </a:endParaRPr>
-          </a:p>
-          <a:p>
-            <a:pPr>
-              <a:lnSpc>
-                <a:spcPct val="100000"/>
-              </a:lnSpc>
-            </a:pPr>
-            <a:r>
-              <a:rPr lang="es-ES" sz="1400" b="0" strike="noStrike" spc="-1">
-                <a:solidFill>
-                  <a:srgbClr val="FFFFFF"/>
-                </a:solidFill>
-                <a:latin typeface="Arial"/>
-              </a:rPr>
-              <a:t>	printk(KERN_INFO "Goodbye world 1.\n");</a:t>
-            </a:r>
-            <a:endParaRPr lang="es-ES" sz="1400" b="0" strike="noStrike" spc="-1">
-              <a:latin typeface="Arial"/>
-            </a:endParaRPr>
-          </a:p>
-          <a:p>
-            <a:pPr>
-              <a:lnSpc>
-                <a:spcPct val="100000"/>
-              </a:lnSpc>
-            </a:pPr>
-            <a:r>
-              <a:rPr lang="es-ES" sz="1400" b="0" strike="noStrike" spc="-1">
-                <a:solidFill>
-                  <a:srgbClr val="FFFFFF"/>
-                </a:solidFill>
-                <a:latin typeface="Arial"/>
-              </a:rPr>
-              <a:t>}</a:t>
-            </a:r>
-            <a:endParaRPr lang="es-ES" sz="1400" b="0" strike="noStrike" spc="-1">
-              <a:latin typeface="Arial"/>
-            </a:endParaRPr>
-          </a:p>
-          <a:p>
-            <a:pPr>
-              <a:lnSpc>
-                <a:spcPct val="100000"/>
-              </a:lnSpc>
-            </a:pPr>
-            <a:endParaRPr lang="es-ES" sz="1400" b="0" strike="noStrike" spc="-1">
-              <a:latin typeface="Arial"/>
-            </a:endParaRPr>
-          </a:p>
-          <a:p>
-            <a:pPr>
-              <a:lnSpc>
-                <a:spcPct val="100000"/>
-              </a:lnSpc>
-            </a:pPr>
-            <a:r>
-              <a:rPr lang="es-ES" sz="1400" b="0" strike="noStrike" spc="-1">
-                <a:solidFill>
-                  <a:srgbClr val="FFFFFF"/>
-                </a:solidFill>
-                <a:latin typeface="Arial"/>
-              </a:rPr>
-              <a:t>MODULE_LICENSE("GPL");</a:t>
-            </a:r>
-            <a:endParaRPr lang="es-ES" sz="1400" b="0" strike="noStrike" spc="-1">
+              <a:rPr lang="es-ES" sz="2400" b="0" strike="noStrike" spc="-1">
+                <a:solidFill>
+                  <a:srgbClr val="FFFFFF"/>
+                </a:solidFill>
+                <a:latin typeface="Arial"/>
+              </a:rPr>
+              <a:t>apt update</a:t>
+            </a:r>
+            <a:endParaRPr lang="es-ES" sz="2400" b="0" strike="noStrike" spc="-1">
+              <a:latin typeface="Arial"/>
+            </a:endParaRPr>
+          </a:p>
+          <a:p>
+            <a:pPr>
+              <a:lnSpc>
+                <a:spcPct val="100000"/>
+              </a:lnSpc>
+            </a:pPr>
+            <a:r>
+              <a:rPr lang="es-ES" sz="2400" b="0" strike="noStrike" spc="-1">
+                <a:solidFill>
+                  <a:srgbClr val="FFFFFF"/>
+                </a:solidFill>
+                <a:latin typeface="Arial"/>
+              </a:rPr>
+              <a:t>apt install linux-source</a:t>
+            </a:r>
+            <a:endParaRPr lang="es-ES" sz="2400" b="0" strike="noStrike" spc="-1">
+              <a:latin typeface="Arial"/>
+            </a:endParaRPr>
+          </a:p>
+          <a:p>
+            <a:pPr>
+              <a:lnSpc>
+                <a:spcPct val="100000"/>
+              </a:lnSpc>
+            </a:pPr>
+            <a:r>
+              <a:rPr lang="es-ES" sz="2400" b="0" strike="noStrike" spc="-1">
+                <a:solidFill>
+                  <a:srgbClr val="FFFFFF"/>
+                </a:solidFill>
+                <a:latin typeface="Arial"/>
+              </a:rPr>
+              <a:t>/usr/src/linux-headers-5.3.0-24</a:t>
+            </a:r>
+            <a:endParaRPr lang="es-ES" sz="2400" b="0" strike="noStrike" spc="-1">
+              <a:latin typeface="Arial"/>
+            </a:endParaRPr>
+          </a:p>
+          <a:p>
+            <a:pPr>
+              <a:lnSpc>
+                <a:spcPct val="100000"/>
+              </a:lnSpc>
+            </a:pPr>
+            <a:r>
+              <a:rPr lang="es-ES" sz="2400" b="0" strike="noStrike" spc="-1">
+                <a:solidFill>
+                  <a:srgbClr val="FFFFFF"/>
+                </a:solidFill>
+                <a:latin typeface="Arial"/>
+              </a:rPr>
+              <a:t>/usr/src/linux-source-5.3.0</a:t>
+            </a:r>
+            <a:endParaRPr lang="es-ES" sz="2400" b="0" strike="noStrike" spc="-1">
+              <a:latin typeface="Arial"/>
+            </a:endParaRPr>
+          </a:p>
+        </p:txBody>
+      </p:sp>
+      <p:sp>
+        <p:nvSpPr>
+          <p:cNvPr id="100" name="CustomShape 4"/>
+          <p:cNvSpPr/>
+          <p:nvPr/>
+        </p:nvSpPr>
+        <p:spPr>
+          <a:xfrm>
+            <a:off x="2211480" y="3810600"/>
+            <a:ext cx="6627240" cy="364680"/>
+          </a:xfrm>
+          <a:prstGeom prst="rect">
+            <a:avLst/>
+          </a:prstGeom>
+          <a:noFill/>
+          <a:ln>
+            <a:noFill/>
+          </a:ln>
+        </p:spPr>
+        <p:style>
+          <a:lnRef idx="0">
+            <a:scrgbClr r="0" g="0" b="0"/>
+          </a:lnRef>
+          <a:fillRef idx="0">
+            <a:scrgbClr r="0" g="0" b="0"/>
+          </a:fillRef>
+          <a:effectRef idx="0">
+            <a:scrgbClr r="0" g="0" b="0"/>
+          </a:effectRef>
+          <a:fontRef idx="minor"/>
+        </p:style>
+        <p:txBody>
+          <a:bodyPr lIns="90000" tIns="45000" rIns="90000" bIns="45000">
+            <a:spAutoFit/>
+          </a:bodyPr>
+          <a:lstStyle/>
+          <a:p>
+            <a:pPr>
+              <a:lnSpc>
+                <a:spcPct val="100000"/>
+              </a:lnSpc>
+            </a:pPr>
+            <a:r>
+              <a:rPr lang="es-ES" sz="1800" b="0" strike="noStrike" spc="-1">
+                <a:solidFill>
+                  <a:srgbClr val="FFFFFF"/>
+                </a:solidFill>
+                <a:latin typeface="Arial"/>
+              </a:rPr>
+              <a:t>apt-get install build-essential linux-headers-$(uname -r)</a:t>
+            </a:r>
+            <a:endParaRPr lang="es-ES" sz="1800" b="0" strike="noStrike" spc="-1">
               <a:latin typeface="Arial"/>
             </a:endParaRPr>
           </a:p>
         </p:txBody>
       </p:sp>
     </p:spTree>
+    <p:extLst>
+      <p:ext uri="{BB962C8B-B14F-4D97-AF65-F5344CB8AC3E}">
+        <p14:creationId xmlns:p14="http://schemas.microsoft.com/office/powerpoint/2010/main" val="314298325"/>
+      </p:ext>
+    </p:extLst>
   </p:cSld>
   <p:clrMapOvr>
     <a:masterClrMapping/>
@@ -12498,7 +12880,7 @@
         <p:circle/>
       </p:transition>
     </mc:Choice>
-    <mc:Fallback xmlns:p15="http://schemas.microsoft.com/office/powerpoint/2012/main" xmlns="">
+    <mc:Fallback xmlns="" xmlns:p15="http://schemas.microsoft.com/office/powerpoint/2012/main">
       <p:transition spd="med">
         <p:circle/>
       </p:transition>
@@ -12526,7 +12908,7 @@
       </p:grpSpPr>
       <p:sp>
         <p:nvSpPr>
-          <p:cNvPr id="106" name="TextShape 1"/>
+          <p:cNvPr id="101" name="TextShape 1"/>
           <p:cNvSpPr txBox="1"/>
           <p:nvPr/>
         </p:nvSpPr>
@@ -12568,7 +12950,7 @@
       </p:sp>
       <p:sp>
         <p:nvSpPr>
-          <p:cNvPr id="107" name="CustomShape 2"/>
+          <p:cNvPr id="102" name="CustomShape 2"/>
           <p:cNvSpPr/>
           <p:nvPr/>
         </p:nvSpPr>
@@ -12614,7 +12996,7 @@
       </p:sp>
       <p:pic>
         <p:nvPicPr>
-          <p:cNvPr id="108" name="Picture 5" descr="Linking Project tasks"/>
+          <p:cNvPr id="103" name="Picture 5" descr="Linking Project tasks"/>
           <p:cNvPicPr/>
           <p:nvPr/>
         </p:nvPicPr>
@@ -12637,7 +13019,7 @@
       </p:pic>
       <p:pic>
         <p:nvPicPr>
-          <p:cNvPr id="109" name="Picture 2"/>
+          <p:cNvPr id="104" name="Picture 2"/>
           <p:cNvPicPr/>
           <p:nvPr/>
         </p:nvPicPr>
@@ -12660,14 +13042,14 @@
       </p:pic>
       <p:sp>
         <p:nvSpPr>
-          <p:cNvPr id="110" name="CustomShape 3"/>
+          <p:cNvPr id="105" name="CustomShape 3"/>
           <p:cNvSpPr/>
           <p:nvPr/>
         </p:nvSpPr>
         <p:spPr>
           <a:xfrm>
-            <a:off x="3056040" y="2716920"/>
-            <a:ext cx="2043360" cy="364680"/>
+            <a:off x="1780560" y="1433160"/>
+            <a:ext cx="5796720" cy="4992120"/>
           </a:xfrm>
           <a:prstGeom prst="rect">
             <a:avLst/>
@@ -12690,7 +13072,7 @@
           <a:fontRef idx="minor"/>
         </p:style>
         <p:txBody>
-          <a:bodyPr wrap="none" lIns="90000" tIns="45000" rIns="90000" bIns="45000">
+          <a:bodyPr lIns="90000" tIns="45000" rIns="90000" bIns="45000">
             <a:spAutoFit/>
           </a:bodyPr>
           <a:lstStyle/>
@@ -12701,357 +13083,378 @@
               </a:lnSpc>
             </a:pPr>
             <a:r>
-              <a:rPr lang="es-ES" sz="1800" b="0" strike="noStrike" spc="-1">
-                <a:solidFill>
-                  <a:srgbClr val="FFFFFF"/>
-                </a:solidFill>
-                <a:latin typeface="Arial"/>
-              </a:rPr>
-              <a:t>modinfo hello-1.ko</a:t>
-            </a:r>
-            <a:endParaRPr lang="es-ES" sz="1800" b="0" strike="noStrike" spc="-1">
-              <a:latin typeface="Arial"/>
-            </a:endParaRPr>
-          </a:p>
-        </p:txBody>
-      </p:sp>
-      <p:sp>
-        <p:nvSpPr>
-          <p:cNvPr id="111" name="CustomShape 4"/>
-          <p:cNvSpPr/>
-          <p:nvPr/>
-        </p:nvSpPr>
-        <p:spPr>
-          <a:xfrm>
-            <a:off x="3056040" y="2208600"/>
-            <a:ext cx="2017440" cy="364680"/>
-          </a:xfrm>
-          <a:prstGeom prst="rect">
-            <a:avLst/>
-          </a:prstGeom>
-          <a:noFill/>
-          <a:ln>
-            <a:noFill/>
-          </a:ln>
-        </p:spPr>
-        <p:style>
-          <a:lnRef idx="0">
-            <a:scrgbClr r="0" g="0" b="0"/>
-          </a:lnRef>
-          <a:fillRef idx="0">
-            <a:scrgbClr r="0" g="0" b="0"/>
-          </a:fillRef>
-          <a:effectRef idx="0">
-            <a:scrgbClr r="0" g="0" b="0"/>
-          </a:effectRef>
-          <a:fontRef idx="minor"/>
-        </p:style>
-        <p:txBody>
-          <a:bodyPr wrap="none" lIns="90000" tIns="45000" rIns="90000" bIns="45000">
-            <a:spAutoFit/>
-          </a:bodyPr>
-          <a:lstStyle/>
-          <a:p>
-            <a:pPr>
-              <a:lnSpc>
-                <a:spcPct val="100000"/>
-              </a:lnSpc>
-            </a:pPr>
-            <a:r>
-              <a:rPr lang="es-ES" sz="1800" b="0" strike="noStrike" spc="-1">
-                <a:solidFill>
-                  <a:srgbClr val="FFFFFF"/>
-                </a:solidFill>
-                <a:latin typeface="Arial"/>
-              </a:rPr>
-              <a:t>Compilar hello-1.c</a:t>
-            </a:r>
-            <a:endParaRPr lang="es-ES" sz="1800" b="0" strike="noStrike" spc="-1">
-              <a:latin typeface="Arial"/>
-            </a:endParaRPr>
-          </a:p>
-        </p:txBody>
-      </p:sp>
-      <p:sp>
-        <p:nvSpPr>
-          <p:cNvPr id="112" name="CustomShape 5"/>
-          <p:cNvSpPr/>
-          <p:nvPr/>
-        </p:nvSpPr>
-        <p:spPr>
-          <a:xfrm>
-            <a:off x="3055680" y="3225240"/>
-            <a:ext cx="1967040" cy="364680"/>
-          </a:xfrm>
-          <a:prstGeom prst="rect">
-            <a:avLst/>
-          </a:prstGeom>
-          <a:noFill/>
-          <a:ln>
-            <a:noFill/>
-          </a:ln>
-        </p:spPr>
-        <p:style>
-          <a:lnRef idx="0">
-            <a:scrgbClr r="0" g="0" b="0"/>
-          </a:lnRef>
-          <a:fillRef idx="0">
-            <a:scrgbClr r="0" g="0" b="0"/>
-          </a:fillRef>
-          <a:effectRef idx="0">
-            <a:scrgbClr r="0" g="0" b="0"/>
-          </a:effectRef>
-          <a:fontRef idx="minor"/>
-        </p:style>
-        <p:txBody>
-          <a:bodyPr wrap="none" lIns="90000" tIns="45000" rIns="90000" bIns="45000">
-            <a:spAutoFit/>
-          </a:bodyPr>
-          <a:lstStyle/>
-          <a:p>
-            <a:pPr>
-              <a:lnSpc>
-                <a:spcPct val="100000"/>
-              </a:lnSpc>
-            </a:pPr>
-            <a:r>
-              <a:rPr lang="es-ES" sz="1800" b="0" strike="noStrike" spc="-1">
-                <a:solidFill>
-                  <a:srgbClr val="FFFFFF"/>
-                </a:solidFill>
-                <a:latin typeface="Arial"/>
-              </a:rPr>
-              <a:t>insmod hello-1.ko</a:t>
-            </a:r>
-            <a:endParaRPr lang="es-ES" sz="1800" b="0" strike="noStrike" spc="-1">
-              <a:latin typeface="Arial"/>
-            </a:endParaRPr>
-          </a:p>
-        </p:txBody>
-      </p:sp>
-      <p:sp>
-        <p:nvSpPr>
-          <p:cNvPr id="113" name="CustomShape 6"/>
-          <p:cNvSpPr/>
-          <p:nvPr/>
-        </p:nvSpPr>
-        <p:spPr>
-          <a:xfrm>
-            <a:off x="3055680" y="3702240"/>
-            <a:ext cx="2159280" cy="364680"/>
-          </a:xfrm>
-          <a:prstGeom prst="rect">
-            <a:avLst/>
-          </a:prstGeom>
-          <a:noFill/>
-          <a:ln>
-            <a:noFill/>
-          </a:ln>
-        </p:spPr>
-        <p:style>
-          <a:lnRef idx="0">
-            <a:scrgbClr r="0" g="0" b="0"/>
-          </a:lnRef>
-          <a:fillRef idx="0">
-            <a:scrgbClr r="0" g="0" b="0"/>
-          </a:fillRef>
-          <a:effectRef idx="0">
-            <a:scrgbClr r="0" g="0" b="0"/>
-          </a:effectRef>
-          <a:fontRef idx="minor"/>
-        </p:style>
-        <p:txBody>
-          <a:bodyPr wrap="none" lIns="90000" tIns="45000" rIns="90000" bIns="45000">
-            <a:spAutoFit/>
-          </a:bodyPr>
-          <a:lstStyle/>
-          <a:p>
-            <a:pPr>
-              <a:lnSpc>
-                <a:spcPct val="100000"/>
-              </a:lnSpc>
-            </a:pPr>
-            <a:r>
-              <a:rPr lang="es-ES" sz="1800" b="0" strike="noStrike" spc="-1">
-                <a:solidFill>
-                  <a:srgbClr val="FFFFFF"/>
-                </a:solidFill>
-                <a:latin typeface="Arial"/>
-              </a:rPr>
-              <a:t>tail /var/log/kern.log</a:t>
-            </a:r>
-            <a:endParaRPr lang="es-ES" sz="1800" b="0" strike="noStrike" spc="-1">
-              <a:latin typeface="Arial"/>
-            </a:endParaRPr>
-          </a:p>
-        </p:txBody>
-      </p:sp>
-      <p:sp>
-        <p:nvSpPr>
-          <p:cNvPr id="114" name="CustomShape 7"/>
-          <p:cNvSpPr/>
-          <p:nvPr/>
-        </p:nvSpPr>
-        <p:spPr>
-          <a:xfrm>
-            <a:off x="3054960" y="4154040"/>
-            <a:ext cx="1942920" cy="364680"/>
-          </a:xfrm>
-          <a:prstGeom prst="rect">
-            <a:avLst/>
-          </a:prstGeom>
-          <a:noFill/>
-          <a:ln>
-            <a:noFill/>
-          </a:ln>
-        </p:spPr>
-        <p:style>
-          <a:lnRef idx="0">
-            <a:scrgbClr r="0" g="0" b="0"/>
-          </a:lnRef>
-          <a:fillRef idx="0">
-            <a:scrgbClr r="0" g="0" b="0"/>
-          </a:fillRef>
-          <a:effectRef idx="0">
-            <a:scrgbClr r="0" g="0" b="0"/>
-          </a:effectRef>
-          <a:fontRef idx="minor"/>
-        </p:style>
-        <p:txBody>
-          <a:bodyPr wrap="none" lIns="90000" tIns="45000" rIns="90000" bIns="45000">
-            <a:spAutoFit/>
-          </a:bodyPr>
-          <a:lstStyle/>
-          <a:p>
-            <a:pPr>
-              <a:lnSpc>
-                <a:spcPct val="100000"/>
-              </a:lnSpc>
-            </a:pPr>
-            <a:r>
-              <a:rPr lang="es-ES" sz="1800" b="0" strike="noStrike" spc="-1">
-                <a:solidFill>
-                  <a:srgbClr val="FFFFFF"/>
-                </a:solidFill>
-                <a:latin typeface="Arial"/>
-              </a:rPr>
-              <a:t>rmmod hello-1.ko</a:t>
-            </a:r>
-            <a:endParaRPr lang="es-ES" sz="1800" b="0" strike="noStrike" spc="-1">
-              <a:latin typeface="Arial"/>
-            </a:endParaRPr>
-          </a:p>
-        </p:txBody>
-      </p:sp>
-      <p:sp>
-        <p:nvSpPr>
-          <p:cNvPr id="115" name="CustomShape 8"/>
-          <p:cNvSpPr/>
-          <p:nvPr/>
-        </p:nvSpPr>
-        <p:spPr>
-          <a:xfrm>
-            <a:off x="3072960" y="4631040"/>
-            <a:ext cx="2159280" cy="364680"/>
-          </a:xfrm>
-          <a:prstGeom prst="rect">
-            <a:avLst/>
-          </a:prstGeom>
-          <a:noFill/>
-          <a:ln>
-            <a:noFill/>
-          </a:ln>
-        </p:spPr>
-        <p:style>
-          <a:lnRef idx="0">
-            <a:scrgbClr r="0" g="0" b="0"/>
-          </a:lnRef>
-          <a:fillRef idx="0">
-            <a:scrgbClr r="0" g="0" b="0"/>
-          </a:fillRef>
-          <a:effectRef idx="0">
-            <a:scrgbClr r="0" g="0" b="0"/>
-          </a:effectRef>
-          <a:fontRef idx="minor"/>
-        </p:style>
-        <p:txBody>
-          <a:bodyPr wrap="none" lIns="90000" tIns="45000" rIns="90000" bIns="45000">
-            <a:spAutoFit/>
-          </a:bodyPr>
-          <a:lstStyle/>
-          <a:p>
-            <a:pPr>
-              <a:lnSpc>
-                <a:spcPct val="100000"/>
-              </a:lnSpc>
-            </a:pPr>
-            <a:r>
-              <a:rPr lang="es-ES" sz="1800" b="0" strike="noStrike" spc="-1">
-                <a:solidFill>
-                  <a:srgbClr val="FFFFFF"/>
-                </a:solidFill>
-                <a:latin typeface="Arial"/>
-              </a:rPr>
-              <a:t>tail /var/log/kern.log</a:t>
-            </a:r>
-            <a:endParaRPr lang="es-ES" sz="1800" b="0" strike="noStrike" spc="-1">
-              <a:latin typeface="Arial"/>
-            </a:endParaRPr>
-          </a:p>
-        </p:txBody>
-      </p:sp>
-      <p:sp>
-        <p:nvSpPr>
-          <p:cNvPr id="116" name="CustomShape 9"/>
-          <p:cNvSpPr/>
-          <p:nvPr/>
-        </p:nvSpPr>
-        <p:spPr>
-          <a:xfrm>
-            <a:off x="2237040" y="1488240"/>
-            <a:ext cx="2841840" cy="364680"/>
-          </a:xfrm>
-          <a:prstGeom prst="rect">
-            <a:avLst/>
-          </a:prstGeom>
-          <a:noFill/>
-          <a:ln>
-            <a:noFill/>
-          </a:ln>
-        </p:spPr>
-        <p:style>
-          <a:lnRef idx="0">
-            <a:scrgbClr r="0" g="0" b="0"/>
-          </a:lnRef>
-          <a:fillRef idx="0">
-            <a:scrgbClr r="0" g="0" b="0"/>
-          </a:fillRef>
-          <a:effectRef idx="0">
-            <a:scrgbClr r="0" g="0" b="0"/>
-          </a:effectRef>
-          <a:fontRef idx="minor"/>
-        </p:style>
-        <p:txBody>
-          <a:bodyPr wrap="none" lIns="90000" tIns="45000" rIns="90000" bIns="45000">
-            <a:spAutoFit/>
-          </a:bodyPr>
-          <a:lstStyle/>
-          <a:p>
-            <a:pPr>
-              <a:lnSpc>
-                <a:spcPct val="100000"/>
-              </a:lnSpc>
-            </a:pPr>
-            <a:r>
-              <a:rPr lang="es-ES" sz="1800" b="0" strike="noStrike" spc="-1">
-                <a:solidFill>
-                  <a:srgbClr val="FFFFFF"/>
-                </a:solidFill>
-                <a:latin typeface="Arial"/>
-              </a:rPr>
-              <a:t>Ejecución y comprobación</a:t>
-            </a:r>
-            <a:endParaRPr lang="es-ES" sz="1800" b="0" strike="noStrike" spc="-1">
+              <a:rPr lang="es-ES" sz="1400" b="0" strike="noStrike" spc="-1">
+                <a:solidFill>
+                  <a:srgbClr val="FFFFFF"/>
+                </a:solidFill>
+                <a:latin typeface="Arial"/>
+              </a:rPr>
+              <a:t>/*  </a:t>
+            </a:r>
+            <a:endParaRPr lang="es-ES" sz="1400" b="0" strike="noStrike" spc="-1">
+              <a:latin typeface="Arial"/>
+            </a:endParaRPr>
+          </a:p>
+          <a:p>
+            <a:pPr>
+              <a:lnSpc>
+                <a:spcPct val="100000"/>
+              </a:lnSpc>
+            </a:pPr>
+            <a:r>
+              <a:rPr lang="es-ES" sz="1400" b="0" strike="noStrike" spc="-1">
+                <a:solidFill>
+                  <a:srgbClr val="FFFFFF"/>
+                </a:solidFill>
+                <a:latin typeface="Arial"/>
+              </a:rPr>
+              <a:t> *  hello-1.c - The simplest kernel module.</a:t>
+            </a:r>
+            <a:endParaRPr lang="es-ES" sz="1400" b="0" strike="noStrike" spc="-1">
+              <a:latin typeface="Arial"/>
+            </a:endParaRPr>
+          </a:p>
+          <a:p>
+            <a:pPr>
+              <a:lnSpc>
+                <a:spcPct val="100000"/>
+              </a:lnSpc>
+            </a:pPr>
+            <a:r>
+              <a:rPr lang="es-ES" sz="1400" b="0" strike="noStrike" spc="-1">
+                <a:solidFill>
+                  <a:srgbClr val="FFFFFF"/>
+                </a:solidFill>
+                <a:latin typeface="Arial"/>
+              </a:rPr>
+              <a:t> */</a:t>
+            </a:r>
+            <a:endParaRPr lang="es-ES" sz="1400" b="0" strike="noStrike" spc="-1">
+              <a:latin typeface="Arial"/>
+            </a:endParaRPr>
+          </a:p>
+          <a:p>
+            <a:pPr>
+              <a:lnSpc>
+                <a:spcPct val="100000"/>
+              </a:lnSpc>
+            </a:pPr>
+            <a:r>
+              <a:rPr lang="es-ES" sz="1400" b="0" strike="noStrike" spc="-1">
+                <a:solidFill>
+                  <a:srgbClr val="FFFFFF"/>
+                </a:solidFill>
+                <a:latin typeface="Arial"/>
+              </a:rPr>
+              <a:t>#include &lt;linux/module.h&gt;	/* Needed by all modules */</a:t>
+            </a:r>
+            <a:endParaRPr lang="es-ES" sz="1400" b="0" strike="noStrike" spc="-1">
+              <a:latin typeface="Arial"/>
+            </a:endParaRPr>
+          </a:p>
+          <a:p>
+            <a:pPr>
+              <a:lnSpc>
+                <a:spcPct val="100000"/>
+              </a:lnSpc>
+            </a:pPr>
+            <a:r>
+              <a:rPr lang="es-ES" sz="1400" b="0" strike="noStrike" spc="-1">
+                <a:solidFill>
+                  <a:srgbClr val="FFFFFF"/>
+                </a:solidFill>
+                <a:latin typeface="Arial"/>
+              </a:rPr>
+              <a:t>#include &lt;linux/kernel.h&gt;	/* Needed for KERN_INFO */</a:t>
+            </a:r>
+            <a:endParaRPr lang="es-ES" sz="1400" b="0" strike="noStrike" spc="-1">
+              <a:latin typeface="Arial"/>
+            </a:endParaRPr>
+          </a:p>
+          <a:p>
+            <a:pPr>
+              <a:lnSpc>
+                <a:spcPct val="100000"/>
+              </a:lnSpc>
+            </a:pPr>
+            <a:endParaRPr lang="es-ES" sz="1400" b="0" strike="noStrike" spc="-1">
+              <a:latin typeface="Arial"/>
+            </a:endParaRPr>
+          </a:p>
+          <a:p>
+            <a:pPr>
+              <a:lnSpc>
+                <a:spcPct val="100000"/>
+              </a:lnSpc>
+            </a:pPr>
+            <a:r>
+              <a:rPr lang="es-ES" sz="1400" b="0" strike="noStrike" spc="-1">
+                <a:solidFill>
+                  <a:srgbClr val="FFFFFF"/>
+                </a:solidFill>
+                <a:latin typeface="Arial"/>
+              </a:rPr>
+              <a:t>int init_module(void)</a:t>
+            </a:r>
+            <a:endParaRPr lang="es-ES" sz="1400" b="0" strike="noStrike" spc="-1">
+              <a:latin typeface="Arial"/>
+            </a:endParaRPr>
+          </a:p>
+          <a:p>
+            <a:pPr>
+              <a:lnSpc>
+                <a:spcPct val="100000"/>
+              </a:lnSpc>
+            </a:pPr>
+            <a:r>
+              <a:rPr lang="es-ES" sz="1400" b="0" strike="noStrike" spc="-1">
+                <a:solidFill>
+                  <a:srgbClr val="FFFFFF"/>
+                </a:solidFill>
+                <a:latin typeface="Arial"/>
+              </a:rPr>
+              <a:t>{</a:t>
+            </a:r>
+            <a:endParaRPr lang="es-ES" sz="1400" b="0" strike="noStrike" spc="-1">
+              <a:latin typeface="Arial"/>
+            </a:endParaRPr>
+          </a:p>
+          <a:p>
+            <a:pPr>
+              <a:lnSpc>
+                <a:spcPct val="100000"/>
+              </a:lnSpc>
+            </a:pPr>
+            <a:r>
+              <a:rPr lang="es-ES" sz="1400" b="0" strike="noStrike" spc="-1">
+                <a:solidFill>
+                  <a:srgbClr val="FFFFFF"/>
+                </a:solidFill>
+                <a:latin typeface="Arial"/>
+              </a:rPr>
+              <a:t>	printk(KERN_INFO "Hello world 1.\n");</a:t>
+            </a:r>
+            <a:endParaRPr lang="es-ES" sz="1400" b="0" strike="noStrike" spc="-1">
+              <a:latin typeface="Arial"/>
+            </a:endParaRPr>
+          </a:p>
+          <a:p>
+            <a:pPr>
+              <a:lnSpc>
+                <a:spcPct val="100000"/>
+              </a:lnSpc>
+            </a:pPr>
+            <a:endParaRPr lang="es-ES" sz="1400" b="0" strike="noStrike" spc="-1">
+              <a:latin typeface="Arial"/>
+            </a:endParaRPr>
+          </a:p>
+          <a:p>
+            <a:pPr>
+              <a:lnSpc>
+                <a:spcPct val="100000"/>
+              </a:lnSpc>
+            </a:pPr>
+            <a:r>
+              <a:rPr lang="es-ES" sz="1400" b="0" strike="noStrike" spc="-1">
+                <a:solidFill>
+                  <a:srgbClr val="FFFFFF"/>
+                </a:solidFill>
+                <a:latin typeface="Arial"/>
+              </a:rPr>
+              <a:t>	/* </a:t>
+            </a:r>
+            <a:endParaRPr lang="es-ES" sz="1400" b="0" strike="noStrike" spc="-1">
+              <a:latin typeface="Arial"/>
+            </a:endParaRPr>
+          </a:p>
+          <a:p>
+            <a:pPr>
+              <a:lnSpc>
+                <a:spcPct val="100000"/>
+              </a:lnSpc>
+            </a:pPr>
+            <a:r>
+              <a:rPr lang="es-ES" sz="1400" b="0" strike="noStrike" spc="-1">
+                <a:solidFill>
+                  <a:srgbClr val="FFFFFF"/>
+                </a:solidFill>
+                <a:latin typeface="Arial"/>
+              </a:rPr>
+              <a:t>	 * A non 0 return means init_module failed; module can't be loaded. </a:t>
+            </a:r>
+            <a:endParaRPr lang="es-ES" sz="1400" b="0" strike="noStrike" spc="-1">
+              <a:latin typeface="Arial"/>
+            </a:endParaRPr>
+          </a:p>
+          <a:p>
+            <a:pPr>
+              <a:lnSpc>
+                <a:spcPct val="100000"/>
+              </a:lnSpc>
+            </a:pPr>
+            <a:r>
+              <a:rPr lang="es-ES" sz="1400" b="0" strike="noStrike" spc="-1">
+                <a:solidFill>
+                  <a:srgbClr val="FFFFFF"/>
+                </a:solidFill>
+                <a:latin typeface="Arial"/>
+              </a:rPr>
+              <a:t>	 */</a:t>
+            </a:r>
+            <a:endParaRPr lang="es-ES" sz="1400" b="0" strike="noStrike" spc="-1">
+              <a:latin typeface="Arial"/>
+            </a:endParaRPr>
+          </a:p>
+          <a:p>
+            <a:pPr>
+              <a:lnSpc>
+                <a:spcPct val="100000"/>
+              </a:lnSpc>
+            </a:pPr>
+            <a:r>
+              <a:rPr lang="es-ES" sz="1400" b="0" strike="noStrike" spc="-1">
+                <a:solidFill>
+                  <a:srgbClr val="FFFFFF"/>
+                </a:solidFill>
+                <a:latin typeface="Arial"/>
+              </a:rPr>
+              <a:t>	return 0;</a:t>
+            </a:r>
+            <a:endParaRPr lang="es-ES" sz="1400" b="0" strike="noStrike" spc="-1">
+              <a:latin typeface="Arial"/>
+            </a:endParaRPr>
+          </a:p>
+          <a:p>
+            <a:pPr>
+              <a:lnSpc>
+                <a:spcPct val="100000"/>
+              </a:lnSpc>
+            </a:pPr>
+            <a:r>
+              <a:rPr lang="es-ES" sz="1400" b="0" strike="noStrike" spc="-1">
+                <a:solidFill>
+                  <a:srgbClr val="FFFFFF"/>
+                </a:solidFill>
+                <a:latin typeface="Arial"/>
+              </a:rPr>
+              <a:t>}</a:t>
+            </a:r>
+            <a:endParaRPr lang="es-ES" sz="1400" b="0" strike="noStrike" spc="-1">
+              <a:latin typeface="Arial"/>
+            </a:endParaRPr>
+          </a:p>
+          <a:p>
+            <a:pPr>
+              <a:lnSpc>
+                <a:spcPct val="100000"/>
+              </a:lnSpc>
+            </a:pPr>
+            <a:endParaRPr lang="es-ES" sz="1400" b="0" strike="noStrike" spc="-1">
+              <a:latin typeface="Arial"/>
+            </a:endParaRPr>
+          </a:p>
+          <a:p>
+            <a:pPr>
+              <a:lnSpc>
+                <a:spcPct val="100000"/>
+              </a:lnSpc>
+            </a:pPr>
+            <a:r>
+              <a:rPr lang="es-ES" sz="1400" b="0" strike="noStrike" spc="-1">
+                <a:solidFill>
+                  <a:srgbClr val="FFFFFF"/>
+                </a:solidFill>
+                <a:latin typeface="Arial"/>
+              </a:rPr>
+              <a:t>void cleanup_module(void)</a:t>
+            </a:r>
+            <a:endParaRPr lang="es-ES" sz="1400" b="0" strike="noStrike" spc="-1">
+              <a:latin typeface="Arial"/>
+            </a:endParaRPr>
+          </a:p>
+          <a:p>
+            <a:pPr>
+              <a:lnSpc>
+                <a:spcPct val="100000"/>
+              </a:lnSpc>
+            </a:pPr>
+            <a:r>
+              <a:rPr lang="es-ES" sz="1400" b="0" strike="noStrike" spc="-1">
+                <a:solidFill>
+                  <a:srgbClr val="FFFFFF"/>
+                </a:solidFill>
+                <a:latin typeface="Arial"/>
+              </a:rPr>
+              <a:t>{</a:t>
+            </a:r>
+            <a:endParaRPr lang="es-ES" sz="1400" b="0" strike="noStrike" spc="-1">
+              <a:latin typeface="Arial"/>
+            </a:endParaRPr>
+          </a:p>
+          <a:p>
+            <a:pPr>
+              <a:lnSpc>
+                <a:spcPct val="100000"/>
+              </a:lnSpc>
+            </a:pPr>
+            <a:r>
+              <a:rPr lang="es-ES" sz="1400" b="0" strike="noStrike" spc="-1">
+                <a:solidFill>
+                  <a:srgbClr val="FFFFFF"/>
+                </a:solidFill>
+                <a:latin typeface="Arial"/>
+              </a:rPr>
+              <a:t>	printk(KERN_INFO "Goodbye world 1.\n");</a:t>
+            </a:r>
+            <a:endParaRPr lang="es-ES" sz="1400" b="0" strike="noStrike" spc="-1">
+              <a:latin typeface="Arial"/>
+            </a:endParaRPr>
+          </a:p>
+          <a:p>
+            <a:pPr>
+              <a:lnSpc>
+                <a:spcPct val="100000"/>
+              </a:lnSpc>
+            </a:pPr>
+            <a:r>
+              <a:rPr lang="es-ES" sz="1400" b="0" strike="noStrike" spc="-1">
+                <a:solidFill>
+                  <a:srgbClr val="FFFFFF"/>
+                </a:solidFill>
+                <a:latin typeface="Arial"/>
+              </a:rPr>
+              <a:t>}</a:t>
+            </a:r>
+            <a:endParaRPr lang="es-ES" sz="1400" b="0" strike="noStrike" spc="-1">
+              <a:latin typeface="Arial"/>
+            </a:endParaRPr>
+          </a:p>
+          <a:p>
+            <a:pPr>
+              <a:lnSpc>
+                <a:spcPct val="100000"/>
+              </a:lnSpc>
+            </a:pPr>
+            <a:endParaRPr lang="es-ES" sz="1400" b="0" strike="noStrike" spc="-1">
+              <a:latin typeface="Arial"/>
+            </a:endParaRPr>
+          </a:p>
+          <a:p>
+            <a:pPr>
+              <a:lnSpc>
+                <a:spcPct val="100000"/>
+              </a:lnSpc>
+            </a:pPr>
+            <a:r>
+              <a:rPr lang="es-ES" sz="1400" b="0" strike="noStrike" spc="-1">
+                <a:solidFill>
+                  <a:srgbClr val="FFFFFF"/>
+                </a:solidFill>
+                <a:latin typeface="Arial"/>
+              </a:rPr>
+              <a:t>MODULE_LICENSE("GPL");</a:t>
+            </a:r>
+            <a:endParaRPr lang="es-ES" sz="1400" b="0" strike="noStrike" spc="-1">
               <a:latin typeface="Arial"/>
             </a:endParaRPr>
           </a:p>
@@ -13068,7 +13471,7 @@
         <p:circle/>
       </p:transition>
     </mc:Choice>
-    <mc:Fallback xmlns:p15="http://schemas.microsoft.com/office/powerpoint/2012/main" xmlns="">
+    <mc:Fallback xmlns="" xmlns:p15="http://schemas.microsoft.com/office/powerpoint/2012/main">
       <p:transition spd="med">
         <p:circle/>
       </p:transition>
@@ -13096,7 +13499,7 @@
       </p:grpSpPr>
       <p:sp>
         <p:nvSpPr>
-          <p:cNvPr id="117" name="TextShape 1"/>
+          <p:cNvPr id="106" name="TextShape 1"/>
           <p:cNvSpPr txBox="1"/>
           <p:nvPr/>
         </p:nvSpPr>
@@ -13138,7 +13541,7 @@
       </p:sp>
       <p:sp>
         <p:nvSpPr>
-          <p:cNvPr id="118" name="CustomShape 2"/>
+          <p:cNvPr id="107" name="CustomShape 2"/>
           <p:cNvSpPr/>
           <p:nvPr/>
         </p:nvSpPr>
@@ -13184,7 +13587,7 @@
       </p:sp>
       <p:pic>
         <p:nvPicPr>
-          <p:cNvPr id="119" name="Picture 5" descr="Linking Project tasks"/>
+          <p:cNvPr id="108" name="Picture 5" descr="Linking Project tasks"/>
           <p:cNvPicPr/>
           <p:nvPr/>
         </p:nvPicPr>
@@ -13207,7 +13610,7 @@
       </p:pic>
       <p:pic>
         <p:nvPicPr>
-          <p:cNvPr id="120" name="Picture 2"/>
+          <p:cNvPr id="109" name="Picture 2"/>
           <p:cNvPicPr/>
           <p:nvPr/>
         </p:nvPicPr>
@@ -13230,14 +13633,14 @@
       </p:pic>
       <p:sp>
         <p:nvSpPr>
-          <p:cNvPr id="121" name="CustomShape 3"/>
+          <p:cNvPr id="110" name="CustomShape 3"/>
           <p:cNvSpPr/>
           <p:nvPr/>
         </p:nvSpPr>
         <p:spPr>
           <a:xfrm>
-            <a:off x="1395360" y="1332000"/>
-            <a:ext cx="7647840" cy="3984120"/>
+            <a:off x="3056040" y="2716920"/>
+            <a:ext cx="2043360" cy="364680"/>
           </a:xfrm>
           <a:prstGeom prst="rect">
             <a:avLst/>
@@ -13260,7 +13663,7 @@
           <a:fontRef idx="minor"/>
         </p:style>
         <p:txBody>
-          <a:bodyPr lIns="90000" tIns="45000" rIns="90000" bIns="45000">
+          <a:bodyPr wrap="none" lIns="90000" tIns="45000" rIns="90000" bIns="45000">
             <a:spAutoFit/>
           </a:bodyPr>
           <a:lstStyle/>
@@ -13270,233 +13673,31 @@
                 <a:spcPct val="100000"/>
               </a:lnSpc>
             </a:pPr>
+            <a:r>
+              <a:rPr lang="es-ES" sz="1800" b="0" strike="noStrike" spc="-1">
+                <a:solidFill>
+                  <a:srgbClr val="FFFFFF"/>
+                </a:solidFill>
+                <a:latin typeface="Arial"/>
+              </a:rPr>
+              <a:t>modinfo hello-1.ko</a:t>
+            </a:r>
             <a:endParaRPr lang="es-ES" sz="1800" b="0" strike="noStrike" spc="-1">
               <a:latin typeface="Arial"/>
             </a:endParaRPr>
           </a:p>
-          <a:p>
-            <a:pPr>
-              <a:lnSpc>
-                <a:spcPct val="100000"/>
-              </a:lnSpc>
-            </a:pPr>
-            <a:r>
-              <a:rPr lang="es-ES" sz="1600" b="0" strike="noStrike" spc="-1">
-                <a:solidFill>
-                  <a:srgbClr val="FFFFFF"/>
-                </a:solidFill>
-                <a:latin typeface="Arial"/>
-              </a:rPr>
-              <a:t>Similar a printf con niveles de prioridad.</a:t>
-            </a:r>
-            <a:endParaRPr lang="es-ES" sz="1600" b="0" strike="noStrike" spc="-1">
-              <a:latin typeface="Arial"/>
-            </a:endParaRPr>
-          </a:p>
-          <a:p>
-            <a:pPr>
-              <a:lnSpc>
-                <a:spcPct val="100000"/>
-              </a:lnSpc>
-            </a:pPr>
-            <a:endParaRPr lang="es-ES" sz="1600" b="0" strike="noStrike" spc="-1">
-              <a:latin typeface="Arial"/>
-            </a:endParaRPr>
-          </a:p>
-          <a:p>
-            <a:pPr>
-              <a:lnSpc>
-                <a:spcPct val="100000"/>
-              </a:lnSpc>
-            </a:pPr>
-            <a:r>
-              <a:rPr lang="es-ES" sz="1600" b="0" strike="noStrike" spc="-1">
-                <a:solidFill>
-                  <a:srgbClr val="FFFFFF"/>
-                </a:solidFill>
-                <a:latin typeface="Arial"/>
-              </a:rPr>
-              <a:t>En linux/kern_levels.h podemos ver los niveles de prioridad. </a:t>
-            </a:r>
-            <a:endParaRPr lang="es-ES" sz="1600" b="0" strike="noStrike" spc="-1">
-              <a:latin typeface="Arial"/>
-            </a:endParaRPr>
-          </a:p>
-          <a:p>
-            <a:pPr>
-              <a:lnSpc>
-                <a:spcPct val="100000"/>
-              </a:lnSpc>
-            </a:pPr>
-            <a:r>
-              <a:rPr lang="es-ES" sz="1600" b="0" strike="noStrike" spc="-1">
-                <a:solidFill>
-                  <a:srgbClr val="FFFFFF"/>
-                </a:solidFill>
-                <a:latin typeface="Arial"/>
-              </a:rPr>
-              <a:t>Si no se especifica se utiliza el nivel por defecto.</a:t>
-            </a:r>
-            <a:endParaRPr lang="es-ES" sz="1600" b="0" strike="noStrike" spc="-1">
-              <a:latin typeface="Arial"/>
-            </a:endParaRPr>
-          </a:p>
-          <a:p>
-            <a:pPr>
-              <a:lnSpc>
-                <a:spcPct val="100000"/>
-              </a:lnSpc>
-            </a:pPr>
-            <a:endParaRPr lang="es-ES" sz="1600" b="0" strike="noStrike" spc="-1">
-              <a:latin typeface="Arial"/>
-            </a:endParaRPr>
-          </a:p>
-          <a:p>
-            <a:pPr>
-              <a:lnSpc>
-                <a:spcPct val="100000"/>
-              </a:lnSpc>
-            </a:pPr>
-            <a:r>
-              <a:rPr lang="es-ES" sz="1600" b="0" strike="noStrike" spc="-1">
-                <a:solidFill>
-                  <a:srgbClr val="FFFFFF"/>
-                </a:solidFill>
-                <a:latin typeface="Arial"/>
-              </a:rPr>
-              <a:t>Mostrar lowlevel cat /proc/sys/kernel/printk o sysctl kernel.printk</a:t>
-            </a:r>
-            <a:endParaRPr lang="es-ES" sz="1600" b="0" strike="noStrike" spc="-1">
-              <a:latin typeface="Arial"/>
-            </a:endParaRPr>
-          </a:p>
-          <a:p>
-            <a:pPr>
-              <a:lnSpc>
-                <a:spcPct val="100000"/>
-              </a:lnSpc>
-            </a:pPr>
-            <a:endParaRPr lang="es-ES" sz="1600" b="0" strike="noStrike" spc="-1">
-              <a:latin typeface="Arial"/>
-            </a:endParaRPr>
-          </a:p>
-          <a:p>
-            <a:pPr>
-              <a:lnSpc>
-                <a:spcPct val="100000"/>
-              </a:lnSpc>
-            </a:pPr>
-            <a:r>
-              <a:rPr lang="es-ES" sz="1600" b="0" strike="noStrike" spc="-1">
-                <a:solidFill>
-                  <a:srgbClr val="FFFFFF"/>
-                </a:solidFill>
-                <a:latin typeface="Arial"/>
-              </a:rPr>
-              <a:t>console_loglevel: Nivel de log actual. Todos los mensajes con prioridad mayor serán mostrados en la consola.</a:t>
-            </a:r>
-            <a:endParaRPr lang="es-ES" sz="1600" b="0" strike="noStrike" spc="-1">
-              <a:latin typeface="Arial"/>
-            </a:endParaRPr>
-          </a:p>
-          <a:p>
-            <a:pPr>
-              <a:lnSpc>
-                <a:spcPct val="100000"/>
-              </a:lnSpc>
-            </a:pPr>
-            <a:r>
-              <a:rPr lang="es-ES" sz="1600" b="0" strike="noStrike" spc="-1">
-                <a:solidFill>
-                  <a:srgbClr val="FFFFFF"/>
-                </a:solidFill>
-                <a:latin typeface="Arial"/>
-              </a:rPr>
-              <a:t>default_message_loglevel</a:t>
-            </a:r>
-            <a:endParaRPr lang="es-ES" sz="1600" b="0" strike="noStrike" spc="-1">
-              <a:latin typeface="Arial"/>
-            </a:endParaRPr>
-          </a:p>
-          <a:p>
-            <a:pPr>
-              <a:lnSpc>
-                <a:spcPct val="100000"/>
-              </a:lnSpc>
-            </a:pPr>
-            <a:r>
-              <a:rPr lang="es-ES" sz="1600" b="0" strike="noStrike" spc="-1">
-                <a:solidFill>
-                  <a:srgbClr val="FFFFFF"/>
-                </a:solidFill>
-                <a:latin typeface="Arial"/>
-              </a:rPr>
-              <a:t>minimum_console_loglevel</a:t>
-            </a:r>
-            <a:endParaRPr lang="es-ES" sz="1600" b="0" strike="noStrike" spc="-1">
-              <a:latin typeface="Arial"/>
-            </a:endParaRPr>
-          </a:p>
-          <a:p>
-            <a:pPr>
-              <a:lnSpc>
-                <a:spcPct val="100000"/>
-              </a:lnSpc>
-            </a:pPr>
-            <a:r>
-              <a:rPr lang="es-ES" sz="1600" b="0" strike="noStrike" spc="-1">
-                <a:solidFill>
-                  <a:srgbClr val="FFFFFF"/>
-                </a:solidFill>
-                <a:latin typeface="Arial"/>
-              </a:rPr>
-              <a:t>default_console_loglevel: En el arranque.</a:t>
-            </a:r>
-            <a:endParaRPr lang="es-ES" sz="1600" b="0" strike="noStrike" spc="-1">
-              <a:latin typeface="Arial"/>
-            </a:endParaRPr>
-          </a:p>
-          <a:p>
-            <a:pPr>
-              <a:lnSpc>
-                <a:spcPct val="100000"/>
-              </a:lnSpc>
-            </a:pPr>
-            <a:endParaRPr lang="es-ES" sz="1600" b="0" strike="noStrike" spc="-1">
-              <a:latin typeface="Arial"/>
-            </a:endParaRPr>
-          </a:p>
-          <a:p>
-            <a:pPr>
-              <a:lnSpc>
-                <a:spcPct val="100000"/>
-              </a:lnSpc>
-            </a:pPr>
-            <a:r>
-              <a:rPr lang="es-ES" sz="1600" b="0" strike="noStrike" spc="-1">
-                <a:solidFill>
-                  <a:srgbClr val="FFFFFF"/>
-                </a:solidFill>
-                <a:latin typeface="Arial"/>
-              </a:rPr>
-              <a:t>Si están corriendo los procesos syslogd y klogd el mensaje será también enviado a /var/log/messages además de /var/log/kern.log.</a:t>
-            </a:r>
-            <a:endParaRPr lang="es-ES" sz="1600" b="0" strike="noStrike" spc="-1">
-              <a:latin typeface="Arial"/>
-            </a:endParaRPr>
-          </a:p>
-        </p:txBody>
-      </p:sp>
-      <p:sp>
-        <p:nvSpPr>
-          <p:cNvPr id="122" name="CustomShape 4"/>
+        </p:txBody>
+      </p:sp>
+      <p:sp>
+        <p:nvSpPr>
+          <p:cNvPr id="111" name="CustomShape 4"/>
           <p:cNvSpPr/>
           <p:nvPr/>
         </p:nvSpPr>
         <p:spPr>
           <a:xfrm>
-            <a:off x="3349800" y="776520"/>
-            <a:ext cx="1215720" cy="456120"/>
+            <a:off x="3056040" y="2208600"/>
+            <a:ext cx="2017440" cy="364680"/>
           </a:xfrm>
           <a:prstGeom prst="rect">
             <a:avLst/>
@@ -13530,15 +13731,300 @@
               </a:lnSpc>
             </a:pPr>
             <a:r>
-              <a:rPr lang="es-ES" sz="2400" b="0" strike="noStrike" spc="-1">
-                <a:solidFill>
-                  <a:srgbClr val="FFFFFF"/>
-                </a:solidFill>
-                <a:latin typeface="Arial"/>
-              </a:rPr>
-              <a:t>printk() </a:t>
-            </a:r>
-            <a:endParaRPr lang="es-ES" sz="2400" b="0" strike="noStrike" spc="-1">
+              <a:rPr lang="es-ES" sz="1800" b="0" strike="noStrike" spc="-1">
+                <a:solidFill>
+                  <a:srgbClr val="FFFFFF"/>
+                </a:solidFill>
+                <a:latin typeface="Arial"/>
+              </a:rPr>
+              <a:t>Compilar hello-1.c</a:t>
+            </a:r>
+            <a:endParaRPr lang="es-ES" sz="1800" b="0" strike="noStrike" spc="-1">
+              <a:latin typeface="Arial"/>
+            </a:endParaRPr>
+          </a:p>
+        </p:txBody>
+      </p:sp>
+      <p:sp>
+        <p:nvSpPr>
+          <p:cNvPr id="112" name="CustomShape 5"/>
+          <p:cNvSpPr/>
+          <p:nvPr/>
+        </p:nvSpPr>
+        <p:spPr>
+          <a:xfrm>
+            <a:off x="3055680" y="3225240"/>
+            <a:ext cx="1967040" cy="364680"/>
+          </a:xfrm>
+          <a:prstGeom prst="rect">
+            <a:avLst/>
+          </a:prstGeom>
+          <a:noFill/>
+          <a:ln>
+            <a:noFill/>
+          </a:ln>
+        </p:spPr>
+        <p:style>
+          <a:lnRef idx="0">
+            <a:scrgbClr r="0" g="0" b="0"/>
+          </a:lnRef>
+          <a:fillRef idx="0">
+            <a:scrgbClr r="0" g="0" b="0"/>
+          </a:fillRef>
+          <a:effectRef idx="0">
+            <a:scrgbClr r="0" g="0" b="0"/>
+          </a:effectRef>
+          <a:fontRef idx="minor"/>
+        </p:style>
+        <p:txBody>
+          <a:bodyPr wrap="none" lIns="90000" tIns="45000" rIns="90000" bIns="45000">
+            <a:spAutoFit/>
+          </a:bodyPr>
+          <a:lstStyle/>
+          <a:p>
+            <a:pPr>
+              <a:lnSpc>
+                <a:spcPct val="100000"/>
+              </a:lnSpc>
+            </a:pPr>
+            <a:r>
+              <a:rPr lang="es-ES" sz="1800" b="0" strike="noStrike" spc="-1">
+                <a:solidFill>
+                  <a:srgbClr val="FFFFFF"/>
+                </a:solidFill>
+                <a:latin typeface="Arial"/>
+              </a:rPr>
+              <a:t>insmod hello-1.ko</a:t>
+            </a:r>
+            <a:endParaRPr lang="es-ES" sz="1800" b="0" strike="noStrike" spc="-1">
+              <a:latin typeface="Arial"/>
+            </a:endParaRPr>
+          </a:p>
+        </p:txBody>
+      </p:sp>
+      <p:sp>
+        <p:nvSpPr>
+          <p:cNvPr id="113" name="CustomShape 6"/>
+          <p:cNvSpPr/>
+          <p:nvPr/>
+        </p:nvSpPr>
+        <p:spPr>
+          <a:xfrm>
+            <a:off x="3055680" y="3702240"/>
+            <a:ext cx="2159280" cy="364680"/>
+          </a:xfrm>
+          <a:prstGeom prst="rect">
+            <a:avLst/>
+          </a:prstGeom>
+          <a:noFill/>
+          <a:ln>
+            <a:noFill/>
+          </a:ln>
+        </p:spPr>
+        <p:style>
+          <a:lnRef idx="0">
+            <a:scrgbClr r="0" g="0" b="0"/>
+          </a:lnRef>
+          <a:fillRef idx="0">
+            <a:scrgbClr r="0" g="0" b="0"/>
+          </a:fillRef>
+          <a:effectRef idx="0">
+            <a:scrgbClr r="0" g="0" b="0"/>
+          </a:effectRef>
+          <a:fontRef idx="minor"/>
+        </p:style>
+        <p:txBody>
+          <a:bodyPr wrap="none" lIns="90000" tIns="45000" rIns="90000" bIns="45000">
+            <a:spAutoFit/>
+          </a:bodyPr>
+          <a:lstStyle/>
+          <a:p>
+            <a:pPr>
+              <a:lnSpc>
+                <a:spcPct val="100000"/>
+              </a:lnSpc>
+            </a:pPr>
+            <a:r>
+              <a:rPr lang="es-ES" sz="1800" b="0" strike="noStrike" spc="-1">
+                <a:solidFill>
+                  <a:srgbClr val="FFFFFF"/>
+                </a:solidFill>
+                <a:latin typeface="Arial"/>
+              </a:rPr>
+              <a:t>tail /var/log/kern.log</a:t>
+            </a:r>
+            <a:endParaRPr lang="es-ES" sz="1800" b="0" strike="noStrike" spc="-1">
+              <a:latin typeface="Arial"/>
+            </a:endParaRPr>
+          </a:p>
+        </p:txBody>
+      </p:sp>
+      <p:sp>
+        <p:nvSpPr>
+          <p:cNvPr id="114" name="CustomShape 7"/>
+          <p:cNvSpPr/>
+          <p:nvPr/>
+        </p:nvSpPr>
+        <p:spPr>
+          <a:xfrm>
+            <a:off x="3054960" y="4154040"/>
+            <a:ext cx="1942920" cy="364680"/>
+          </a:xfrm>
+          <a:prstGeom prst="rect">
+            <a:avLst/>
+          </a:prstGeom>
+          <a:noFill/>
+          <a:ln>
+            <a:noFill/>
+          </a:ln>
+        </p:spPr>
+        <p:style>
+          <a:lnRef idx="0">
+            <a:scrgbClr r="0" g="0" b="0"/>
+          </a:lnRef>
+          <a:fillRef idx="0">
+            <a:scrgbClr r="0" g="0" b="0"/>
+          </a:fillRef>
+          <a:effectRef idx="0">
+            <a:scrgbClr r="0" g="0" b="0"/>
+          </a:effectRef>
+          <a:fontRef idx="minor"/>
+        </p:style>
+        <p:txBody>
+          <a:bodyPr wrap="none" lIns="90000" tIns="45000" rIns="90000" bIns="45000">
+            <a:spAutoFit/>
+          </a:bodyPr>
+          <a:lstStyle/>
+          <a:p>
+            <a:pPr>
+              <a:lnSpc>
+                <a:spcPct val="100000"/>
+              </a:lnSpc>
+            </a:pPr>
+            <a:r>
+              <a:rPr lang="es-ES" sz="1800" b="0" strike="noStrike" spc="-1">
+                <a:solidFill>
+                  <a:srgbClr val="FFFFFF"/>
+                </a:solidFill>
+                <a:latin typeface="Arial"/>
+              </a:rPr>
+              <a:t>rmmod hello-1.ko</a:t>
+            </a:r>
+            <a:endParaRPr lang="es-ES" sz="1800" b="0" strike="noStrike" spc="-1">
+              <a:latin typeface="Arial"/>
+            </a:endParaRPr>
+          </a:p>
+        </p:txBody>
+      </p:sp>
+      <p:sp>
+        <p:nvSpPr>
+          <p:cNvPr id="115" name="CustomShape 8"/>
+          <p:cNvSpPr/>
+          <p:nvPr/>
+        </p:nvSpPr>
+        <p:spPr>
+          <a:xfrm>
+            <a:off x="3072960" y="4631040"/>
+            <a:ext cx="2159280" cy="364680"/>
+          </a:xfrm>
+          <a:prstGeom prst="rect">
+            <a:avLst/>
+          </a:prstGeom>
+          <a:noFill/>
+          <a:ln>
+            <a:noFill/>
+          </a:ln>
+        </p:spPr>
+        <p:style>
+          <a:lnRef idx="0">
+            <a:scrgbClr r="0" g="0" b="0"/>
+          </a:lnRef>
+          <a:fillRef idx="0">
+            <a:scrgbClr r="0" g="0" b="0"/>
+          </a:fillRef>
+          <a:effectRef idx="0">
+            <a:scrgbClr r="0" g="0" b="0"/>
+          </a:effectRef>
+          <a:fontRef idx="minor"/>
+        </p:style>
+        <p:txBody>
+          <a:bodyPr wrap="none" lIns="90000" tIns="45000" rIns="90000" bIns="45000">
+            <a:spAutoFit/>
+          </a:bodyPr>
+          <a:lstStyle/>
+          <a:p>
+            <a:pPr>
+              <a:lnSpc>
+                <a:spcPct val="100000"/>
+              </a:lnSpc>
+            </a:pPr>
+            <a:r>
+              <a:rPr lang="es-ES" sz="1800" b="0" strike="noStrike" spc="-1">
+                <a:solidFill>
+                  <a:srgbClr val="FFFFFF"/>
+                </a:solidFill>
+                <a:latin typeface="Arial"/>
+              </a:rPr>
+              <a:t>tail /var/log/kern.log</a:t>
+            </a:r>
+            <a:endParaRPr lang="es-ES" sz="1800" b="0" strike="noStrike" spc="-1">
+              <a:latin typeface="Arial"/>
+            </a:endParaRPr>
+          </a:p>
+        </p:txBody>
+      </p:sp>
+      <p:sp>
+        <p:nvSpPr>
+          <p:cNvPr id="116" name="CustomShape 9"/>
+          <p:cNvSpPr/>
+          <p:nvPr/>
+        </p:nvSpPr>
+        <p:spPr>
+          <a:xfrm>
+            <a:off x="2237040" y="1488240"/>
+            <a:ext cx="2841840" cy="364680"/>
+          </a:xfrm>
+          <a:prstGeom prst="rect">
+            <a:avLst/>
+          </a:prstGeom>
+          <a:noFill/>
+          <a:ln>
+            <a:noFill/>
+          </a:ln>
+        </p:spPr>
+        <p:style>
+          <a:lnRef idx="0">
+            <a:scrgbClr r="0" g="0" b="0"/>
+          </a:lnRef>
+          <a:fillRef idx="0">
+            <a:scrgbClr r="0" g="0" b="0"/>
+          </a:fillRef>
+          <a:effectRef idx="0">
+            <a:scrgbClr r="0" g="0" b="0"/>
+          </a:effectRef>
+          <a:fontRef idx="minor"/>
+        </p:style>
+        <p:txBody>
+          <a:bodyPr wrap="none" lIns="90000" tIns="45000" rIns="90000" bIns="45000">
+            <a:spAutoFit/>
+          </a:bodyPr>
+          <a:lstStyle/>
+          <a:p>
+            <a:pPr>
+              <a:lnSpc>
+                <a:spcPct val="100000"/>
+              </a:lnSpc>
+            </a:pPr>
+            <a:r>
+              <a:rPr lang="es-ES" sz="1800" b="0" strike="noStrike" spc="-1">
+                <a:solidFill>
+                  <a:srgbClr val="FFFFFF"/>
+                </a:solidFill>
+                <a:latin typeface="Arial"/>
+              </a:rPr>
+              <a:t>Ejecución y comprobación</a:t>
+            </a:r>
+            <a:endParaRPr lang="es-ES" sz="1800" b="0" strike="noStrike" spc="-1">
               <a:latin typeface="Arial"/>
             </a:endParaRPr>
           </a:p>
@@ -13555,7 +14041,7 @@
         <p:circle/>
       </p:transition>
     </mc:Choice>
-    <mc:Fallback xmlns:p15="http://schemas.microsoft.com/office/powerpoint/2012/main" xmlns="">
+    <mc:Fallback xmlns="" xmlns:p15="http://schemas.microsoft.com/office/powerpoint/2012/main">
       <p:transition spd="med">
         <p:circle/>
       </p:transition>
@@ -13583,7 +14069,7 @@
       </p:grpSpPr>
       <p:sp>
         <p:nvSpPr>
-          <p:cNvPr id="123" name="TextShape 1"/>
+          <p:cNvPr id="117" name="TextShape 1"/>
           <p:cNvSpPr txBox="1"/>
           <p:nvPr/>
         </p:nvSpPr>
@@ -13625,7 +14111,7 @@
       </p:sp>
       <p:sp>
         <p:nvSpPr>
-          <p:cNvPr id="124" name="CustomShape 2"/>
+          <p:cNvPr id="118" name="CustomShape 2"/>
           <p:cNvSpPr/>
           <p:nvPr/>
         </p:nvSpPr>
@@ -13671,7 +14157,7 @@
       </p:sp>
       <p:pic>
         <p:nvPicPr>
-          <p:cNvPr id="125" name="Picture 5" descr="Linking Project tasks"/>
+          <p:cNvPr id="119" name="Picture 5" descr="Linking Project tasks"/>
           <p:cNvPicPr/>
           <p:nvPr/>
         </p:nvPicPr>
@@ -13694,7 +14180,7 @@
       </p:pic>
       <p:pic>
         <p:nvPicPr>
-          <p:cNvPr id="126" name="Picture 2"/>
+          <p:cNvPr id="120" name="Picture 2"/>
           <p:cNvPicPr/>
           <p:nvPr/>
         </p:nvPicPr>
@@ -13717,14 +14203,14 @@
       </p:pic>
       <p:sp>
         <p:nvSpPr>
-          <p:cNvPr id="127" name="CustomShape 3"/>
+          <p:cNvPr id="121" name="CustomShape 3"/>
           <p:cNvSpPr/>
           <p:nvPr/>
         </p:nvSpPr>
         <p:spPr>
           <a:xfrm>
-            <a:off x="2286000" y="2268360"/>
-            <a:ext cx="5579280" cy="913320"/>
+            <a:off x="1395360" y="1332000"/>
+            <a:ext cx="7647840" cy="3984120"/>
           </a:xfrm>
           <a:prstGeom prst="rect">
             <a:avLst/>
@@ -13757,31 +14243,233 @@
                 <a:spcPct val="100000"/>
               </a:lnSpc>
             </a:pPr>
-            <a:r>
-              <a:rPr lang="es-ES" sz="1800" b="0" strike="noStrike" spc="-1">
-                <a:solidFill>
-                  <a:srgbClr val="FFFFFF"/>
-                </a:solidFill>
-                <a:latin typeface="Arial"/>
-              </a:rPr>
-              <a:t>Sistema virtual de ficheros que el kernel mantiene en memoria ofreciendo una muestra del estado del Sistema. </a:t>
-            </a:r>
             <a:endParaRPr lang="es-ES" sz="1800" b="0" strike="noStrike" spc="-1">
               <a:latin typeface="Arial"/>
             </a:endParaRPr>
           </a:p>
-        </p:txBody>
-      </p:sp>
-      <p:sp>
-        <p:nvSpPr>
-          <p:cNvPr id="128" name="CustomShape 4"/>
+          <a:p>
+            <a:pPr>
+              <a:lnSpc>
+                <a:spcPct val="100000"/>
+              </a:lnSpc>
+            </a:pPr>
+            <a:r>
+              <a:rPr lang="es-ES" sz="1600" b="0" strike="noStrike" spc="-1">
+                <a:solidFill>
+                  <a:srgbClr val="FFFFFF"/>
+                </a:solidFill>
+                <a:latin typeface="Arial"/>
+              </a:rPr>
+              <a:t>Similar a printf con niveles de prioridad.</a:t>
+            </a:r>
+            <a:endParaRPr lang="es-ES" sz="1600" b="0" strike="noStrike" spc="-1">
+              <a:latin typeface="Arial"/>
+            </a:endParaRPr>
+          </a:p>
+          <a:p>
+            <a:pPr>
+              <a:lnSpc>
+                <a:spcPct val="100000"/>
+              </a:lnSpc>
+            </a:pPr>
+            <a:endParaRPr lang="es-ES" sz="1600" b="0" strike="noStrike" spc="-1">
+              <a:latin typeface="Arial"/>
+            </a:endParaRPr>
+          </a:p>
+          <a:p>
+            <a:pPr>
+              <a:lnSpc>
+                <a:spcPct val="100000"/>
+              </a:lnSpc>
+            </a:pPr>
+            <a:r>
+              <a:rPr lang="es-ES" sz="1600" b="0" strike="noStrike" spc="-1">
+                <a:solidFill>
+                  <a:srgbClr val="FFFFFF"/>
+                </a:solidFill>
+                <a:latin typeface="Arial"/>
+              </a:rPr>
+              <a:t>En linux/kern_levels.h podemos ver los niveles de prioridad. </a:t>
+            </a:r>
+            <a:endParaRPr lang="es-ES" sz="1600" b="0" strike="noStrike" spc="-1">
+              <a:latin typeface="Arial"/>
+            </a:endParaRPr>
+          </a:p>
+          <a:p>
+            <a:pPr>
+              <a:lnSpc>
+                <a:spcPct val="100000"/>
+              </a:lnSpc>
+            </a:pPr>
+            <a:r>
+              <a:rPr lang="es-ES" sz="1600" b="0" strike="noStrike" spc="-1">
+                <a:solidFill>
+                  <a:srgbClr val="FFFFFF"/>
+                </a:solidFill>
+                <a:latin typeface="Arial"/>
+              </a:rPr>
+              <a:t>Si no se especifica se utiliza el nivel por defecto.</a:t>
+            </a:r>
+            <a:endParaRPr lang="es-ES" sz="1600" b="0" strike="noStrike" spc="-1">
+              <a:latin typeface="Arial"/>
+            </a:endParaRPr>
+          </a:p>
+          <a:p>
+            <a:pPr>
+              <a:lnSpc>
+                <a:spcPct val="100000"/>
+              </a:lnSpc>
+            </a:pPr>
+            <a:endParaRPr lang="es-ES" sz="1600" b="0" strike="noStrike" spc="-1">
+              <a:latin typeface="Arial"/>
+            </a:endParaRPr>
+          </a:p>
+          <a:p>
+            <a:pPr>
+              <a:lnSpc>
+                <a:spcPct val="100000"/>
+              </a:lnSpc>
+            </a:pPr>
+            <a:r>
+              <a:rPr lang="es-ES" sz="1600" b="0" strike="noStrike" spc="-1">
+                <a:solidFill>
+                  <a:srgbClr val="FFFFFF"/>
+                </a:solidFill>
+                <a:latin typeface="Arial"/>
+              </a:rPr>
+              <a:t>Mostrar lowlevel cat /proc/sys/kernel/printk o sysctl kernel.printk</a:t>
+            </a:r>
+            <a:endParaRPr lang="es-ES" sz="1600" b="0" strike="noStrike" spc="-1">
+              <a:latin typeface="Arial"/>
+            </a:endParaRPr>
+          </a:p>
+          <a:p>
+            <a:pPr>
+              <a:lnSpc>
+                <a:spcPct val="100000"/>
+              </a:lnSpc>
+            </a:pPr>
+            <a:endParaRPr lang="es-ES" sz="1600" b="0" strike="noStrike" spc="-1">
+              <a:latin typeface="Arial"/>
+            </a:endParaRPr>
+          </a:p>
+          <a:p>
+            <a:pPr>
+              <a:lnSpc>
+                <a:spcPct val="100000"/>
+              </a:lnSpc>
+            </a:pPr>
+            <a:r>
+              <a:rPr lang="es-ES" sz="1600" b="0" strike="noStrike" spc="-1">
+                <a:solidFill>
+                  <a:srgbClr val="FFFFFF"/>
+                </a:solidFill>
+                <a:latin typeface="Arial"/>
+              </a:rPr>
+              <a:t>console_loglevel: Nivel de log actual. Todos los mensajes con prioridad mayor serán mostrados en la consola.</a:t>
+            </a:r>
+            <a:endParaRPr lang="es-ES" sz="1600" b="0" strike="noStrike" spc="-1">
+              <a:latin typeface="Arial"/>
+            </a:endParaRPr>
+          </a:p>
+          <a:p>
+            <a:pPr>
+              <a:lnSpc>
+                <a:spcPct val="100000"/>
+              </a:lnSpc>
+            </a:pPr>
+            <a:r>
+              <a:rPr lang="es-ES" sz="1600" b="0" strike="noStrike" spc="-1">
+                <a:solidFill>
+                  <a:srgbClr val="FFFFFF"/>
+                </a:solidFill>
+                <a:latin typeface="Arial"/>
+              </a:rPr>
+              <a:t>default_message_loglevel</a:t>
+            </a:r>
+            <a:endParaRPr lang="es-ES" sz="1600" b="0" strike="noStrike" spc="-1">
+              <a:latin typeface="Arial"/>
+            </a:endParaRPr>
+          </a:p>
+          <a:p>
+            <a:pPr>
+              <a:lnSpc>
+                <a:spcPct val="100000"/>
+              </a:lnSpc>
+            </a:pPr>
+            <a:r>
+              <a:rPr lang="es-ES" sz="1600" b="0" strike="noStrike" spc="-1">
+                <a:solidFill>
+                  <a:srgbClr val="FFFFFF"/>
+                </a:solidFill>
+                <a:latin typeface="Arial"/>
+              </a:rPr>
+              <a:t>minimum_console_loglevel</a:t>
+            </a:r>
+            <a:endParaRPr lang="es-ES" sz="1600" b="0" strike="noStrike" spc="-1">
+              <a:latin typeface="Arial"/>
+            </a:endParaRPr>
+          </a:p>
+          <a:p>
+            <a:pPr>
+              <a:lnSpc>
+                <a:spcPct val="100000"/>
+              </a:lnSpc>
+            </a:pPr>
+            <a:r>
+              <a:rPr lang="es-ES" sz="1600" b="0" strike="noStrike" spc="-1">
+                <a:solidFill>
+                  <a:srgbClr val="FFFFFF"/>
+                </a:solidFill>
+                <a:latin typeface="Arial"/>
+              </a:rPr>
+              <a:t>default_console_loglevel: En el arranque.</a:t>
+            </a:r>
+            <a:endParaRPr lang="es-ES" sz="1600" b="0" strike="noStrike" spc="-1">
+              <a:latin typeface="Arial"/>
+            </a:endParaRPr>
+          </a:p>
+          <a:p>
+            <a:pPr>
+              <a:lnSpc>
+                <a:spcPct val="100000"/>
+              </a:lnSpc>
+            </a:pPr>
+            <a:endParaRPr lang="es-ES" sz="1600" b="0" strike="noStrike" spc="-1">
+              <a:latin typeface="Arial"/>
+            </a:endParaRPr>
+          </a:p>
+          <a:p>
+            <a:pPr>
+              <a:lnSpc>
+                <a:spcPct val="100000"/>
+              </a:lnSpc>
+            </a:pPr>
+            <a:r>
+              <a:rPr lang="es-ES" sz="1600" b="0" strike="noStrike" spc="-1">
+                <a:solidFill>
+                  <a:srgbClr val="FFFFFF"/>
+                </a:solidFill>
+                <a:latin typeface="Arial"/>
+              </a:rPr>
+              <a:t>Si están corriendo los procesos syslogd y klogd el mensaje será también enviado a /var/log/messages además de /var/log/kern.log.</a:t>
+            </a:r>
+            <a:endParaRPr lang="es-ES" sz="1600" b="0" strike="noStrike" spc="-1">
+              <a:latin typeface="Arial"/>
+            </a:endParaRPr>
+          </a:p>
+        </p:txBody>
+      </p:sp>
+      <p:sp>
+        <p:nvSpPr>
+          <p:cNvPr id="122" name="CustomShape 4"/>
           <p:cNvSpPr/>
           <p:nvPr/>
         </p:nvSpPr>
         <p:spPr>
           <a:xfrm>
-            <a:off x="3815640" y="1224720"/>
-            <a:ext cx="1072800" cy="516960"/>
+            <a:off x="3349800" y="776520"/>
+            <a:ext cx="1215720" cy="456120"/>
           </a:xfrm>
           <a:prstGeom prst="rect">
             <a:avLst/>
@@ -13815,15 +14503,15 @@
               </a:lnSpc>
             </a:pPr>
             <a:r>
-              <a:rPr lang="es-ES" sz="2800" b="0" strike="noStrike" spc="-1">
-                <a:solidFill>
-                  <a:srgbClr val="FFFFFF"/>
-                </a:solidFill>
-                <a:latin typeface="Arial"/>
-              </a:rPr>
-              <a:t>/proc </a:t>
-            </a:r>
-            <a:endParaRPr lang="es-ES" sz="2800" b="0" strike="noStrike" spc="-1">
+              <a:rPr lang="es-ES" sz="2400" b="0" strike="noStrike" spc="-1">
+                <a:solidFill>
+                  <a:srgbClr val="FFFFFF"/>
+                </a:solidFill>
+                <a:latin typeface="Arial"/>
+              </a:rPr>
+              <a:t>printk() </a:t>
+            </a:r>
+            <a:endParaRPr lang="es-ES" sz="2400" b="0" strike="noStrike" spc="-1">
               <a:latin typeface="Arial"/>
             </a:endParaRPr>
           </a:p>
@@ -13840,7 +14528,7 @@
         <p:circle/>
       </p:transition>
     </mc:Choice>
-    <mc:Fallback xmlns:p15="http://schemas.microsoft.com/office/powerpoint/2012/main" xmlns="">
+    <mc:Fallback xmlns="" xmlns:p15="http://schemas.microsoft.com/office/powerpoint/2012/main">
       <p:transition spd="med">
         <p:circle/>
       </p:transition>
@@ -13868,7 +14556,7 @@
       </p:grpSpPr>
       <p:sp>
         <p:nvSpPr>
-          <p:cNvPr id="129" name="TextShape 1"/>
+          <p:cNvPr id="123" name="TextShape 1"/>
           <p:cNvSpPr txBox="1"/>
           <p:nvPr/>
         </p:nvSpPr>
@@ -13910,7 +14598,7 @@
       </p:sp>
       <p:sp>
         <p:nvSpPr>
-          <p:cNvPr id="130" name="CustomShape 2"/>
+          <p:cNvPr id="124" name="CustomShape 2"/>
           <p:cNvSpPr/>
           <p:nvPr/>
         </p:nvSpPr>
@@ -13956,7 +14644,7 @@
       </p:sp>
       <p:pic>
         <p:nvPicPr>
-          <p:cNvPr id="131" name="Picture 5" descr="Linking Project tasks"/>
+          <p:cNvPr id="125" name="Picture 5" descr="Linking Project tasks"/>
           <p:cNvPicPr/>
           <p:nvPr/>
         </p:nvPicPr>
@@ -13979,7 +14667,7 @@
       </p:pic>
       <p:pic>
         <p:nvPicPr>
-          <p:cNvPr id="132" name="Picture 2"/>
+          <p:cNvPr id="126" name="Picture 2"/>
           <p:cNvPicPr/>
           <p:nvPr/>
         </p:nvPicPr>
@@ -14002,14 +14690,14 @@
       </p:pic>
       <p:sp>
         <p:nvSpPr>
-          <p:cNvPr id="133" name="CustomShape 3"/>
+          <p:cNvPr id="127" name="CustomShape 3"/>
           <p:cNvSpPr/>
           <p:nvPr/>
         </p:nvSpPr>
         <p:spPr>
           <a:xfrm>
-            <a:off x="2992680" y="1838520"/>
-            <a:ext cx="3509640" cy="639000"/>
+            <a:off x="2286000" y="2268360"/>
+            <a:ext cx="5579280" cy="913320"/>
           </a:xfrm>
           <a:prstGeom prst="rect">
             <a:avLst/>
@@ -14032,7 +14720,7 @@
           <a:fontRef idx="minor"/>
         </p:style>
         <p:txBody>
-          <a:bodyPr wrap="none" lIns="90000" tIns="45000" rIns="90000" bIns="45000">
+          <a:bodyPr lIns="90000" tIns="45000" rIns="90000" bIns="45000">
             <a:spAutoFit/>
           </a:bodyPr>
           <a:lstStyle/>
@@ -14049,43 +14737,24 @@
                 </a:solidFill>
                 <a:latin typeface="Arial"/>
               </a:rPr>
-              <a:t>echo "3" &gt; /proc/sys/kernel/printk</a:t>
+              <a:t>Sistema virtual de ficheros que el kernel mantiene en memoria ofreciendo una muestra del estado del Sistema. </a:t>
             </a:r>
             <a:endParaRPr lang="es-ES" sz="1800" b="0" strike="noStrike" spc="-1">
               <a:latin typeface="Arial"/>
             </a:endParaRPr>
           </a:p>
-          <a:p>
-            <a:pPr>
-              <a:lnSpc>
-                <a:spcPct val="100000"/>
-              </a:lnSpc>
-            </a:pPr>
-            <a:r>
-              <a:rPr lang="es-ES" sz="1800" b="0" strike="noStrike" spc="-1">
-                <a:solidFill>
-                  <a:srgbClr val="FFFFFF"/>
-                </a:solidFill>
-                <a:latin typeface="Arial"/>
-              </a:rPr>
-              <a:t>sysctl -w kernel.printk=3</a:t>
-            </a:r>
-            <a:endParaRPr lang="es-ES" sz="1800" b="0" strike="noStrike" spc="-1">
-              <a:latin typeface="Arial"/>
-            </a:endParaRPr>
-          </a:p>
-        </p:txBody>
-      </p:sp>
-      <p:sp>
-        <p:nvSpPr>
-          <p:cNvPr id="134" name="CustomShape 4"/>
+        </p:txBody>
+      </p:sp>
+      <p:sp>
+        <p:nvSpPr>
+          <p:cNvPr id="128" name="CustomShape 4"/>
           <p:cNvSpPr/>
           <p:nvPr/>
         </p:nvSpPr>
         <p:spPr>
           <a:xfrm>
-            <a:off x="1739160" y="971280"/>
-            <a:ext cx="4222800" cy="364680"/>
+            <a:off x="3815640" y="1224720"/>
+            <a:ext cx="1072800" cy="516960"/>
           </a:xfrm>
           <a:prstGeom prst="rect">
             <a:avLst/>
@@ -14119,584 +14788,15 @@
               </a:lnSpc>
             </a:pPr>
             <a:r>
-              <a:rPr lang="es-ES" sz="1800" b="0" strike="noStrike" spc="-1">
-                <a:solidFill>
-                  <a:srgbClr val="FFFFFF"/>
-                </a:solidFill>
-                <a:latin typeface="Arial"/>
-              </a:rPr>
-              <a:t>Cambiar el loglevel de manera temporal</a:t>
-            </a:r>
-            <a:endParaRPr lang="es-ES" sz="1800" b="0" strike="noStrike" spc="-1">
-              <a:latin typeface="Arial"/>
-            </a:endParaRPr>
-          </a:p>
-        </p:txBody>
-      </p:sp>
-      <p:sp>
-        <p:nvSpPr>
-          <p:cNvPr id="135" name="CustomShape 5"/>
-          <p:cNvSpPr/>
-          <p:nvPr/>
-        </p:nvSpPr>
-        <p:spPr>
-          <a:xfrm>
-            <a:off x="1739520" y="2650680"/>
-            <a:ext cx="4235040" cy="364680"/>
-          </a:xfrm>
-          <a:prstGeom prst="rect">
-            <a:avLst/>
-          </a:prstGeom>
-          <a:noFill/>
-          <a:ln>
-            <a:noFill/>
-          </a:ln>
-        </p:spPr>
-        <p:style>
-          <a:lnRef idx="0">
-            <a:scrgbClr r="0" g="0" b="0"/>
-          </a:lnRef>
-          <a:fillRef idx="0">
-            <a:scrgbClr r="0" g="0" b="0"/>
-          </a:fillRef>
-          <a:effectRef idx="0">
-            <a:scrgbClr r="0" g="0" b="0"/>
-          </a:effectRef>
-          <a:fontRef idx="minor"/>
-        </p:style>
-        <p:txBody>
-          <a:bodyPr wrap="none" lIns="90000" tIns="45000" rIns="90000" bIns="45000">
-            <a:spAutoFit/>
-          </a:bodyPr>
-          <a:lstStyle/>
-          <a:p>
-            <a:pPr>
-              <a:lnSpc>
-                <a:spcPct val="100000"/>
-              </a:lnSpc>
-            </a:pPr>
-            <a:r>
-              <a:rPr lang="es-ES" sz="1800" b="0" strike="noStrike" spc="-1">
-                <a:solidFill>
-                  <a:srgbClr val="FFFFFF"/>
-                </a:solidFill>
-                <a:latin typeface="Arial"/>
-              </a:rPr>
-              <a:t>Cambiar el loglevel de manera definitiva</a:t>
-            </a:r>
-            <a:endParaRPr lang="es-ES" sz="1800" b="0" strike="noStrike" spc="-1">
-              <a:latin typeface="Arial"/>
-            </a:endParaRPr>
-          </a:p>
-        </p:txBody>
-      </p:sp>
-      <p:sp>
-        <p:nvSpPr>
-          <p:cNvPr id="136" name="CustomShape 6"/>
-          <p:cNvSpPr/>
-          <p:nvPr/>
-        </p:nvSpPr>
-        <p:spPr>
-          <a:xfrm>
-            <a:off x="2335680" y="3111120"/>
-            <a:ext cx="4099320" cy="364680"/>
-          </a:xfrm>
-          <a:prstGeom prst="rect">
-            <a:avLst/>
-          </a:prstGeom>
-          <a:noFill/>
-          <a:ln>
-            <a:noFill/>
-          </a:ln>
-        </p:spPr>
-        <p:style>
-          <a:lnRef idx="0">
-            <a:scrgbClr r="0" g="0" b="0"/>
-          </a:lnRef>
-          <a:fillRef idx="0">
-            <a:scrgbClr r="0" g="0" b="0"/>
-          </a:fillRef>
-          <a:effectRef idx="0">
-            <a:scrgbClr r="0" g="0" b="0"/>
-          </a:effectRef>
-          <a:fontRef idx="minor"/>
-        </p:style>
-        <p:txBody>
-          <a:bodyPr wrap="none" lIns="90000" tIns="45000" rIns="90000" bIns="45000">
-            <a:spAutoFit/>
-          </a:bodyPr>
-          <a:lstStyle/>
-          <a:p>
-            <a:pPr>
-              <a:lnSpc>
-                <a:spcPct val="100000"/>
-              </a:lnSpc>
-            </a:pPr>
-            <a:r>
-              <a:rPr lang="es-ES" sz="1800" b="0" strike="noStrike" spc="-1">
-                <a:solidFill>
-                  <a:srgbClr val="FFFFFF"/>
-                </a:solidFill>
-                <a:latin typeface="Arial"/>
-              </a:rPr>
-              <a:t>Modificando el fichero /etc/default/grub</a:t>
-            </a:r>
-            <a:endParaRPr lang="es-ES" sz="1800" b="0" strike="noStrike" spc="-1">
-              <a:latin typeface="Arial"/>
-            </a:endParaRPr>
-          </a:p>
-        </p:txBody>
-      </p:sp>
-      <p:sp>
-        <p:nvSpPr>
-          <p:cNvPr id="137" name="CustomShape 7"/>
-          <p:cNvSpPr/>
-          <p:nvPr/>
-        </p:nvSpPr>
-        <p:spPr>
-          <a:xfrm>
-            <a:off x="2450520" y="1440360"/>
-            <a:ext cx="4682880" cy="364680"/>
-          </a:xfrm>
-          <a:prstGeom prst="rect">
-            <a:avLst/>
-          </a:prstGeom>
-          <a:noFill/>
-          <a:ln>
-            <a:noFill/>
-          </a:ln>
-        </p:spPr>
-        <p:style>
-          <a:lnRef idx="0">
-            <a:scrgbClr r="0" g="0" b="0"/>
-          </a:lnRef>
-          <a:fillRef idx="0">
-            <a:scrgbClr r="0" g="0" b="0"/>
-          </a:fillRef>
-          <a:effectRef idx="0">
-            <a:scrgbClr r="0" g="0" b="0"/>
-          </a:effectRef>
-          <a:fontRef idx="minor"/>
-        </p:style>
-        <p:txBody>
-          <a:bodyPr wrap="none" lIns="90000" tIns="45000" rIns="90000" bIns="45000">
-            <a:spAutoFit/>
-          </a:bodyPr>
-          <a:lstStyle/>
-          <a:p>
-            <a:pPr>
-              <a:lnSpc>
-                <a:spcPct val="100000"/>
-              </a:lnSpc>
-            </a:pPr>
-            <a:r>
-              <a:rPr lang="es-ES" sz="1800" b="0" strike="noStrike" spc="-1">
-                <a:solidFill>
-                  <a:srgbClr val="FFFFFF"/>
-                </a:solidFill>
-                <a:latin typeface="Arial"/>
-              </a:rPr>
-              <a:t>Modificando el fichero /proc/sys/kernel/printk</a:t>
-            </a:r>
-            <a:endParaRPr lang="es-ES" sz="1800" b="0" strike="noStrike" spc="-1">
-              <a:latin typeface="Arial"/>
-            </a:endParaRPr>
-          </a:p>
-        </p:txBody>
-      </p:sp>
-      <p:sp>
-        <p:nvSpPr>
-          <p:cNvPr id="138" name="CustomShape 8"/>
-          <p:cNvSpPr/>
-          <p:nvPr/>
-        </p:nvSpPr>
-        <p:spPr>
-          <a:xfrm>
-            <a:off x="1675080" y="3513240"/>
-            <a:ext cx="7164000" cy="1550520"/>
-          </a:xfrm>
-          <a:prstGeom prst="rect">
-            <a:avLst/>
-          </a:prstGeom>
-          <a:noFill/>
-          <a:ln>
-            <a:noFill/>
-          </a:ln>
-        </p:spPr>
-        <p:style>
-          <a:lnRef idx="0">
-            <a:scrgbClr r="0" g="0" b="0"/>
-          </a:lnRef>
-          <a:fillRef idx="0">
-            <a:scrgbClr r="0" g="0" b="0"/>
-          </a:fillRef>
-          <a:effectRef idx="0">
-            <a:scrgbClr r="0" g="0" b="0"/>
-          </a:effectRef>
-          <a:fontRef idx="minor"/>
-        </p:style>
-        <p:txBody>
-          <a:bodyPr lIns="90000" tIns="45000" rIns="90000" bIns="45000">
-            <a:spAutoFit/>
-          </a:bodyPr>
-          <a:lstStyle/>
-          <a:p>
-            <a:pPr>
-              <a:lnSpc>
-                <a:spcPct val="100000"/>
-              </a:lnSpc>
-            </a:pPr>
-            <a:r>
-              <a:rPr lang="es-ES" sz="1600" b="0" strike="noStrike" spc="-1">
-                <a:solidFill>
-                  <a:srgbClr val="FFFFFF"/>
-                </a:solidFill>
-                <a:latin typeface="Arial"/>
-              </a:rPr>
-              <a:t>GRUB_DEFAULT=0</a:t>
-            </a:r>
-            <a:endParaRPr lang="es-ES" sz="1600" b="0" strike="noStrike" spc="-1">
-              <a:latin typeface="Arial"/>
-            </a:endParaRPr>
-          </a:p>
-          <a:p>
-            <a:pPr>
-              <a:lnSpc>
-                <a:spcPct val="100000"/>
-              </a:lnSpc>
-            </a:pPr>
-            <a:r>
-              <a:rPr lang="es-ES" sz="1600" b="0" strike="noStrike" spc="-1">
-                <a:solidFill>
-                  <a:srgbClr val="FFFFFF"/>
-                </a:solidFill>
-                <a:latin typeface="Arial"/>
-              </a:rPr>
-              <a:t>GRUB_TIMEOUT_STYLE=hidden</a:t>
-            </a:r>
-            <a:endParaRPr lang="es-ES" sz="1600" b="0" strike="noStrike" spc="-1">
-              <a:latin typeface="Arial"/>
-            </a:endParaRPr>
-          </a:p>
-          <a:p>
-            <a:pPr>
-              <a:lnSpc>
-                <a:spcPct val="100000"/>
-              </a:lnSpc>
-            </a:pPr>
-            <a:r>
-              <a:rPr lang="es-ES" sz="1600" b="0" strike="noStrike" spc="-1">
-                <a:solidFill>
-                  <a:srgbClr val="FFFFFF"/>
-                </a:solidFill>
-                <a:latin typeface="Arial"/>
-              </a:rPr>
-              <a:t>GRUB_TIMEOUT=0</a:t>
-            </a:r>
-            <a:endParaRPr lang="es-ES" sz="1600" b="0" strike="noStrike" spc="-1">
-              <a:latin typeface="Arial"/>
-            </a:endParaRPr>
-          </a:p>
-          <a:p>
-            <a:pPr>
-              <a:lnSpc>
-                <a:spcPct val="100000"/>
-              </a:lnSpc>
-            </a:pPr>
-            <a:r>
-              <a:rPr lang="es-ES" sz="1600" b="0" strike="noStrike" spc="-1">
-                <a:solidFill>
-                  <a:srgbClr val="FFFFFF"/>
-                </a:solidFill>
-                <a:latin typeface="Arial"/>
-              </a:rPr>
-              <a:t>GRUB_DISTRIBUTOR=`lsb_release -i -s 2&gt; /dev/null || echo Debian`</a:t>
-            </a:r>
-            <a:endParaRPr lang="es-ES" sz="1600" b="0" strike="noStrike" spc="-1">
-              <a:latin typeface="Arial"/>
-            </a:endParaRPr>
-          </a:p>
-          <a:p>
-            <a:pPr>
-              <a:lnSpc>
-                <a:spcPct val="100000"/>
-              </a:lnSpc>
-            </a:pPr>
-            <a:r>
-              <a:rPr lang="es-ES" sz="1600" b="0" strike="noStrike" spc="-1">
-                <a:solidFill>
-                  <a:srgbClr val="FFFFFF"/>
-                </a:solidFill>
-                <a:latin typeface="Arial"/>
-              </a:rPr>
-              <a:t>GRUB_CMDLINE_LINUX_DEFAULT="maybe-ubiquity"</a:t>
-            </a:r>
-            <a:endParaRPr lang="es-ES" sz="1600" b="0" strike="noStrike" spc="-1">
-              <a:latin typeface="Arial"/>
-            </a:endParaRPr>
-          </a:p>
-          <a:p>
-            <a:pPr>
-              <a:lnSpc>
-                <a:spcPct val="100000"/>
-              </a:lnSpc>
-            </a:pPr>
-            <a:r>
-              <a:rPr lang="es-ES" sz="1600" b="0" strike="noStrike" spc="-1">
-                <a:solidFill>
-                  <a:srgbClr val="FFFFFF"/>
-                </a:solidFill>
-                <a:latin typeface="Arial"/>
-              </a:rPr>
-              <a:t>GRUB_CMDLINE_LINUX="loglevel=3"</a:t>
-            </a:r>
-            <a:endParaRPr lang="es-ES" sz="1600" b="0" strike="noStrike" spc="-1">
-              <a:latin typeface="Arial"/>
-            </a:endParaRPr>
-          </a:p>
-        </p:txBody>
-      </p:sp>
-      <p:sp>
-        <p:nvSpPr>
-          <p:cNvPr id="139" name="CustomShape 9"/>
-          <p:cNvSpPr/>
-          <p:nvPr/>
-        </p:nvSpPr>
-        <p:spPr>
-          <a:xfrm>
-            <a:off x="1693800" y="5223240"/>
-            <a:ext cx="3134520" cy="364680"/>
-          </a:xfrm>
-          <a:prstGeom prst="rect">
-            <a:avLst/>
-          </a:prstGeom>
-          <a:noFill/>
-          <a:ln>
-            <a:noFill/>
-          </a:ln>
-        </p:spPr>
-        <p:style>
-          <a:lnRef idx="0">
-            <a:scrgbClr r="0" g="0" b="0"/>
-          </a:lnRef>
-          <a:fillRef idx="0">
-            <a:scrgbClr r="0" g="0" b="0"/>
-          </a:fillRef>
-          <a:effectRef idx="0">
-            <a:scrgbClr r="0" g="0" b="0"/>
-          </a:effectRef>
-          <a:fontRef idx="minor"/>
-        </p:style>
-        <p:txBody>
-          <a:bodyPr wrap="none" lIns="90000" tIns="45000" rIns="90000" bIns="45000">
-            <a:spAutoFit/>
-          </a:bodyPr>
-          <a:lstStyle/>
-          <a:p>
-            <a:pPr>
-              <a:lnSpc>
-                <a:spcPct val="100000"/>
-              </a:lnSpc>
-            </a:pPr>
-            <a:r>
-              <a:rPr lang="es-ES" sz="1800" b="0" strike="noStrike" spc="-1">
-                <a:solidFill>
-                  <a:srgbClr val="FFFFFF"/>
-                </a:solidFill>
-                <a:latin typeface="Arial"/>
-              </a:rPr>
-              <a:t>Hacer los cambios definitivos</a:t>
-            </a:r>
-            <a:endParaRPr lang="es-ES" sz="1800" b="0" strike="noStrike" spc="-1">
-              <a:latin typeface="Arial"/>
-            </a:endParaRPr>
-          </a:p>
-        </p:txBody>
-      </p:sp>
-      <p:sp>
-        <p:nvSpPr>
-          <p:cNvPr id="140" name="CustomShape 10"/>
-          <p:cNvSpPr/>
-          <p:nvPr/>
-        </p:nvSpPr>
-        <p:spPr>
-          <a:xfrm>
-            <a:off x="2392920" y="6271560"/>
-            <a:ext cx="2395440" cy="364680"/>
-          </a:xfrm>
-          <a:prstGeom prst="rect">
-            <a:avLst/>
-          </a:prstGeom>
-          <a:noFill/>
-          <a:ln>
-            <a:noFill/>
-          </a:ln>
-        </p:spPr>
-        <p:style>
-          <a:lnRef idx="0">
-            <a:scrgbClr r="0" g="0" b="0"/>
-          </a:lnRef>
-          <a:fillRef idx="0">
-            <a:scrgbClr r="0" g="0" b="0"/>
-          </a:fillRef>
-          <a:effectRef idx="0">
-            <a:scrgbClr r="0" g="0" b="0"/>
-          </a:effectRef>
-          <a:fontRef idx="minor"/>
-        </p:style>
-        <p:txBody>
-          <a:bodyPr wrap="none" lIns="90000" tIns="45000" rIns="90000" bIns="45000">
-            <a:spAutoFit/>
-          </a:bodyPr>
-          <a:lstStyle/>
-          <a:p>
-            <a:pPr>
-              <a:lnSpc>
-                <a:spcPct val="100000"/>
-              </a:lnSpc>
-            </a:pPr>
-            <a:r>
-              <a:rPr lang="es-ES" sz="1800" b="0" strike="noStrike" spc="-1">
-                <a:solidFill>
-                  <a:srgbClr val="FFFFFF"/>
-                </a:solidFill>
-                <a:latin typeface="Arial"/>
-              </a:rPr>
-              <a:t>Debian </a:t>
-            </a:r>
-            <a:r>
-              <a:rPr lang="es-ES" sz="1800" b="0" strike="noStrike" spc="-1">
-                <a:solidFill>
-                  <a:srgbClr val="FFFFFF"/>
-                </a:solidFill>
-                <a:latin typeface="Wingdings"/>
-              </a:rPr>
-              <a:t></a:t>
-            </a:r>
-            <a:r>
-              <a:rPr lang="es-ES" sz="1800" b="0" strike="noStrike" spc="-1">
-                <a:solidFill>
-                  <a:srgbClr val="FFFFFF"/>
-                </a:solidFill>
-                <a:latin typeface="Arial"/>
-              </a:rPr>
-              <a:t> update-grub</a:t>
-            </a:r>
-            <a:endParaRPr lang="es-ES" sz="1800" b="0" strike="noStrike" spc="-1">
-              <a:latin typeface="Arial"/>
-            </a:endParaRPr>
-          </a:p>
-        </p:txBody>
-      </p:sp>
-      <p:sp>
-        <p:nvSpPr>
-          <p:cNvPr id="141" name="CustomShape 11"/>
-          <p:cNvSpPr/>
-          <p:nvPr/>
-        </p:nvSpPr>
-        <p:spPr>
-          <a:xfrm>
-            <a:off x="2343960" y="5926680"/>
-            <a:ext cx="1625760" cy="364680"/>
-          </a:xfrm>
-          <a:prstGeom prst="rect">
-            <a:avLst/>
-          </a:prstGeom>
-          <a:noFill/>
-          <a:ln>
-            <a:noFill/>
-          </a:ln>
-        </p:spPr>
-        <p:style>
-          <a:lnRef idx="0">
-            <a:scrgbClr r="0" g="0" b="0"/>
-          </a:lnRef>
-          <a:fillRef idx="0">
-            <a:scrgbClr r="0" g="0" b="0"/>
-          </a:fillRef>
-          <a:effectRef idx="0">
-            <a:scrgbClr r="0" g="0" b="0"/>
-          </a:effectRef>
-          <a:fontRef idx="minor"/>
-        </p:style>
-        <p:txBody>
-          <a:bodyPr wrap="none" lIns="90000" tIns="45000" rIns="90000" bIns="45000">
-            <a:spAutoFit/>
-          </a:bodyPr>
-          <a:lstStyle/>
-          <a:p>
-            <a:pPr>
-              <a:lnSpc>
-                <a:spcPct val="100000"/>
-              </a:lnSpc>
-            </a:pPr>
-            <a:r>
-              <a:rPr lang="es-ES" sz="1800" b="0" strike="noStrike" spc="-1">
-                <a:solidFill>
-                  <a:srgbClr val="FFFFFF"/>
-                </a:solidFill>
-                <a:latin typeface="Arial"/>
-              </a:rPr>
-              <a:t>grub-mkconfig</a:t>
-            </a:r>
-            <a:endParaRPr lang="es-ES" sz="1800" b="0" strike="noStrike" spc="-1">
-              <a:latin typeface="Arial"/>
-            </a:endParaRPr>
-          </a:p>
-        </p:txBody>
-      </p:sp>
-      <p:sp>
-        <p:nvSpPr>
-          <p:cNvPr id="142" name="CustomShape 12"/>
-          <p:cNvSpPr/>
-          <p:nvPr/>
-        </p:nvSpPr>
-        <p:spPr>
-          <a:xfrm>
-            <a:off x="2355840" y="5616000"/>
-            <a:ext cx="3872160" cy="364680"/>
-          </a:xfrm>
-          <a:prstGeom prst="rect">
-            <a:avLst/>
-          </a:prstGeom>
-          <a:noFill/>
-          <a:ln>
-            <a:noFill/>
-          </a:ln>
-        </p:spPr>
-        <p:style>
-          <a:lnRef idx="0">
-            <a:scrgbClr r="0" g="0" b="0"/>
-          </a:lnRef>
-          <a:fillRef idx="0">
-            <a:scrgbClr r="0" g="0" b="0"/>
-          </a:fillRef>
-          <a:effectRef idx="0">
-            <a:scrgbClr r="0" g="0" b="0"/>
-          </a:effectRef>
-          <a:fontRef idx="minor"/>
-        </p:style>
-        <p:txBody>
-          <a:bodyPr wrap="none" lIns="90000" tIns="45000" rIns="90000" bIns="45000">
-            <a:spAutoFit/>
-          </a:bodyPr>
-          <a:lstStyle/>
-          <a:p>
-            <a:pPr>
-              <a:lnSpc>
-                <a:spcPct val="100000"/>
-              </a:lnSpc>
-            </a:pPr>
-            <a:r>
-              <a:rPr lang="es-ES" sz="1800" b="0" strike="noStrike" spc="-1">
-                <a:solidFill>
-                  <a:srgbClr val="FFFFFF"/>
-                </a:solidFill>
-                <a:latin typeface="Arial"/>
-              </a:rPr>
-              <a:t>grub-mkconfig -o /boot/grub/grub.cfg</a:t>
-            </a:r>
-            <a:endParaRPr lang="es-ES" sz="1800" b="0" strike="noStrike" spc="-1">
+              <a:rPr lang="es-ES" sz="2800" b="0" strike="noStrike" spc="-1">
+                <a:solidFill>
+                  <a:srgbClr val="FFFFFF"/>
+                </a:solidFill>
+                <a:latin typeface="Arial"/>
+              </a:rPr>
+              <a:t>/proc </a:t>
+            </a:r>
+            <a:endParaRPr lang="es-ES" sz="2800" b="0" strike="noStrike" spc="-1">
               <a:latin typeface="Arial"/>
             </a:endParaRPr>
           </a:p>
@@ -14713,7 +14813,7 @@
         <p:circle/>
       </p:transition>
     </mc:Choice>
-    <mc:Fallback xmlns:p15="http://schemas.microsoft.com/office/powerpoint/2012/main" xmlns="">
+    <mc:Fallback xmlns="" xmlns:p15="http://schemas.microsoft.com/office/powerpoint/2012/main">
       <p:transition spd="med">
         <p:circle/>
       </p:transition>
@@ -14741,7 +14841,7 @@
       </p:grpSpPr>
       <p:sp>
         <p:nvSpPr>
-          <p:cNvPr id="143" name="TextShape 1"/>
+          <p:cNvPr id="129" name="TextShape 1"/>
           <p:cNvSpPr txBox="1"/>
           <p:nvPr/>
         </p:nvSpPr>
@@ -14783,7 +14883,7 @@
       </p:sp>
       <p:sp>
         <p:nvSpPr>
-          <p:cNvPr id="144" name="CustomShape 2"/>
+          <p:cNvPr id="130" name="CustomShape 2"/>
           <p:cNvSpPr/>
           <p:nvPr/>
         </p:nvSpPr>
@@ -14829,7 +14929,7 @@
       </p:sp>
       <p:pic>
         <p:nvPicPr>
-          <p:cNvPr id="145" name="Picture 5" descr="Linking Project tasks"/>
+          <p:cNvPr id="131" name="Picture 5" descr="Linking Project tasks"/>
           <p:cNvPicPr/>
           <p:nvPr/>
         </p:nvPicPr>
@@ -14852,7 +14952,7 @@
       </p:pic>
       <p:pic>
         <p:nvPicPr>
-          <p:cNvPr id="146" name="Picture 2"/>
+          <p:cNvPr id="132" name="Picture 2"/>
           <p:cNvPicPr/>
           <p:nvPr/>
         </p:nvPicPr>
@@ -14875,14 +14975,14 @@
       </p:pic>
       <p:sp>
         <p:nvSpPr>
-          <p:cNvPr id="147" name="CustomShape 3"/>
+          <p:cNvPr id="133" name="CustomShape 3"/>
           <p:cNvSpPr/>
           <p:nvPr/>
         </p:nvSpPr>
         <p:spPr>
           <a:xfrm>
-            <a:off x="1483920" y="1540080"/>
-            <a:ext cx="7659720" cy="4565880"/>
+            <a:off x="2992680" y="1838520"/>
+            <a:ext cx="3509640" cy="639000"/>
           </a:xfrm>
           <a:prstGeom prst="rect">
             <a:avLst/>
@@ -14905,6 +15005,310 @@
           <a:fontRef idx="minor"/>
         </p:style>
         <p:txBody>
+          <a:bodyPr wrap="none" lIns="90000" tIns="45000" rIns="90000" bIns="45000">
+            <a:spAutoFit/>
+          </a:bodyPr>
+          <a:lstStyle/>
+          <a:p>
+            <a:pPr>
+              <a:lnSpc>
+                <a:spcPct val="100000"/>
+              </a:lnSpc>
+            </a:pPr>
+            <a:r>
+              <a:rPr lang="es-ES" sz="1800" b="0" strike="noStrike" spc="-1">
+                <a:solidFill>
+                  <a:srgbClr val="FFFFFF"/>
+                </a:solidFill>
+                <a:latin typeface="Arial"/>
+              </a:rPr>
+              <a:t>echo "3" &gt; /proc/sys/kernel/printk</a:t>
+            </a:r>
+            <a:endParaRPr lang="es-ES" sz="1800" b="0" strike="noStrike" spc="-1">
+              <a:latin typeface="Arial"/>
+            </a:endParaRPr>
+          </a:p>
+          <a:p>
+            <a:pPr>
+              <a:lnSpc>
+                <a:spcPct val="100000"/>
+              </a:lnSpc>
+            </a:pPr>
+            <a:r>
+              <a:rPr lang="es-ES" sz="1800" b="0" strike="noStrike" spc="-1">
+                <a:solidFill>
+                  <a:srgbClr val="FFFFFF"/>
+                </a:solidFill>
+                <a:latin typeface="Arial"/>
+              </a:rPr>
+              <a:t>sysctl -w kernel.printk=3</a:t>
+            </a:r>
+            <a:endParaRPr lang="es-ES" sz="1800" b="0" strike="noStrike" spc="-1">
+              <a:latin typeface="Arial"/>
+            </a:endParaRPr>
+          </a:p>
+        </p:txBody>
+      </p:sp>
+      <p:sp>
+        <p:nvSpPr>
+          <p:cNvPr id="134" name="CustomShape 4"/>
+          <p:cNvSpPr/>
+          <p:nvPr/>
+        </p:nvSpPr>
+        <p:spPr>
+          <a:xfrm>
+            <a:off x="1739160" y="971280"/>
+            <a:ext cx="4222800" cy="364680"/>
+          </a:xfrm>
+          <a:prstGeom prst="rect">
+            <a:avLst/>
+          </a:prstGeom>
+          <a:noFill/>
+          <a:ln>
+            <a:noFill/>
+          </a:ln>
+        </p:spPr>
+        <p:style>
+          <a:lnRef idx="0">
+            <a:scrgbClr r="0" g="0" b="0"/>
+          </a:lnRef>
+          <a:fillRef idx="0">
+            <a:scrgbClr r="0" g="0" b="0"/>
+          </a:fillRef>
+          <a:effectRef idx="0">
+            <a:scrgbClr r="0" g="0" b="0"/>
+          </a:effectRef>
+          <a:fontRef idx="minor"/>
+        </p:style>
+        <p:txBody>
+          <a:bodyPr wrap="none" lIns="90000" tIns="45000" rIns="90000" bIns="45000">
+            <a:spAutoFit/>
+          </a:bodyPr>
+          <a:lstStyle/>
+          <a:p>
+            <a:pPr>
+              <a:lnSpc>
+                <a:spcPct val="100000"/>
+              </a:lnSpc>
+            </a:pPr>
+            <a:r>
+              <a:rPr lang="es-ES" sz="1800" b="0" strike="noStrike" spc="-1">
+                <a:solidFill>
+                  <a:srgbClr val="FFFFFF"/>
+                </a:solidFill>
+                <a:latin typeface="Arial"/>
+              </a:rPr>
+              <a:t>Cambiar el loglevel de manera temporal</a:t>
+            </a:r>
+            <a:endParaRPr lang="es-ES" sz="1800" b="0" strike="noStrike" spc="-1">
+              <a:latin typeface="Arial"/>
+            </a:endParaRPr>
+          </a:p>
+        </p:txBody>
+      </p:sp>
+      <p:sp>
+        <p:nvSpPr>
+          <p:cNvPr id="135" name="CustomShape 5"/>
+          <p:cNvSpPr/>
+          <p:nvPr/>
+        </p:nvSpPr>
+        <p:spPr>
+          <a:xfrm>
+            <a:off x="1739520" y="2650680"/>
+            <a:ext cx="4235040" cy="364680"/>
+          </a:xfrm>
+          <a:prstGeom prst="rect">
+            <a:avLst/>
+          </a:prstGeom>
+          <a:noFill/>
+          <a:ln>
+            <a:noFill/>
+          </a:ln>
+        </p:spPr>
+        <p:style>
+          <a:lnRef idx="0">
+            <a:scrgbClr r="0" g="0" b="0"/>
+          </a:lnRef>
+          <a:fillRef idx="0">
+            <a:scrgbClr r="0" g="0" b="0"/>
+          </a:fillRef>
+          <a:effectRef idx="0">
+            <a:scrgbClr r="0" g="0" b="0"/>
+          </a:effectRef>
+          <a:fontRef idx="minor"/>
+        </p:style>
+        <p:txBody>
+          <a:bodyPr wrap="none" lIns="90000" tIns="45000" rIns="90000" bIns="45000">
+            <a:spAutoFit/>
+          </a:bodyPr>
+          <a:lstStyle/>
+          <a:p>
+            <a:pPr>
+              <a:lnSpc>
+                <a:spcPct val="100000"/>
+              </a:lnSpc>
+            </a:pPr>
+            <a:r>
+              <a:rPr lang="es-ES" sz="1800" b="0" strike="noStrike" spc="-1">
+                <a:solidFill>
+                  <a:srgbClr val="FFFFFF"/>
+                </a:solidFill>
+                <a:latin typeface="Arial"/>
+              </a:rPr>
+              <a:t>Cambiar el loglevel de manera definitiva</a:t>
+            </a:r>
+            <a:endParaRPr lang="es-ES" sz="1800" b="0" strike="noStrike" spc="-1">
+              <a:latin typeface="Arial"/>
+            </a:endParaRPr>
+          </a:p>
+        </p:txBody>
+      </p:sp>
+      <p:sp>
+        <p:nvSpPr>
+          <p:cNvPr id="136" name="CustomShape 6"/>
+          <p:cNvSpPr/>
+          <p:nvPr/>
+        </p:nvSpPr>
+        <p:spPr>
+          <a:xfrm>
+            <a:off x="2335680" y="3111120"/>
+            <a:ext cx="4099320" cy="364680"/>
+          </a:xfrm>
+          <a:prstGeom prst="rect">
+            <a:avLst/>
+          </a:prstGeom>
+          <a:noFill/>
+          <a:ln>
+            <a:noFill/>
+          </a:ln>
+        </p:spPr>
+        <p:style>
+          <a:lnRef idx="0">
+            <a:scrgbClr r="0" g="0" b="0"/>
+          </a:lnRef>
+          <a:fillRef idx="0">
+            <a:scrgbClr r="0" g="0" b="0"/>
+          </a:fillRef>
+          <a:effectRef idx="0">
+            <a:scrgbClr r="0" g="0" b="0"/>
+          </a:effectRef>
+          <a:fontRef idx="minor"/>
+        </p:style>
+        <p:txBody>
+          <a:bodyPr wrap="none" lIns="90000" tIns="45000" rIns="90000" bIns="45000">
+            <a:spAutoFit/>
+          </a:bodyPr>
+          <a:lstStyle/>
+          <a:p>
+            <a:pPr>
+              <a:lnSpc>
+                <a:spcPct val="100000"/>
+              </a:lnSpc>
+            </a:pPr>
+            <a:r>
+              <a:rPr lang="es-ES" sz="1800" b="0" strike="noStrike" spc="-1">
+                <a:solidFill>
+                  <a:srgbClr val="FFFFFF"/>
+                </a:solidFill>
+                <a:latin typeface="Arial"/>
+              </a:rPr>
+              <a:t>Modificando el fichero /etc/default/grub</a:t>
+            </a:r>
+            <a:endParaRPr lang="es-ES" sz="1800" b="0" strike="noStrike" spc="-1">
+              <a:latin typeface="Arial"/>
+            </a:endParaRPr>
+          </a:p>
+        </p:txBody>
+      </p:sp>
+      <p:sp>
+        <p:nvSpPr>
+          <p:cNvPr id="137" name="CustomShape 7"/>
+          <p:cNvSpPr/>
+          <p:nvPr/>
+        </p:nvSpPr>
+        <p:spPr>
+          <a:xfrm>
+            <a:off x="2450520" y="1440360"/>
+            <a:ext cx="4682880" cy="364680"/>
+          </a:xfrm>
+          <a:prstGeom prst="rect">
+            <a:avLst/>
+          </a:prstGeom>
+          <a:noFill/>
+          <a:ln>
+            <a:noFill/>
+          </a:ln>
+        </p:spPr>
+        <p:style>
+          <a:lnRef idx="0">
+            <a:scrgbClr r="0" g="0" b="0"/>
+          </a:lnRef>
+          <a:fillRef idx="0">
+            <a:scrgbClr r="0" g="0" b="0"/>
+          </a:fillRef>
+          <a:effectRef idx="0">
+            <a:scrgbClr r="0" g="0" b="0"/>
+          </a:effectRef>
+          <a:fontRef idx="minor"/>
+        </p:style>
+        <p:txBody>
+          <a:bodyPr wrap="none" lIns="90000" tIns="45000" rIns="90000" bIns="45000">
+            <a:spAutoFit/>
+          </a:bodyPr>
+          <a:lstStyle/>
+          <a:p>
+            <a:pPr>
+              <a:lnSpc>
+                <a:spcPct val="100000"/>
+              </a:lnSpc>
+            </a:pPr>
+            <a:r>
+              <a:rPr lang="es-ES" sz="1800" b="0" strike="noStrike" spc="-1">
+                <a:solidFill>
+                  <a:srgbClr val="FFFFFF"/>
+                </a:solidFill>
+                <a:latin typeface="Arial"/>
+              </a:rPr>
+              <a:t>Modificando el fichero /proc/sys/kernel/printk</a:t>
+            </a:r>
+            <a:endParaRPr lang="es-ES" sz="1800" b="0" strike="noStrike" spc="-1">
+              <a:latin typeface="Arial"/>
+            </a:endParaRPr>
+          </a:p>
+        </p:txBody>
+      </p:sp>
+      <p:sp>
+        <p:nvSpPr>
+          <p:cNvPr id="138" name="CustomShape 8"/>
+          <p:cNvSpPr/>
+          <p:nvPr/>
+        </p:nvSpPr>
+        <p:spPr>
+          <a:xfrm>
+            <a:off x="1675080" y="3513240"/>
+            <a:ext cx="7164000" cy="1550520"/>
+          </a:xfrm>
+          <a:prstGeom prst="rect">
+            <a:avLst/>
+          </a:prstGeom>
+          <a:noFill/>
+          <a:ln>
+            <a:noFill/>
+          </a:ln>
+        </p:spPr>
+        <p:style>
+          <a:lnRef idx="0">
+            <a:scrgbClr r="0" g="0" b="0"/>
+          </a:lnRef>
+          <a:fillRef idx="0">
+            <a:scrgbClr r="0" g="0" b="0"/>
+          </a:fillRef>
+          <a:effectRef idx="0">
+            <a:scrgbClr r="0" g="0" b="0"/>
+          </a:effectRef>
+          <a:fontRef idx="minor"/>
+        </p:style>
+        <p:txBody>
           <a:bodyPr lIns="90000" tIns="45000" rIns="90000" bIns="45000">
             <a:spAutoFit/>
           </a:bodyPr>
@@ -14916,350 +15320,356 @@
               </a:lnSpc>
             </a:pPr>
             <a:r>
-              <a:rPr lang="es-ES" sz="1400" b="0" strike="noStrike" spc="-1">
-                <a:solidFill>
-                  <a:srgbClr val="FFFFFF"/>
-                </a:solidFill>
-                <a:latin typeface="Arial"/>
-              </a:rPr>
-              <a:t>/*  hello-2.c - Demonstrating the module_init() and module_exit() macros.  This is the */</a:t>
-            </a:r>
-            <a:endParaRPr lang="es-ES" sz="1400" b="0" strike="noStrike" spc="-1">
-              <a:latin typeface="Arial"/>
-            </a:endParaRPr>
-          </a:p>
-          <a:p>
-            <a:pPr>
-              <a:lnSpc>
-                <a:spcPct val="100000"/>
-              </a:lnSpc>
-            </a:pPr>
-            <a:endParaRPr lang="es-ES" sz="1400" b="0" strike="noStrike" spc="-1">
-              <a:latin typeface="Arial"/>
-            </a:endParaRPr>
-          </a:p>
-          <a:p>
-            <a:pPr>
-              <a:lnSpc>
-                <a:spcPct val="100000"/>
-              </a:lnSpc>
-            </a:pPr>
-            <a:r>
-              <a:rPr lang="es-ES" sz="1400" b="0" strike="noStrike" spc="-1">
-                <a:solidFill>
-                  <a:srgbClr val="FFFFFF"/>
-                </a:solidFill>
-                <a:latin typeface="Arial"/>
-              </a:rPr>
-              <a:t>#include &lt;linux/module.h&gt;   // Needed by all modules</a:t>
-            </a:r>
-            <a:endParaRPr lang="es-ES" sz="1400" b="0" strike="noStrike" spc="-1">
-              <a:latin typeface="Arial"/>
-            </a:endParaRPr>
-          </a:p>
-          <a:p>
-            <a:pPr>
-              <a:lnSpc>
-                <a:spcPct val="100000"/>
-              </a:lnSpc>
-            </a:pPr>
-            <a:r>
-              <a:rPr lang="es-ES" sz="1400" b="0" strike="noStrike" spc="-1">
-                <a:solidFill>
-                  <a:srgbClr val="FFFFFF"/>
-                </a:solidFill>
-                <a:latin typeface="Arial"/>
-              </a:rPr>
-              <a:t>#include &lt;linux/kernel.h&gt;   // Needed for KERN_ALERT</a:t>
-            </a:r>
-            <a:endParaRPr lang="es-ES" sz="1400" b="0" strike="noStrike" spc="-1">
-              <a:latin typeface="Arial"/>
-            </a:endParaRPr>
-          </a:p>
-          <a:p>
-            <a:pPr>
-              <a:lnSpc>
-                <a:spcPct val="100000"/>
-              </a:lnSpc>
-            </a:pPr>
-            <a:r>
-              <a:rPr lang="es-ES" sz="1400" b="0" strike="noStrike" spc="-1">
-                <a:solidFill>
-                  <a:srgbClr val="FFFFFF"/>
-                </a:solidFill>
-                <a:latin typeface="Arial"/>
-              </a:rPr>
-              <a:t>#include &lt;linux/init.h&gt;     // Needed for the macros</a:t>
-            </a:r>
-            <a:endParaRPr lang="es-ES" sz="1400" b="0" strike="noStrike" spc="-1">
-              <a:latin typeface="Arial"/>
-            </a:endParaRPr>
-          </a:p>
-          <a:p>
-            <a:pPr>
-              <a:lnSpc>
-                <a:spcPct val="100000"/>
-              </a:lnSpc>
-            </a:pPr>
-            <a:endParaRPr lang="es-ES" sz="1400" b="0" strike="noStrike" spc="-1">
-              <a:latin typeface="Arial"/>
-            </a:endParaRPr>
-          </a:p>
-          <a:p>
-            <a:pPr>
-              <a:lnSpc>
-                <a:spcPct val="100000"/>
-              </a:lnSpc>
-            </a:pPr>
-            <a:r>
-              <a:rPr lang="es-ES" sz="1400" b="0" strike="noStrike" spc="-1">
-                <a:solidFill>
-                  <a:srgbClr val="FFFFFF"/>
-                </a:solidFill>
-                <a:latin typeface="Arial"/>
-              </a:rPr>
-              <a:t>static int hello_2_init(void)</a:t>
-            </a:r>
-            <a:endParaRPr lang="es-ES" sz="1400" b="0" strike="noStrike" spc="-1">
-              <a:latin typeface="Arial"/>
-            </a:endParaRPr>
-          </a:p>
-          <a:p>
-            <a:pPr>
-              <a:lnSpc>
-                <a:spcPct val="100000"/>
-              </a:lnSpc>
-            </a:pPr>
-            <a:r>
-              <a:rPr lang="es-ES" sz="1400" b="0" strike="noStrike" spc="-1">
-                <a:solidFill>
-                  <a:srgbClr val="FFFFFF"/>
-                </a:solidFill>
-                <a:latin typeface="Arial"/>
-              </a:rPr>
-              <a:t>{</a:t>
-            </a:r>
-            <a:endParaRPr lang="es-ES" sz="1400" b="0" strike="noStrike" spc="-1">
-              <a:latin typeface="Arial"/>
-            </a:endParaRPr>
-          </a:p>
-          <a:p>
-            <a:pPr>
-              <a:lnSpc>
-                <a:spcPct val="100000"/>
-              </a:lnSpc>
-            </a:pPr>
-            <a:r>
-              <a:rPr lang="es-ES" sz="1400" b="0" strike="noStrike" spc="-1">
-                <a:solidFill>
-                  <a:srgbClr val="FFFFFF"/>
-                </a:solidFill>
-                <a:latin typeface="Arial"/>
-              </a:rPr>
-              <a:t>   printk(KERN_ALERT "Hello, world 2\n");</a:t>
-            </a:r>
-            <a:endParaRPr lang="es-ES" sz="1400" b="0" strike="noStrike" spc="-1">
-              <a:latin typeface="Arial"/>
-            </a:endParaRPr>
-          </a:p>
-          <a:p>
-            <a:pPr>
-              <a:lnSpc>
-                <a:spcPct val="100000"/>
-              </a:lnSpc>
-            </a:pPr>
-            <a:r>
-              <a:rPr lang="es-ES" sz="1400" b="0" strike="noStrike" spc="-1">
-                <a:solidFill>
-                  <a:srgbClr val="FFFFFF"/>
-                </a:solidFill>
-                <a:latin typeface="Arial"/>
-              </a:rPr>
-              <a:t>   return 0;</a:t>
-            </a:r>
-            <a:endParaRPr lang="es-ES" sz="1400" b="0" strike="noStrike" spc="-1">
-              <a:latin typeface="Arial"/>
-            </a:endParaRPr>
-          </a:p>
-          <a:p>
-            <a:pPr>
-              <a:lnSpc>
-                <a:spcPct val="100000"/>
-              </a:lnSpc>
-            </a:pPr>
-            <a:r>
-              <a:rPr lang="es-ES" sz="1400" b="0" strike="noStrike" spc="-1">
-                <a:solidFill>
-                  <a:srgbClr val="FFFFFF"/>
-                </a:solidFill>
-                <a:latin typeface="Arial"/>
-              </a:rPr>
-              <a:t>}</a:t>
-            </a:r>
-            <a:endParaRPr lang="es-ES" sz="1400" b="0" strike="noStrike" spc="-1">
-              <a:latin typeface="Arial"/>
-            </a:endParaRPr>
-          </a:p>
-          <a:p>
-            <a:pPr>
-              <a:lnSpc>
-                <a:spcPct val="100000"/>
-              </a:lnSpc>
-            </a:pPr>
-            <a:endParaRPr lang="es-ES" sz="1400" b="0" strike="noStrike" spc="-1">
-              <a:latin typeface="Arial"/>
-            </a:endParaRPr>
-          </a:p>
-          <a:p>
-            <a:pPr>
-              <a:lnSpc>
-                <a:spcPct val="100000"/>
-              </a:lnSpc>
-            </a:pPr>
-            <a:r>
-              <a:rPr lang="es-ES" sz="1400" b="0" strike="noStrike" spc="-1">
-                <a:solidFill>
-                  <a:srgbClr val="FFFFFF"/>
-                </a:solidFill>
-                <a:latin typeface="Arial"/>
-              </a:rPr>
-              <a:t>static void hello_2_exit(void)</a:t>
-            </a:r>
-            <a:endParaRPr lang="es-ES" sz="1400" b="0" strike="noStrike" spc="-1">
-              <a:latin typeface="Arial"/>
-            </a:endParaRPr>
-          </a:p>
-          <a:p>
-            <a:pPr>
-              <a:lnSpc>
-                <a:spcPct val="100000"/>
-              </a:lnSpc>
-            </a:pPr>
-            <a:r>
-              <a:rPr lang="es-ES" sz="1400" b="0" strike="noStrike" spc="-1">
-                <a:solidFill>
-                  <a:srgbClr val="FFFFFF"/>
-                </a:solidFill>
-                <a:latin typeface="Arial"/>
-              </a:rPr>
-              <a:t>{</a:t>
-            </a:r>
-            <a:endParaRPr lang="es-ES" sz="1400" b="0" strike="noStrike" spc="-1">
-              <a:latin typeface="Arial"/>
-            </a:endParaRPr>
-          </a:p>
-          <a:p>
-            <a:pPr>
-              <a:lnSpc>
-                <a:spcPct val="100000"/>
-              </a:lnSpc>
-            </a:pPr>
-            <a:r>
-              <a:rPr lang="es-ES" sz="1400" b="0" strike="noStrike" spc="-1">
-                <a:solidFill>
-                  <a:srgbClr val="FFFFFF"/>
-                </a:solidFill>
-                <a:latin typeface="Arial"/>
-              </a:rPr>
-              <a:t>   printk(KERN_ALERT "Goodbye, world 2\n");</a:t>
-            </a:r>
-            <a:endParaRPr lang="es-ES" sz="1400" b="0" strike="noStrike" spc="-1">
-              <a:latin typeface="Arial"/>
-            </a:endParaRPr>
-          </a:p>
-          <a:p>
-            <a:pPr>
-              <a:lnSpc>
-                <a:spcPct val="100000"/>
-              </a:lnSpc>
-            </a:pPr>
-            <a:r>
-              <a:rPr lang="es-ES" sz="1400" b="0" strike="noStrike" spc="-1">
-                <a:solidFill>
-                  <a:srgbClr val="FFFFFF"/>
-                </a:solidFill>
-                <a:latin typeface="Arial"/>
-              </a:rPr>
-              <a:t>}</a:t>
-            </a:r>
-            <a:endParaRPr lang="es-ES" sz="1400" b="0" strike="noStrike" spc="-1">
-              <a:latin typeface="Arial"/>
-            </a:endParaRPr>
-          </a:p>
-          <a:p>
-            <a:pPr>
-              <a:lnSpc>
-                <a:spcPct val="100000"/>
-              </a:lnSpc>
-            </a:pPr>
-            <a:endParaRPr lang="es-ES" sz="1400" b="0" strike="noStrike" spc="-1">
-              <a:latin typeface="Arial"/>
-            </a:endParaRPr>
-          </a:p>
-          <a:p>
-            <a:pPr>
-              <a:lnSpc>
-                <a:spcPct val="100000"/>
-              </a:lnSpc>
-            </a:pPr>
-            <a:r>
-              <a:rPr lang="es-ES" sz="1400" b="0" strike="noStrike" spc="-1">
-                <a:solidFill>
-                  <a:srgbClr val="FFFFFF"/>
-                </a:solidFill>
-                <a:latin typeface="Arial"/>
-              </a:rPr>
-              <a:t>module_init(hello_2_init);</a:t>
-            </a:r>
-            <a:endParaRPr lang="es-ES" sz="1400" b="0" strike="noStrike" spc="-1">
-              <a:latin typeface="Arial"/>
-            </a:endParaRPr>
-          </a:p>
-          <a:p>
-            <a:pPr>
-              <a:lnSpc>
-                <a:spcPct val="100000"/>
-              </a:lnSpc>
-            </a:pPr>
-            <a:r>
-              <a:rPr lang="es-ES" sz="1400" b="0" strike="noStrike" spc="-1">
-                <a:solidFill>
-                  <a:srgbClr val="FFFFFF"/>
-                </a:solidFill>
-                <a:latin typeface="Arial"/>
-              </a:rPr>
-              <a:t>module_exit(hello_2_exit);</a:t>
-            </a:r>
-            <a:endParaRPr lang="es-ES" sz="1400" b="0" strike="noStrike" spc="-1">
-              <a:latin typeface="Arial"/>
-            </a:endParaRPr>
-          </a:p>
-          <a:p>
-            <a:pPr>
-              <a:lnSpc>
-                <a:spcPct val="100000"/>
-              </a:lnSpc>
-            </a:pPr>
-            <a:endParaRPr lang="es-ES" sz="1400" b="0" strike="noStrike" spc="-1">
-              <a:latin typeface="Arial"/>
-            </a:endParaRPr>
-          </a:p>
-          <a:p>
-            <a:pPr>
-              <a:lnSpc>
-                <a:spcPct val="100000"/>
-              </a:lnSpc>
-            </a:pPr>
-            <a:r>
-              <a:rPr lang="es-ES" sz="1400" b="0" strike="noStrike" spc="-1">
-                <a:solidFill>
-                  <a:srgbClr val="FFFFFF"/>
-                </a:solidFill>
-                <a:latin typeface="Arial"/>
-              </a:rPr>
-              <a:t>MODULE_LICENSE("GPL");</a:t>
-            </a:r>
-            <a:endParaRPr lang="es-ES" sz="1400" b="0" strike="noStrike" spc="-1">
+              <a:rPr lang="es-ES" sz="1600" b="0" strike="noStrike" spc="-1">
+                <a:solidFill>
+                  <a:srgbClr val="FFFFFF"/>
+                </a:solidFill>
+                <a:latin typeface="Arial"/>
+              </a:rPr>
+              <a:t>GRUB_DEFAULT=0</a:t>
+            </a:r>
+            <a:endParaRPr lang="es-ES" sz="1600" b="0" strike="noStrike" spc="-1">
+              <a:latin typeface="Arial"/>
+            </a:endParaRPr>
+          </a:p>
+          <a:p>
+            <a:pPr>
+              <a:lnSpc>
+                <a:spcPct val="100000"/>
+              </a:lnSpc>
+            </a:pPr>
+            <a:r>
+              <a:rPr lang="es-ES" sz="1600" b="0" strike="noStrike" spc="-1">
+                <a:solidFill>
+                  <a:srgbClr val="FFFFFF"/>
+                </a:solidFill>
+                <a:latin typeface="Arial"/>
+              </a:rPr>
+              <a:t>GRUB_TIMEOUT_STYLE=hidden</a:t>
+            </a:r>
+            <a:endParaRPr lang="es-ES" sz="1600" b="0" strike="noStrike" spc="-1">
+              <a:latin typeface="Arial"/>
+            </a:endParaRPr>
+          </a:p>
+          <a:p>
+            <a:pPr>
+              <a:lnSpc>
+                <a:spcPct val="100000"/>
+              </a:lnSpc>
+            </a:pPr>
+            <a:r>
+              <a:rPr lang="es-ES" sz="1600" b="0" strike="noStrike" spc="-1">
+                <a:solidFill>
+                  <a:srgbClr val="FFFFFF"/>
+                </a:solidFill>
+                <a:latin typeface="Arial"/>
+              </a:rPr>
+              <a:t>GRUB_TIMEOUT=0</a:t>
+            </a:r>
+            <a:endParaRPr lang="es-ES" sz="1600" b="0" strike="noStrike" spc="-1">
+              <a:latin typeface="Arial"/>
+            </a:endParaRPr>
+          </a:p>
+          <a:p>
+            <a:pPr>
+              <a:lnSpc>
+                <a:spcPct val="100000"/>
+              </a:lnSpc>
+            </a:pPr>
+            <a:r>
+              <a:rPr lang="es-ES" sz="1600" b="0" strike="noStrike" spc="-1">
+                <a:solidFill>
+                  <a:srgbClr val="FFFFFF"/>
+                </a:solidFill>
+                <a:latin typeface="Arial"/>
+              </a:rPr>
+              <a:t>GRUB_DISTRIBUTOR=`lsb_release -i -s 2&gt; /dev/null || echo Debian`</a:t>
+            </a:r>
+            <a:endParaRPr lang="es-ES" sz="1600" b="0" strike="noStrike" spc="-1">
+              <a:latin typeface="Arial"/>
+            </a:endParaRPr>
+          </a:p>
+          <a:p>
+            <a:pPr>
+              <a:lnSpc>
+                <a:spcPct val="100000"/>
+              </a:lnSpc>
+            </a:pPr>
+            <a:r>
+              <a:rPr lang="es-ES" sz="1600" b="0" strike="noStrike" spc="-1">
+                <a:solidFill>
+                  <a:srgbClr val="FFFFFF"/>
+                </a:solidFill>
+                <a:latin typeface="Arial"/>
+              </a:rPr>
+              <a:t>GRUB_CMDLINE_LINUX_DEFAULT="maybe-ubiquity"</a:t>
+            </a:r>
+            <a:endParaRPr lang="es-ES" sz="1600" b="0" strike="noStrike" spc="-1">
+              <a:latin typeface="Arial"/>
+            </a:endParaRPr>
+          </a:p>
+          <a:p>
+            <a:pPr>
+              <a:lnSpc>
+                <a:spcPct val="100000"/>
+              </a:lnSpc>
+            </a:pPr>
+            <a:r>
+              <a:rPr lang="es-ES" sz="1600" b="0" strike="noStrike" spc="-1">
+                <a:solidFill>
+                  <a:srgbClr val="FFFFFF"/>
+                </a:solidFill>
+                <a:latin typeface="Arial"/>
+              </a:rPr>
+              <a:t>GRUB_CMDLINE_LINUX="loglevel=3"</a:t>
+            </a:r>
+            <a:endParaRPr lang="es-ES" sz="1600" b="0" strike="noStrike" spc="-1">
+              <a:latin typeface="Arial"/>
+            </a:endParaRPr>
+          </a:p>
+        </p:txBody>
+      </p:sp>
+      <p:sp>
+        <p:nvSpPr>
+          <p:cNvPr id="139" name="CustomShape 9"/>
+          <p:cNvSpPr/>
+          <p:nvPr/>
+        </p:nvSpPr>
+        <p:spPr>
+          <a:xfrm>
+            <a:off x="1693800" y="5223240"/>
+            <a:ext cx="3134520" cy="364680"/>
+          </a:xfrm>
+          <a:prstGeom prst="rect">
+            <a:avLst/>
+          </a:prstGeom>
+          <a:noFill/>
+          <a:ln>
+            <a:noFill/>
+          </a:ln>
+        </p:spPr>
+        <p:style>
+          <a:lnRef idx="0">
+            <a:scrgbClr r="0" g="0" b="0"/>
+          </a:lnRef>
+          <a:fillRef idx="0">
+            <a:scrgbClr r="0" g="0" b="0"/>
+          </a:fillRef>
+          <a:effectRef idx="0">
+            <a:scrgbClr r="0" g="0" b="0"/>
+          </a:effectRef>
+          <a:fontRef idx="minor"/>
+        </p:style>
+        <p:txBody>
+          <a:bodyPr wrap="none" lIns="90000" tIns="45000" rIns="90000" bIns="45000">
+            <a:spAutoFit/>
+          </a:bodyPr>
+          <a:lstStyle/>
+          <a:p>
+            <a:pPr>
+              <a:lnSpc>
+                <a:spcPct val="100000"/>
+              </a:lnSpc>
+            </a:pPr>
+            <a:r>
+              <a:rPr lang="es-ES" sz="1800" b="0" strike="noStrike" spc="-1">
+                <a:solidFill>
+                  <a:srgbClr val="FFFFFF"/>
+                </a:solidFill>
+                <a:latin typeface="Arial"/>
+              </a:rPr>
+              <a:t>Hacer los cambios definitivos</a:t>
+            </a:r>
+            <a:endParaRPr lang="es-ES" sz="1800" b="0" strike="noStrike" spc="-1">
+              <a:latin typeface="Arial"/>
+            </a:endParaRPr>
+          </a:p>
+        </p:txBody>
+      </p:sp>
+      <p:sp>
+        <p:nvSpPr>
+          <p:cNvPr id="140" name="CustomShape 10"/>
+          <p:cNvSpPr/>
+          <p:nvPr/>
+        </p:nvSpPr>
+        <p:spPr>
+          <a:xfrm>
+            <a:off x="2392920" y="6271560"/>
+            <a:ext cx="2395440" cy="364680"/>
+          </a:xfrm>
+          <a:prstGeom prst="rect">
+            <a:avLst/>
+          </a:prstGeom>
+          <a:noFill/>
+          <a:ln>
+            <a:noFill/>
+          </a:ln>
+        </p:spPr>
+        <p:style>
+          <a:lnRef idx="0">
+            <a:scrgbClr r="0" g="0" b="0"/>
+          </a:lnRef>
+          <a:fillRef idx="0">
+            <a:scrgbClr r="0" g="0" b="0"/>
+          </a:fillRef>
+          <a:effectRef idx="0">
+            <a:scrgbClr r="0" g="0" b="0"/>
+          </a:effectRef>
+          <a:fontRef idx="minor"/>
+        </p:style>
+        <p:txBody>
+          <a:bodyPr wrap="none" lIns="90000" tIns="45000" rIns="90000" bIns="45000">
+            <a:spAutoFit/>
+          </a:bodyPr>
+          <a:lstStyle/>
+          <a:p>
+            <a:pPr>
+              <a:lnSpc>
+                <a:spcPct val="100000"/>
+              </a:lnSpc>
+            </a:pPr>
+            <a:r>
+              <a:rPr lang="es-ES" sz="1800" b="0" strike="noStrike" spc="-1">
+                <a:solidFill>
+                  <a:srgbClr val="FFFFFF"/>
+                </a:solidFill>
+                <a:latin typeface="Arial"/>
+              </a:rPr>
+              <a:t>Debian </a:t>
+            </a:r>
+            <a:r>
+              <a:rPr lang="es-ES" sz="1800" b="0" strike="noStrike" spc="-1">
+                <a:solidFill>
+                  <a:srgbClr val="FFFFFF"/>
+                </a:solidFill>
+                <a:latin typeface="Wingdings"/>
+              </a:rPr>
+              <a:t></a:t>
+            </a:r>
+            <a:r>
+              <a:rPr lang="es-ES" sz="1800" b="0" strike="noStrike" spc="-1">
+                <a:solidFill>
+                  <a:srgbClr val="FFFFFF"/>
+                </a:solidFill>
+                <a:latin typeface="Arial"/>
+              </a:rPr>
+              <a:t> update-grub</a:t>
+            </a:r>
+            <a:endParaRPr lang="es-ES" sz="1800" b="0" strike="noStrike" spc="-1">
+              <a:latin typeface="Arial"/>
+            </a:endParaRPr>
+          </a:p>
+        </p:txBody>
+      </p:sp>
+      <p:sp>
+        <p:nvSpPr>
+          <p:cNvPr id="141" name="CustomShape 11"/>
+          <p:cNvSpPr/>
+          <p:nvPr/>
+        </p:nvSpPr>
+        <p:spPr>
+          <a:xfrm>
+            <a:off x="2343960" y="5926680"/>
+            <a:ext cx="1625760" cy="364680"/>
+          </a:xfrm>
+          <a:prstGeom prst="rect">
+            <a:avLst/>
+          </a:prstGeom>
+          <a:noFill/>
+          <a:ln>
+            <a:noFill/>
+          </a:ln>
+        </p:spPr>
+        <p:style>
+          <a:lnRef idx="0">
+            <a:scrgbClr r="0" g="0" b="0"/>
+          </a:lnRef>
+          <a:fillRef idx="0">
+            <a:scrgbClr r="0" g="0" b="0"/>
+          </a:fillRef>
+          <a:effectRef idx="0">
+            <a:scrgbClr r="0" g="0" b="0"/>
+          </a:effectRef>
+          <a:fontRef idx="minor"/>
+        </p:style>
+        <p:txBody>
+          <a:bodyPr wrap="none" lIns="90000" tIns="45000" rIns="90000" bIns="45000">
+            <a:spAutoFit/>
+          </a:bodyPr>
+          <a:lstStyle/>
+          <a:p>
+            <a:pPr>
+              <a:lnSpc>
+                <a:spcPct val="100000"/>
+              </a:lnSpc>
+            </a:pPr>
+            <a:r>
+              <a:rPr lang="es-ES" sz="1800" b="0" strike="noStrike" spc="-1">
+                <a:solidFill>
+                  <a:srgbClr val="FFFFFF"/>
+                </a:solidFill>
+                <a:latin typeface="Arial"/>
+              </a:rPr>
+              <a:t>grub-mkconfig</a:t>
+            </a:r>
+            <a:endParaRPr lang="es-ES" sz="1800" b="0" strike="noStrike" spc="-1">
+              <a:latin typeface="Arial"/>
+            </a:endParaRPr>
+          </a:p>
+        </p:txBody>
+      </p:sp>
+      <p:sp>
+        <p:nvSpPr>
+          <p:cNvPr id="142" name="CustomShape 12"/>
+          <p:cNvSpPr/>
+          <p:nvPr/>
+        </p:nvSpPr>
+        <p:spPr>
+          <a:xfrm>
+            <a:off x="2355840" y="5616000"/>
+            <a:ext cx="3872160" cy="364680"/>
+          </a:xfrm>
+          <a:prstGeom prst="rect">
+            <a:avLst/>
+          </a:prstGeom>
+          <a:noFill/>
+          <a:ln>
+            <a:noFill/>
+          </a:ln>
+        </p:spPr>
+        <p:style>
+          <a:lnRef idx="0">
+            <a:scrgbClr r="0" g="0" b="0"/>
+          </a:lnRef>
+          <a:fillRef idx="0">
+            <a:scrgbClr r="0" g="0" b="0"/>
+          </a:fillRef>
+          <a:effectRef idx="0">
+            <a:scrgbClr r="0" g="0" b="0"/>
+          </a:effectRef>
+          <a:fontRef idx="minor"/>
+        </p:style>
+        <p:txBody>
+          <a:bodyPr wrap="none" lIns="90000" tIns="45000" rIns="90000" bIns="45000">
+            <a:spAutoFit/>
+          </a:bodyPr>
+          <a:lstStyle/>
+          <a:p>
+            <a:pPr>
+              <a:lnSpc>
+                <a:spcPct val="100000"/>
+              </a:lnSpc>
+            </a:pPr>
+            <a:r>
+              <a:rPr lang="es-ES" sz="1800" b="0" strike="noStrike" spc="-1">
+                <a:solidFill>
+                  <a:srgbClr val="FFFFFF"/>
+                </a:solidFill>
+                <a:latin typeface="Arial"/>
+              </a:rPr>
+              <a:t>grub-mkconfig -o /boot/grub/grub.cfg</a:t>
+            </a:r>
+            <a:endParaRPr lang="es-ES" sz="1800" b="0" strike="noStrike" spc="-1">
               <a:latin typeface="Arial"/>
             </a:endParaRPr>
           </a:p>
@@ -15276,7 +15686,7 @@
         <p:circle/>
       </p:transition>
     </mc:Choice>
-    <mc:Fallback xmlns:p15="http://schemas.microsoft.com/office/powerpoint/2012/main" xmlns="">
+    <mc:Fallback xmlns="" xmlns:p15="http://schemas.microsoft.com/office/powerpoint/2012/main">
       <p:transition spd="med">
         <p:circle/>
       </p:transition>
@@ -15304,7 +15714,7 @@
       </p:grpSpPr>
       <p:sp>
         <p:nvSpPr>
-          <p:cNvPr id="148" name="TextShape 1"/>
+          <p:cNvPr id="143" name="TextShape 1"/>
           <p:cNvSpPr txBox="1"/>
           <p:nvPr/>
         </p:nvSpPr>
@@ -15346,7 +15756,7 @@
       </p:sp>
       <p:sp>
         <p:nvSpPr>
-          <p:cNvPr id="149" name="CustomShape 2"/>
+          <p:cNvPr id="144" name="CustomShape 2"/>
           <p:cNvSpPr/>
           <p:nvPr/>
         </p:nvSpPr>
@@ -15392,7 +15802,7 @@
       </p:sp>
       <p:pic>
         <p:nvPicPr>
-          <p:cNvPr id="150" name="Picture 5" descr="Linking Project tasks"/>
+          <p:cNvPr id="145" name="Picture 5" descr="Linking Project tasks"/>
           <p:cNvPicPr/>
           <p:nvPr/>
         </p:nvPicPr>
@@ -15415,7 +15825,7 @@
       </p:pic>
       <p:pic>
         <p:nvPicPr>
-          <p:cNvPr id="151" name="Picture 2"/>
+          <p:cNvPr id="146" name="Picture 2"/>
           <p:cNvPicPr/>
           <p:nvPr/>
         </p:nvPicPr>
@@ -15438,14 +15848,14 @@
       </p:pic>
       <p:sp>
         <p:nvSpPr>
-          <p:cNvPr id="152" name="CustomShape 3"/>
+          <p:cNvPr id="147" name="CustomShape 3"/>
           <p:cNvSpPr/>
           <p:nvPr/>
         </p:nvSpPr>
         <p:spPr>
           <a:xfrm>
-            <a:off x="1525320" y="1521720"/>
-            <a:ext cx="7313760" cy="4992120"/>
+            <a:off x="1483920" y="1540080"/>
+            <a:ext cx="7659720" cy="4565880"/>
           </a:xfrm>
           <a:prstGeom prst="rect">
             <a:avLst/>
@@ -15485,7 +15895,7 @@
                 </a:solidFill>
                 <a:latin typeface="Arial"/>
               </a:rPr>
-              <a:t>/*  hello-3.c - Illustrating the __init, __initdata and __exit macros. */</a:t>
+              <a:t>/*  hello-2.c - Demonstrating the module_init() and module_exit() macros.  This is the */</a:t>
             </a:r>
             <a:endParaRPr lang="es-ES" sz="1400" b="0" strike="noStrike" spc="-1">
               <a:latin typeface="Arial"/>
@@ -15514,7 +15924,7 @@
                 </a:solidFill>
                 <a:latin typeface="Arial"/>
               </a:rPr>
-              <a:t>#include &lt;linux/module.h&gt;      /* Needed by all modules */</a:t>
+              <a:t>#include &lt;linux/module.h&gt;   // Needed by all modules</a:t>
             </a:r>
             <a:endParaRPr lang="es-ES" sz="1400" b="0" strike="noStrike" spc="-1">
               <a:latin typeface="Arial"/>
@@ -15533,7 +15943,7 @@
                 </a:solidFill>
                 <a:latin typeface="Arial"/>
               </a:rPr>
-              <a:t>#include &lt;linux/kernel.h&gt;      /* Needed for KERN_ALERT */</a:t>
+              <a:t>#include &lt;linux/kernel.h&gt;   // Needed for KERN_ALERT</a:t>
             </a:r>
             <a:endParaRPr lang="es-ES" sz="1400" b="0" strike="noStrike" spc="-1">
               <a:latin typeface="Arial"/>
@@ -15552,7 +15962,7 @@
                 </a:solidFill>
                 <a:latin typeface="Arial"/>
               </a:rPr>
-              <a:t>#include &lt;linux/init.h&gt;        /* Needed for the macros */</a:t>
+              <a:t>#include &lt;linux/init.h&gt;     // Needed for the macros</a:t>
             </a:r>
             <a:endParaRPr lang="es-ES" sz="1400" b="0" strike="noStrike" spc="-1">
               <a:latin typeface="Arial"/>
@@ -15581,7 +15991,7 @@
                 </a:solidFill>
                 <a:latin typeface="Arial"/>
               </a:rPr>
-              <a:t>static int hello3_data __initdata = 3;</a:t>
+              <a:t>static int hello_2_init(void)</a:t>
             </a:r>
             <a:endParaRPr lang="es-ES" sz="1400" b="0" strike="noStrike" spc="-1">
               <a:latin typeface="Arial"/>
@@ -15593,6 +16003,15 @@
                 <a:spcPct val="100000"/>
               </a:lnSpc>
             </a:pPr>
+            <a:r>
+              <a:rPr lang="es-ES" sz="1400" b="0" strike="noStrike" spc="-1">
+                <a:solidFill>
+                  <a:srgbClr val="FFFFFF"/>
+                </a:solidFill>
+                <a:latin typeface="Arial"/>
+              </a:rPr>
+              <a:t>{</a:t>
+            </a:r>
             <a:endParaRPr lang="es-ES" sz="1400" b="0" strike="noStrike" spc="-1">
               <a:latin typeface="Arial"/>
             </a:endParaRPr>
@@ -15610,7 +16029,7 @@
                 </a:solidFill>
                 <a:latin typeface="Arial"/>
               </a:rPr>
-              <a:t>static int __init hello_3_init(void)</a:t>
+              <a:t>   printk(KERN_ALERT "Hello, world 2\n");</a:t>
             </a:r>
             <a:endParaRPr lang="es-ES" sz="1400" b="0" strike="noStrike" spc="-1">
               <a:latin typeface="Arial"/>
@@ -15629,6 +16048,73 @@
                 </a:solidFill>
                 <a:latin typeface="Arial"/>
               </a:rPr>
+              <a:t>   return 0;</a:t>
+            </a:r>
+            <a:endParaRPr lang="es-ES" sz="1400" b="0" strike="noStrike" spc="-1">
+              <a:latin typeface="Arial"/>
+            </a:endParaRPr>
+          </a:p>
+          <a:p>
+            <a:pPr>
+              <a:lnSpc>
+                <a:spcPct val="100000"/>
+              </a:lnSpc>
+            </a:pPr>
+            <a:r>
+              <a:rPr lang="es-ES" sz="1400" b="0" strike="noStrike" spc="-1">
+                <a:solidFill>
+                  <a:srgbClr val="FFFFFF"/>
+                </a:solidFill>
+                <a:latin typeface="Arial"/>
+              </a:rPr>
+              <a:t>}</a:t>
+            </a:r>
+            <a:endParaRPr lang="es-ES" sz="1400" b="0" strike="noStrike" spc="-1">
+              <a:latin typeface="Arial"/>
+            </a:endParaRPr>
+          </a:p>
+          <a:p>
+            <a:pPr>
+              <a:lnSpc>
+                <a:spcPct val="100000"/>
+              </a:lnSpc>
+            </a:pPr>
+            <a:endParaRPr lang="es-ES" sz="1400" b="0" strike="noStrike" spc="-1">
+              <a:latin typeface="Arial"/>
+            </a:endParaRPr>
+          </a:p>
+          <a:p>
+            <a:pPr>
+              <a:lnSpc>
+                <a:spcPct val="100000"/>
+              </a:lnSpc>
+            </a:pPr>
+            <a:r>
+              <a:rPr lang="es-ES" sz="1400" b="0" strike="noStrike" spc="-1">
+                <a:solidFill>
+                  <a:srgbClr val="FFFFFF"/>
+                </a:solidFill>
+                <a:latin typeface="Arial"/>
+              </a:rPr>
+              <a:t>static void hello_2_exit(void)</a:t>
+            </a:r>
+            <a:endParaRPr lang="es-ES" sz="1400" b="0" strike="noStrike" spc="-1">
+              <a:latin typeface="Arial"/>
+            </a:endParaRPr>
+          </a:p>
+          <a:p>
+            <a:pPr>
+              <a:lnSpc>
+                <a:spcPct val="100000"/>
+              </a:lnSpc>
+            </a:pPr>
+            <a:r>
+              <a:rPr lang="es-ES" sz="1400" b="0" strike="noStrike" spc="-1">
+                <a:solidFill>
+                  <a:srgbClr val="FFFFFF"/>
+                </a:solidFill>
+                <a:latin typeface="Arial"/>
+              </a:rPr>
               <a:t>{</a:t>
             </a:r>
             <a:endParaRPr lang="es-ES" sz="1400" b="0" strike="noStrike" spc="-1">
@@ -15648,7 +16134,7 @@
                 </a:solidFill>
                 <a:latin typeface="Arial"/>
               </a:rPr>
-              <a:t>   printk(KERN_ALERT "Hello, world %d\n", hello3_data);</a:t>
+              <a:t>   printk(KERN_ALERT "Goodbye, world 2\n");</a:t>
             </a:r>
             <a:endParaRPr lang="es-ES" sz="1400" b="0" strike="noStrike" spc="-1">
               <a:latin typeface="Arial"/>
@@ -15667,7 +16153,7 @@
                 </a:solidFill>
                 <a:latin typeface="Arial"/>
               </a:rPr>
-              <a:t>   return 0;</a:t>
+              <a:t>}</a:t>
             </a:r>
             <a:endParaRPr lang="es-ES" sz="1400" b="0" strike="noStrike" spc="-1">
               <a:latin typeface="Arial"/>
@@ -15679,6 +16165,16 @@
                 <a:spcPct val="100000"/>
               </a:lnSpc>
             </a:pPr>
+            <a:endParaRPr lang="es-ES" sz="1400" b="0" strike="noStrike" spc="-1">
+              <a:latin typeface="Arial"/>
+            </a:endParaRPr>
+          </a:p>
+          <a:p>
+            <a:pPr>
+              <a:lnSpc>
+                <a:spcPct val="100000"/>
+              </a:lnSpc>
+            </a:pPr>
             <a:r>
               <a:rPr lang="es-ES" sz="1400" b="0" strike="noStrike" spc="-1">
                 <a:solidFill>
@@ -15686,7 +16182,7 @@
                 </a:solidFill>
                 <a:latin typeface="Arial"/>
               </a:rPr>
-              <a:t>}</a:t>
+              <a:t>module_init(hello_2_init);</a:t>
             </a:r>
             <a:endParaRPr lang="es-ES" sz="1400" b="0" strike="noStrike" spc="-1">
               <a:latin typeface="Arial"/>
@@ -15698,16 +16194,6 @@
                 <a:spcPct val="100000"/>
               </a:lnSpc>
             </a:pPr>
-            <a:endParaRPr lang="es-ES" sz="1400" b="0" strike="noStrike" spc="-1">
-              <a:latin typeface="Arial"/>
-            </a:endParaRPr>
-          </a:p>
-          <a:p>
-            <a:pPr>
-              <a:lnSpc>
-                <a:spcPct val="100000"/>
-              </a:lnSpc>
-            </a:pPr>
             <a:r>
               <a:rPr lang="es-ES" sz="1400" b="0" strike="noStrike" spc="-1">
                 <a:solidFill>
@@ -15715,112 +16201,7 @@
                 </a:solidFill>
                 <a:latin typeface="Arial"/>
               </a:rPr>
-              <a:t>static void __exit hello_3_exit(void)</a:t>
-            </a:r>
-            <a:endParaRPr lang="es-ES" sz="1400" b="0" strike="noStrike" spc="-1">
-              <a:latin typeface="Arial"/>
-            </a:endParaRPr>
-          </a:p>
-          <a:p>
-            <a:pPr>
-              <a:lnSpc>
-                <a:spcPct val="100000"/>
-              </a:lnSpc>
-            </a:pPr>
-            <a:r>
-              <a:rPr lang="es-ES" sz="1400" b="0" strike="noStrike" spc="-1">
-                <a:solidFill>
-                  <a:srgbClr val="FFFFFF"/>
-                </a:solidFill>
-                <a:latin typeface="Arial"/>
-              </a:rPr>
-              <a:t>{</a:t>
-            </a:r>
-            <a:endParaRPr lang="es-ES" sz="1400" b="0" strike="noStrike" spc="-1">
-              <a:latin typeface="Arial"/>
-            </a:endParaRPr>
-          </a:p>
-          <a:p>
-            <a:pPr>
-              <a:lnSpc>
-                <a:spcPct val="100000"/>
-              </a:lnSpc>
-            </a:pPr>
-            <a:r>
-              <a:rPr lang="es-ES" sz="1400" b="0" strike="noStrike" spc="-1">
-                <a:solidFill>
-                  <a:srgbClr val="FFFFFF"/>
-                </a:solidFill>
-                <a:latin typeface="Arial"/>
-              </a:rPr>
-              <a:t>   printk(KERN_ALERT "Goodbye, world 3\n");</a:t>
-            </a:r>
-            <a:endParaRPr lang="es-ES" sz="1400" b="0" strike="noStrike" spc="-1">
-              <a:latin typeface="Arial"/>
-            </a:endParaRPr>
-          </a:p>
-          <a:p>
-            <a:pPr>
-              <a:lnSpc>
-                <a:spcPct val="100000"/>
-              </a:lnSpc>
-            </a:pPr>
-            <a:r>
-              <a:rPr lang="es-ES" sz="1400" b="0" strike="noStrike" spc="-1">
-                <a:solidFill>
-                  <a:srgbClr val="FFFFFF"/>
-                </a:solidFill>
-                <a:latin typeface="Arial"/>
-              </a:rPr>
-              <a:t>}</a:t>
-            </a:r>
-            <a:endParaRPr lang="es-ES" sz="1400" b="0" strike="noStrike" spc="-1">
-              <a:latin typeface="Arial"/>
-            </a:endParaRPr>
-          </a:p>
-          <a:p>
-            <a:pPr>
-              <a:lnSpc>
-                <a:spcPct val="100000"/>
-              </a:lnSpc>
-            </a:pPr>
-            <a:endParaRPr lang="es-ES" sz="1400" b="0" strike="noStrike" spc="-1">
-              <a:latin typeface="Arial"/>
-            </a:endParaRPr>
-          </a:p>
-          <a:p>
-            <a:pPr>
-              <a:lnSpc>
-                <a:spcPct val="100000"/>
-              </a:lnSpc>
-            </a:pPr>
-            <a:r>
-              <a:rPr lang="es-ES" sz="1400" b="0" strike="noStrike" spc="-1">
-                <a:solidFill>
-                  <a:srgbClr val="FFFFFF"/>
-                </a:solidFill>
-                <a:latin typeface="Arial"/>
-              </a:rPr>
-              <a:t>module_init(hello_3_init);</a:t>
-            </a:r>
-            <a:endParaRPr lang="es-ES" sz="1400" b="0" strike="noStrike" spc="-1">
-              <a:latin typeface="Arial"/>
-            </a:endParaRPr>
-          </a:p>
-          <a:p>
-            <a:pPr>
-              <a:lnSpc>
-                <a:spcPct val="100000"/>
-              </a:lnSpc>
-            </a:pPr>
-            <a:r>
-              <a:rPr lang="es-ES" sz="1400" b="0" strike="noStrike" spc="-1">
-                <a:solidFill>
-                  <a:srgbClr val="FFFFFF"/>
-                </a:solidFill>
-                <a:latin typeface="Arial"/>
-              </a:rPr>
-              <a:t>module_exit(hello_3_exit);</a:t>
+              <a:t>module_exit(hello_2_exit);</a:t>
             </a:r>
             <a:endParaRPr lang="es-ES" sz="1400" b="0" strike="noStrike" spc="-1">
               <a:latin typeface="Arial"/>
@@ -15868,7 +16249,7 @@
         <p:circle/>
       </p:transition>
     </mc:Choice>
-    <mc:Fallback xmlns:p15="http://schemas.microsoft.com/office/powerpoint/2012/main" xmlns="">
+    <mc:Fallback xmlns="" xmlns:p15="http://schemas.microsoft.com/office/powerpoint/2012/main">
       <p:transition spd="med">
         <p:circle/>
       </p:transition>
